--- a/Presentation.pptx
+++ b/Presentation.pptx
@@ -2,7 +2,7 @@
 <file path=ppt/presentation.xml><?xml version="1.0" encoding="utf-8"?>
 <p:presentation xmlns:a="http://schemas.openxmlformats.org/drawingml/2006/main" xmlns:r="http://schemas.openxmlformats.org/officeDocument/2006/relationships" xmlns:p="http://schemas.openxmlformats.org/presentationml/2006/main" saveSubsetFonts="1">
   <p:sldMasterIdLst>
-    <p:sldMasterId id="2147483648" r:id="rId1"/>
+    <p:sldMasterId id="2147483732" r:id="rId1"/>
   </p:sldMasterIdLst>
   <p:sldIdLst>
     <p:sldId id="256" r:id="rId2"/>
@@ -10,7 +10,8 @@
     <p:sldId id="259" r:id="rId4"/>
     <p:sldId id="260" r:id="rId5"/>
     <p:sldId id="261" r:id="rId6"/>
-    <p:sldId id="258" r:id="rId7"/>
+    <p:sldId id="262" r:id="rId7"/>
+    <p:sldId id="258" r:id="rId8"/>
   </p:sldIdLst>
   <p:sldSz cx="12192000" cy="6858000"/>
   <p:notesSz cx="6858000" cy="9144000"/>
@@ -109,6 +110,11 @@
       </a:defRPr>
     </a:lvl9pPr>
   </p:defaultTextStyle>
+  <p:extLst>
+    <p:ext uri="{EFAFB233-063F-42B5-8137-9DF3F51BA10A}">
+      <p15:sldGuideLst xmlns:p15="http://schemas.microsoft.com/office/powerpoint/2012/main"/>
+    </p:ext>
+  </p:extLst>
 </p:presentation>
 </file>
 
@@ -141,15 +147,32 @@
         </p:nvSpPr>
         <p:spPr>
           <a:xfrm>
-            <a:off x="1524000" y="1122363"/>
-            <a:ext cx="9144000" cy="2387600"/>
+            <a:off x="1751012" y="609601"/>
+            <a:ext cx="8676222" cy="3200400"/>
           </a:xfrm>
         </p:spPr>
         <p:txBody>
-          <a:bodyPr anchor="b"/>
+          <a:bodyPr anchor="b">
+            <a:normAutofit/>
+          </a:bodyPr>
           <a:lstStyle>
             <a:lvl1pPr algn="ctr">
-              <a:defRPr sz="6000"/>
+              <a:defRPr sz="4800">
+                <a:effectLst>
+                  <a:glow rad="38100">
+                    <a:schemeClr val="bg1">
+                      <a:lumMod val="65000"/>
+                      <a:lumOff val="35000"/>
+                      <a:alpha val="50000"/>
+                    </a:schemeClr>
+                  </a:glow>
+                  <a:outerShdw blurRad="28575" dist="31750" dir="13200000" algn="tl" rotWithShape="0">
+                    <a:srgbClr val="000000">
+                      <a:alpha val="25000"/>
+                    </a:srgbClr>
+                  </a:outerShdw>
+                </a:effectLst>
+              </a:defRPr>
             </a:lvl1pPr>
           </a:lstStyle>
           <a:p>
@@ -157,7 +180,7 @@
               <a:rPr lang="en-US" smtClean="0"/>
               <a:t>Click to edit Master title style</a:t>
             </a:r>
-            <a:endParaRPr lang="en-US"/>
+            <a:endParaRPr lang="en-US" dirty="0"/>
           </a:p>
         </p:txBody>
       </p:sp>
@@ -173,48 +196,113 @@
         </p:nvSpPr>
         <p:spPr>
           <a:xfrm>
-            <a:off x="1524000" y="3602038"/>
-            <a:ext cx="9144000" cy="1655762"/>
+            <a:off x="1751012" y="3886200"/>
+            <a:ext cx="8676222" cy="1905000"/>
           </a:xfrm>
         </p:spPr>
         <p:txBody>
-          <a:bodyPr/>
+          <a:bodyPr anchor="t">
+            <a:normAutofit/>
+          </a:bodyPr>
           <a:lstStyle>
             <a:lvl1pPr marL="0" indent="0" algn="ctr">
               <a:buNone/>
-              <a:defRPr sz="2400"/>
+              <a:defRPr sz="2100">
+                <a:gradFill flip="none" rotWithShape="1">
+                  <a:gsLst>
+                    <a:gs pos="0">
+                      <a:schemeClr val="tx1"/>
+                    </a:gs>
+                    <a:gs pos="100000">
+                      <a:schemeClr val="tx1">
+                        <a:lumMod val="75000"/>
+                      </a:schemeClr>
+                    </a:gs>
+                  </a:gsLst>
+                  <a:lin ang="5400000" scaled="0"/>
+                  <a:tileRect/>
+                </a:gradFill>
+              </a:defRPr>
             </a:lvl1pPr>
             <a:lvl2pPr marL="457200" indent="0" algn="ctr">
               <a:buNone/>
-              <a:defRPr sz="2000"/>
+              <a:defRPr>
+                <a:solidFill>
+                  <a:schemeClr val="tx1">
+                    <a:tint val="75000"/>
+                  </a:schemeClr>
+                </a:solidFill>
+              </a:defRPr>
             </a:lvl2pPr>
             <a:lvl3pPr marL="914400" indent="0" algn="ctr">
               <a:buNone/>
-              <a:defRPr sz="1800"/>
+              <a:defRPr>
+                <a:solidFill>
+                  <a:schemeClr val="tx1">
+                    <a:tint val="75000"/>
+                  </a:schemeClr>
+                </a:solidFill>
+              </a:defRPr>
             </a:lvl3pPr>
             <a:lvl4pPr marL="1371600" indent="0" algn="ctr">
               <a:buNone/>
-              <a:defRPr sz="1600"/>
+              <a:defRPr>
+                <a:solidFill>
+                  <a:schemeClr val="tx1">
+                    <a:tint val="75000"/>
+                  </a:schemeClr>
+                </a:solidFill>
+              </a:defRPr>
             </a:lvl4pPr>
             <a:lvl5pPr marL="1828800" indent="0" algn="ctr">
               <a:buNone/>
-              <a:defRPr sz="1600"/>
+              <a:defRPr>
+                <a:solidFill>
+                  <a:schemeClr val="tx1">
+                    <a:tint val="75000"/>
+                  </a:schemeClr>
+                </a:solidFill>
+              </a:defRPr>
             </a:lvl5pPr>
             <a:lvl6pPr marL="2286000" indent="0" algn="ctr">
               <a:buNone/>
-              <a:defRPr sz="1600"/>
+              <a:defRPr>
+                <a:solidFill>
+                  <a:schemeClr val="tx1">
+                    <a:tint val="75000"/>
+                  </a:schemeClr>
+                </a:solidFill>
+              </a:defRPr>
             </a:lvl6pPr>
             <a:lvl7pPr marL="2743200" indent="0" algn="ctr">
               <a:buNone/>
-              <a:defRPr sz="1600"/>
+              <a:defRPr>
+                <a:solidFill>
+                  <a:schemeClr val="tx1">
+                    <a:tint val="75000"/>
+                  </a:schemeClr>
+                </a:solidFill>
+              </a:defRPr>
             </a:lvl7pPr>
             <a:lvl8pPr marL="3200400" indent="0" algn="ctr">
               <a:buNone/>
-              <a:defRPr sz="1600"/>
+              <a:defRPr>
+                <a:solidFill>
+                  <a:schemeClr val="tx1">
+                    <a:tint val="75000"/>
+                  </a:schemeClr>
+                </a:solidFill>
+              </a:defRPr>
             </a:lvl8pPr>
             <a:lvl9pPr marL="3657600" indent="0" algn="ctr">
               <a:buNone/>
-              <a:defRPr sz="1600"/>
+              <a:defRPr>
+                <a:solidFill>
+                  <a:schemeClr val="tx1">
+                    <a:tint val="75000"/>
+                  </a:schemeClr>
+                </a:solidFill>
+              </a:defRPr>
             </a:lvl9pPr>
           </a:lstStyle>
           <a:p>
@@ -222,7 +310,7 @@
               <a:rPr lang="en-US" smtClean="0"/>
               <a:t>Click to edit Master subtitle style</a:t>
             </a:r>
-            <a:endParaRPr lang="en-US"/>
+            <a:endParaRPr lang="en-US" dirty="0"/>
           </a:p>
         </p:txBody>
       </p:sp>
@@ -243,7 +331,7 @@
           <a:p>
             <a:fld id="{B497CC74-6C4D-4E27-8594-834FBF3C7E8D}" type="datetimeFigureOut">
               <a:rPr lang="en-US" smtClean="0"/>
-              <a:t>11/14/2018</a:t>
+              <a:t>11/15/2018</a:t>
             </a:fld>
             <a:endParaRPr lang="en-US"/>
           </a:p>
@@ -294,7 +382,7 @@
     </p:spTree>
     <p:extLst>
       <p:ext uri="{BB962C8B-B14F-4D97-AF65-F5344CB8AC3E}">
-        <p14:creationId xmlns:p14="http://schemas.microsoft.com/office/powerpoint/2010/main" val="703199782"/>
+        <p14:creationId xmlns:p14="http://schemas.microsoft.com/office/powerpoint/2010/main" val="2529284004"/>
       </p:ext>
     </p:extLst>
   </p:cSld>
@@ -305,6 +393,2113 @@
 </file>
 
 <file path=ppt/slideLayouts/slideLayout10.xml><?xml version="1.0" encoding="utf-8"?>
+<p:sldLayout xmlns:a="http://schemas.openxmlformats.org/drawingml/2006/main" xmlns:r="http://schemas.openxmlformats.org/officeDocument/2006/relationships" xmlns:p="http://schemas.openxmlformats.org/presentationml/2006/main" preserve="1">
+  <p:cSld name="Panoramic Picture with Caption">
+    <p:spTree>
+      <p:nvGrpSpPr>
+        <p:cNvPr id="1" name=""/>
+        <p:cNvGrpSpPr/>
+        <p:nvPr/>
+      </p:nvGrpSpPr>
+      <p:grpSpPr>
+        <a:xfrm>
+          <a:off x="0" y="0"/>
+          <a:ext cx="0" cy="0"/>
+          <a:chOff x="0" y="0"/>
+          <a:chExt cx="0" cy="0"/>
+        </a:xfrm>
+      </p:grpSpPr>
+      <p:sp>
+        <p:nvSpPr>
+          <p:cNvPr id="2" name="Title 1"/>
+          <p:cNvSpPr>
+            <a:spLocks noGrp="1"/>
+          </p:cNvSpPr>
+          <p:nvPr>
+            <p:ph type="title"/>
+          </p:nvPr>
+        </p:nvSpPr>
+        <p:spPr>
+          <a:xfrm>
+            <a:off x="1141413" y="4732865"/>
+            <a:ext cx="9906000" cy="566738"/>
+          </a:xfrm>
+        </p:spPr>
+        <p:txBody>
+          <a:bodyPr anchor="b">
+            <a:normAutofit/>
+          </a:bodyPr>
+          <a:lstStyle>
+            <a:lvl1pPr algn="l">
+              <a:defRPr sz="2400" b="0"/>
+            </a:lvl1pPr>
+          </a:lstStyle>
+          <a:p>
+            <a:r>
+              <a:rPr lang="en-US" smtClean="0"/>
+              <a:t>Click to edit Master title style</a:t>
+            </a:r>
+            <a:endParaRPr lang="en-US" dirty="0"/>
+          </a:p>
+        </p:txBody>
+      </p:sp>
+      <p:sp>
+        <p:nvSpPr>
+          <p:cNvPr id="3" name="Picture Placeholder 2"/>
+          <p:cNvSpPr>
+            <a:spLocks noGrp="1" noChangeAspect="1"/>
+          </p:cNvSpPr>
+          <p:nvPr>
+            <p:ph type="pic" idx="1"/>
+          </p:nvPr>
+        </p:nvSpPr>
+        <p:spPr>
+          <a:xfrm>
+            <a:off x="1979612" y="932112"/>
+            <a:ext cx="8225944" cy="3164976"/>
+          </a:xfrm>
+          <a:prstGeom prst="roundRect">
+            <a:avLst>
+              <a:gd name="adj" fmla="val 4380"/>
+            </a:avLst>
+          </a:prstGeom>
+          <a:ln w="38100">
+            <a:gradFill flip="none" rotWithShape="1">
+              <a:gsLst>
+                <a:gs pos="0">
+                  <a:schemeClr val="bg2"/>
+                </a:gs>
+                <a:gs pos="100000">
+                  <a:schemeClr val="bg2">
+                    <a:lumMod val="75000"/>
+                  </a:schemeClr>
+                </a:gs>
+              </a:gsLst>
+              <a:lin ang="5400000" scaled="0"/>
+              <a:tileRect/>
+            </a:gradFill>
+          </a:ln>
+          <a:effectLst>
+            <a:innerShdw blurRad="57150" dist="38100" dir="14460000">
+              <a:srgbClr val="000000">
+                <a:alpha val="70000"/>
+              </a:srgbClr>
+            </a:innerShdw>
+          </a:effectLst>
+        </p:spPr>
+        <p:txBody>
+          <a:bodyPr anchor="t">
+            <a:normAutofit/>
+          </a:bodyPr>
+          <a:lstStyle>
+            <a:lvl1pPr marL="0" indent="0" algn="ctr">
+              <a:buNone/>
+              <a:defRPr sz="1600"/>
+            </a:lvl1pPr>
+            <a:lvl2pPr marL="457200" indent="0">
+              <a:buNone/>
+              <a:defRPr sz="1600"/>
+            </a:lvl2pPr>
+            <a:lvl3pPr marL="914400" indent="0">
+              <a:buNone/>
+              <a:defRPr sz="1600"/>
+            </a:lvl3pPr>
+            <a:lvl4pPr marL="1371600" indent="0">
+              <a:buNone/>
+              <a:defRPr sz="1600"/>
+            </a:lvl4pPr>
+            <a:lvl5pPr marL="1828800" indent="0">
+              <a:buNone/>
+              <a:defRPr sz="1600"/>
+            </a:lvl5pPr>
+            <a:lvl6pPr marL="2286000" indent="0">
+              <a:buNone/>
+              <a:defRPr sz="1600"/>
+            </a:lvl6pPr>
+            <a:lvl7pPr marL="2743200" indent="0">
+              <a:buNone/>
+              <a:defRPr sz="1600"/>
+            </a:lvl7pPr>
+            <a:lvl8pPr marL="3200400" indent="0">
+              <a:buNone/>
+              <a:defRPr sz="1600"/>
+            </a:lvl8pPr>
+            <a:lvl9pPr marL="3657600" indent="0">
+              <a:buNone/>
+              <a:defRPr sz="1600"/>
+            </a:lvl9pPr>
+          </a:lstStyle>
+          <a:p>
+            <a:r>
+              <a:rPr lang="en-US" smtClean="0"/>
+              <a:t>Click icon to add picture</a:t>
+            </a:r>
+            <a:endParaRPr lang="en-US" dirty="0"/>
+          </a:p>
+        </p:txBody>
+      </p:sp>
+      <p:sp>
+        <p:nvSpPr>
+          <p:cNvPr id="4" name="Text Placeholder 3"/>
+          <p:cNvSpPr>
+            <a:spLocks noGrp="1"/>
+          </p:cNvSpPr>
+          <p:nvPr>
+            <p:ph type="body" sz="half" idx="2"/>
+          </p:nvPr>
+        </p:nvSpPr>
+        <p:spPr>
+          <a:xfrm>
+            <a:off x="1141413" y="5299603"/>
+            <a:ext cx="9906000" cy="493712"/>
+          </a:xfrm>
+        </p:spPr>
+        <p:txBody>
+          <a:bodyPr>
+            <a:normAutofit/>
+          </a:bodyPr>
+          <a:lstStyle>
+            <a:lvl1pPr marL="0" indent="0">
+              <a:buNone/>
+              <a:defRPr sz="1400"/>
+            </a:lvl1pPr>
+            <a:lvl2pPr marL="457200" indent="0">
+              <a:buNone/>
+              <a:defRPr sz="1200"/>
+            </a:lvl2pPr>
+            <a:lvl3pPr marL="914400" indent="0">
+              <a:buNone/>
+              <a:defRPr sz="1000"/>
+            </a:lvl3pPr>
+            <a:lvl4pPr marL="1371600" indent="0">
+              <a:buNone/>
+              <a:defRPr sz="900"/>
+            </a:lvl4pPr>
+            <a:lvl5pPr marL="1828800" indent="0">
+              <a:buNone/>
+              <a:defRPr sz="900"/>
+            </a:lvl5pPr>
+            <a:lvl6pPr marL="2286000" indent="0">
+              <a:buNone/>
+              <a:defRPr sz="900"/>
+            </a:lvl6pPr>
+            <a:lvl7pPr marL="2743200" indent="0">
+              <a:buNone/>
+              <a:defRPr sz="900"/>
+            </a:lvl7pPr>
+            <a:lvl8pPr marL="3200400" indent="0">
+              <a:buNone/>
+              <a:defRPr sz="900"/>
+            </a:lvl8pPr>
+            <a:lvl9pPr marL="3657600" indent="0">
+              <a:buNone/>
+              <a:defRPr sz="900"/>
+            </a:lvl9pPr>
+          </a:lstStyle>
+          <a:p>
+            <a:pPr lvl="0"/>
+            <a:r>
+              <a:rPr lang="en-US" smtClean="0"/>
+              <a:t>Click to edit Master text styles</a:t>
+            </a:r>
+          </a:p>
+        </p:txBody>
+      </p:sp>
+      <p:sp>
+        <p:nvSpPr>
+          <p:cNvPr id="5" name="Date Placeholder 4"/>
+          <p:cNvSpPr>
+            <a:spLocks noGrp="1"/>
+          </p:cNvSpPr>
+          <p:nvPr>
+            <p:ph type="dt" sz="half" idx="10"/>
+          </p:nvPr>
+        </p:nvSpPr>
+        <p:spPr/>
+        <p:txBody>
+          <a:bodyPr/>
+          <a:lstStyle/>
+          <a:p>
+            <a:fld id="{B497CC74-6C4D-4E27-8594-834FBF3C7E8D}" type="datetimeFigureOut">
+              <a:rPr lang="en-US" smtClean="0"/>
+              <a:t>11/15/2018</a:t>
+            </a:fld>
+            <a:endParaRPr lang="en-US"/>
+          </a:p>
+        </p:txBody>
+      </p:sp>
+      <p:sp>
+        <p:nvSpPr>
+          <p:cNvPr id="6" name="Footer Placeholder 5"/>
+          <p:cNvSpPr>
+            <a:spLocks noGrp="1"/>
+          </p:cNvSpPr>
+          <p:nvPr>
+            <p:ph type="ftr" sz="quarter" idx="11"/>
+          </p:nvPr>
+        </p:nvSpPr>
+        <p:spPr/>
+        <p:txBody>
+          <a:bodyPr/>
+          <a:lstStyle/>
+          <a:p>
+            <a:endParaRPr lang="en-US"/>
+          </a:p>
+        </p:txBody>
+      </p:sp>
+      <p:sp>
+        <p:nvSpPr>
+          <p:cNvPr id="7" name="Slide Number Placeholder 6"/>
+          <p:cNvSpPr>
+            <a:spLocks noGrp="1"/>
+          </p:cNvSpPr>
+          <p:nvPr>
+            <p:ph type="sldNum" sz="quarter" idx="12"/>
+          </p:nvPr>
+        </p:nvSpPr>
+        <p:spPr/>
+        <p:txBody>
+          <a:bodyPr/>
+          <a:lstStyle/>
+          <a:p>
+            <a:fld id="{C5E182FD-0D1B-4B62-925A-5A56511B6960}" type="slidenum">
+              <a:rPr lang="en-US" smtClean="0"/>
+              <a:t>‹#›</a:t>
+            </a:fld>
+            <a:endParaRPr lang="en-US"/>
+          </a:p>
+        </p:txBody>
+      </p:sp>
+    </p:spTree>
+    <p:extLst>
+      <p:ext uri="{BB962C8B-B14F-4D97-AF65-F5344CB8AC3E}">
+        <p14:creationId xmlns:p14="http://schemas.microsoft.com/office/powerpoint/2010/main" val="2854268789"/>
+      </p:ext>
+    </p:extLst>
+  </p:cSld>
+  <p:clrMapOvr>
+    <a:masterClrMapping/>
+  </p:clrMapOvr>
+</p:sldLayout>
+</file>
+
+<file path=ppt/slideLayouts/slideLayout11.xml><?xml version="1.0" encoding="utf-8"?>
+<p:sldLayout xmlns:a="http://schemas.openxmlformats.org/drawingml/2006/main" xmlns:r="http://schemas.openxmlformats.org/officeDocument/2006/relationships" xmlns:p="http://schemas.openxmlformats.org/presentationml/2006/main" preserve="1">
+  <p:cSld name="Title and Caption">
+    <p:spTree>
+      <p:nvGrpSpPr>
+        <p:cNvPr id="1" name=""/>
+        <p:cNvGrpSpPr/>
+        <p:nvPr/>
+      </p:nvGrpSpPr>
+      <p:grpSpPr>
+        <a:xfrm>
+          <a:off x="0" y="0"/>
+          <a:ext cx="0" cy="0"/>
+          <a:chOff x="0" y="0"/>
+          <a:chExt cx="0" cy="0"/>
+        </a:xfrm>
+      </p:grpSpPr>
+      <p:sp>
+        <p:nvSpPr>
+          <p:cNvPr id="2" name="Title 1"/>
+          <p:cNvSpPr>
+            <a:spLocks noGrp="1"/>
+          </p:cNvSpPr>
+          <p:nvPr>
+            <p:ph type="title"/>
+          </p:nvPr>
+        </p:nvSpPr>
+        <p:spPr>
+          <a:xfrm>
+            <a:off x="1141412" y="609601"/>
+            <a:ext cx="9905999" cy="3124199"/>
+          </a:xfrm>
+        </p:spPr>
+        <p:txBody>
+          <a:bodyPr anchor="ctr">
+            <a:normAutofit/>
+          </a:bodyPr>
+          <a:lstStyle>
+            <a:lvl1pPr algn="l">
+              <a:defRPr sz="3200" b="0" cap="all"/>
+            </a:lvl1pPr>
+          </a:lstStyle>
+          <a:p>
+            <a:r>
+              <a:rPr lang="en-US" smtClean="0"/>
+              <a:t>Click to edit Master title style</a:t>
+            </a:r>
+            <a:endParaRPr lang="en-US" dirty="0"/>
+          </a:p>
+        </p:txBody>
+      </p:sp>
+      <p:sp>
+        <p:nvSpPr>
+          <p:cNvPr id="3" name="Text Placeholder 2"/>
+          <p:cNvSpPr>
+            <a:spLocks noGrp="1"/>
+          </p:cNvSpPr>
+          <p:nvPr>
+            <p:ph type="body" idx="1"/>
+          </p:nvPr>
+        </p:nvSpPr>
+        <p:spPr>
+          <a:xfrm>
+            <a:off x="1141411" y="4343400"/>
+            <a:ext cx="9906000" cy="1447800"/>
+          </a:xfrm>
+        </p:spPr>
+        <p:txBody>
+          <a:bodyPr anchor="ctr">
+            <a:normAutofit/>
+          </a:bodyPr>
+          <a:lstStyle>
+            <a:lvl1pPr marL="0" indent="0" algn="l">
+              <a:buNone/>
+              <a:defRPr sz="2000">
+                <a:gradFill flip="none" rotWithShape="1">
+                  <a:gsLst>
+                    <a:gs pos="0">
+                      <a:schemeClr val="tx1"/>
+                    </a:gs>
+                    <a:gs pos="100000">
+                      <a:schemeClr val="tx1">
+                        <a:lumMod val="75000"/>
+                      </a:schemeClr>
+                    </a:gs>
+                  </a:gsLst>
+                  <a:lin ang="5400000" scaled="0"/>
+                  <a:tileRect/>
+                </a:gradFill>
+              </a:defRPr>
+            </a:lvl1pPr>
+            <a:lvl2pPr marL="457200" indent="0">
+              <a:buNone/>
+              <a:defRPr sz="1800">
+                <a:solidFill>
+                  <a:schemeClr val="tx1">
+                    <a:tint val="75000"/>
+                  </a:schemeClr>
+                </a:solidFill>
+              </a:defRPr>
+            </a:lvl2pPr>
+            <a:lvl3pPr marL="914400" indent="0">
+              <a:buNone/>
+              <a:defRPr sz="1600">
+                <a:solidFill>
+                  <a:schemeClr val="tx1">
+                    <a:tint val="75000"/>
+                  </a:schemeClr>
+                </a:solidFill>
+              </a:defRPr>
+            </a:lvl3pPr>
+            <a:lvl4pPr marL="1371600" indent="0">
+              <a:buNone/>
+              <a:defRPr sz="1400">
+                <a:solidFill>
+                  <a:schemeClr val="tx1">
+                    <a:tint val="75000"/>
+                  </a:schemeClr>
+                </a:solidFill>
+              </a:defRPr>
+            </a:lvl4pPr>
+            <a:lvl5pPr marL="1828800" indent="0">
+              <a:buNone/>
+              <a:defRPr sz="1400">
+                <a:solidFill>
+                  <a:schemeClr val="tx1">
+                    <a:tint val="75000"/>
+                  </a:schemeClr>
+                </a:solidFill>
+              </a:defRPr>
+            </a:lvl5pPr>
+            <a:lvl6pPr marL="2286000" indent="0">
+              <a:buNone/>
+              <a:defRPr sz="1400">
+                <a:solidFill>
+                  <a:schemeClr val="tx1">
+                    <a:tint val="75000"/>
+                  </a:schemeClr>
+                </a:solidFill>
+              </a:defRPr>
+            </a:lvl6pPr>
+            <a:lvl7pPr marL="2743200" indent="0">
+              <a:buNone/>
+              <a:defRPr sz="1400">
+                <a:solidFill>
+                  <a:schemeClr val="tx1">
+                    <a:tint val="75000"/>
+                  </a:schemeClr>
+                </a:solidFill>
+              </a:defRPr>
+            </a:lvl7pPr>
+            <a:lvl8pPr marL="3200400" indent="0">
+              <a:buNone/>
+              <a:defRPr sz="1400">
+                <a:solidFill>
+                  <a:schemeClr val="tx1">
+                    <a:tint val="75000"/>
+                  </a:schemeClr>
+                </a:solidFill>
+              </a:defRPr>
+            </a:lvl8pPr>
+            <a:lvl9pPr marL="3657600" indent="0">
+              <a:buNone/>
+              <a:defRPr sz="1400">
+                <a:solidFill>
+                  <a:schemeClr val="tx1">
+                    <a:tint val="75000"/>
+                  </a:schemeClr>
+                </a:solidFill>
+              </a:defRPr>
+            </a:lvl9pPr>
+          </a:lstStyle>
+          <a:p>
+            <a:pPr lvl="0"/>
+            <a:r>
+              <a:rPr lang="en-US" smtClean="0"/>
+              <a:t>Click to edit Master text styles</a:t>
+            </a:r>
+          </a:p>
+        </p:txBody>
+      </p:sp>
+      <p:sp>
+        <p:nvSpPr>
+          <p:cNvPr id="4" name="Date Placeholder 3"/>
+          <p:cNvSpPr>
+            <a:spLocks noGrp="1"/>
+          </p:cNvSpPr>
+          <p:nvPr>
+            <p:ph type="dt" sz="half" idx="10"/>
+          </p:nvPr>
+        </p:nvSpPr>
+        <p:spPr/>
+        <p:txBody>
+          <a:bodyPr/>
+          <a:lstStyle/>
+          <a:p>
+            <a:fld id="{B497CC74-6C4D-4E27-8594-834FBF3C7E8D}" type="datetimeFigureOut">
+              <a:rPr lang="en-US" smtClean="0"/>
+              <a:t>11/15/2018</a:t>
+            </a:fld>
+            <a:endParaRPr lang="en-US"/>
+          </a:p>
+        </p:txBody>
+      </p:sp>
+      <p:sp>
+        <p:nvSpPr>
+          <p:cNvPr id="5" name="Footer Placeholder 4"/>
+          <p:cNvSpPr>
+            <a:spLocks noGrp="1"/>
+          </p:cNvSpPr>
+          <p:nvPr>
+            <p:ph type="ftr" sz="quarter" idx="11"/>
+          </p:nvPr>
+        </p:nvSpPr>
+        <p:spPr/>
+        <p:txBody>
+          <a:bodyPr/>
+          <a:lstStyle/>
+          <a:p>
+            <a:endParaRPr lang="en-US"/>
+          </a:p>
+        </p:txBody>
+      </p:sp>
+      <p:sp>
+        <p:nvSpPr>
+          <p:cNvPr id="6" name="Slide Number Placeholder 5"/>
+          <p:cNvSpPr>
+            <a:spLocks noGrp="1"/>
+          </p:cNvSpPr>
+          <p:nvPr>
+            <p:ph type="sldNum" sz="quarter" idx="12"/>
+          </p:nvPr>
+        </p:nvSpPr>
+        <p:spPr/>
+        <p:txBody>
+          <a:bodyPr/>
+          <a:lstStyle/>
+          <a:p>
+            <a:fld id="{C5E182FD-0D1B-4B62-925A-5A56511B6960}" type="slidenum">
+              <a:rPr lang="en-US" smtClean="0"/>
+              <a:t>‹#›</a:t>
+            </a:fld>
+            <a:endParaRPr lang="en-US"/>
+          </a:p>
+        </p:txBody>
+      </p:sp>
+    </p:spTree>
+    <p:extLst>
+      <p:ext uri="{BB962C8B-B14F-4D97-AF65-F5344CB8AC3E}">
+        <p14:creationId xmlns:p14="http://schemas.microsoft.com/office/powerpoint/2010/main" val="343169880"/>
+      </p:ext>
+    </p:extLst>
+  </p:cSld>
+  <p:clrMapOvr>
+    <a:masterClrMapping/>
+  </p:clrMapOvr>
+</p:sldLayout>
+</file>
+
+<file path=ppt/slideLayouts/slideLayout12.xml><?xml version="1.0" encoding="utf-8"?>
+<p:sldLayout xmlns:a="http://schemas.openxmlformats.org/drawingml/2006/main" xmlns:r="http://schemas.openxmlformats.org/officeDocument/2006/relationships" xmlns:p="http://schemas.openxmlformats.org/presentationml/2006/main" preserve="1">
+  <p:cSld name="Quote with Caption">
+    <p:spTree>
+      <p:nvGrpSpPr>
+        <p:cNvPr id="1" name=""/>
+        <p:cNvGrpSpPr/>
+        <p:nvPr/>
+      </p:nvGrpSpPr>
+      <p:grpSpPr>
+        <a:xfrm>
+          <a:off x="0" y="0"/>
+          <a:ext cx="0" cy="0"/>
+          <a:chOff x="0" y="0"/>
+          <a:chExt cx="0" cy="0"/>
+        </a:xfrm>
+      </p:grpSpPr>
+      <p:sp>
+        <p:nvSpPr>
+          <p:cNvPr id="14" name="TextBox 13"/>
+          <p:cNvSpPr txBox="1"/>
+          <p:nvPr/>
+        </p:nvSpPr>
+        <p:spPr>
+          <a:xfrm>
+            <a:off x="836612" y="786824"/>
+            <a:ext cx="609600" cy="584776"/>
+          </a:xfrm>
+          <a:prstGeom prst="rect">
+            <a:avLst/>
+          </a:prstGeom>
+        </p:spPr>
+        <p:txBody>
+          <a:bodyPr vert="horz" lIns="91440" tIns="45720" rIns="91440" bIns="45720" rtlCol="0" anchor="ctr">
+            <a:noAutofit/>
+          </a:bodyPr>
+          <a:lstStyle>
+            <a:lvl1pPr>
+              <a:spcBef>
+                <a:spcPct val="0"/>
+              </a:spcBef>
+              <a:buNone/>
+              <a:defRPr sz="3200" b="0" cap="all">
+                <a:ln w="3175" cmpd="sng">
+                  <a:noFill/>
+                </a:ln>
+                <a:effectLst>
+                  <a:glow rad="38100">
+                    <a:schemeClr val="bg1">
+                      <a:lumMod val="65000"/>
+                      <a:lumOff val="35000"/>
+                      <a:alpha val="40000"/>
+                    </a:schemeClr>
+                  </a:glow>
+                  <a:outerShdw blurRad="28575" dist="38100" dir="14040000" algn="tl" rotWithShape="0">
+                    <a:srgbClr val="000000">
+                      <a:alpha val="25000"/>
+                    </a:srgbClr>
+                  </a:outerShdw>
+                </a:effectLst>
+              </a:defRPr>
+            </a:lvl1pPr>
+            <a:lvl2pPr>
+              <a:defRPr>
+                <a:solidFill>
+                  <a:schemeClr val="tx2"/>
+                </a:solidFill>
+              </a:defRPr>
+            </a:lvl2pPr>
+            <a:lvl3pPr>
+              <a:defRPr>
+                <a:solidFill>
+                  <a:schemeClr val="tx2"/>
+                </a:solidFill>
+              </a:defRPr>
+            </a:lvl3pPr>
+            <a:lvl4pPr>
+              <a:defRPr>
+                <a:solidFill>
+                  <a:schemeClr val="tx2"/>
+                </a:solidFill>
+              </a:defRPr>
+            </a:lvl4pPr>
+            <a:lvl5pPr>
+              <a:defRPr>
+                <a:solidFill>
+                  <a:schemeClr val="tx2"/>
+                </a:solidFill>
+              </a:defRPr>
+            </a:lvl5pPr>
+            <a:lvl6pPr>
+              <a:defRPr>
+                <a:solidFill>
+                  <a:schemeClr val="tx2"/>
+                </a:solidFill>
+              </a:defRPr>
+            </a:lvl6pPr>
+            <a:lvl7pPr>
+              <a:defRPr>
+                <a:solidFill>
+                  <a:schemeClr val="tx2"/>
+                </a:solidFill>
+              </a:defRPr>
+            </a:lvl7pPr>
+            <a:lvl8pPr>
+              <a:defRPr>
+                <a:solidFill>
+                  <a:schemeClr val="tx2"/>
+                </a:solidFill>
+              </a:defRPr>
+            </a:lvl8pPr>
+            <a:lvl9pPr>
+              <a:defRPr>
+                <a:solidFill>
+                  <a:schemeClr val="tx2"/>
+                </a:solidFill>
+              </a:defRPr>
+            </a:lvl9pPr>
+          </a:lstStyle>
+          <a:p>
+            <a:pPr lvl="0"/>
+            <a:r>
+              <a:rPr lang="en-US" sz="8000" dirty="0">
+                <a:solidFill>
+                  <a:schemeClr val="accent1"/>
+                </a:solidFill>
+              </a:rPr>
+              <a:t>“</a:t>
+            </a:r>
+          </a:p>
+        </p:txBody>
+      </p:sp>
+      <p:sp>
+        <p:nvSpPr>
+          <p:cNvPr id="15" name="TextBox 14"/>
+          <p:cNvSpPr txBox="1"/>
+          <p:nvPr/>
+        </p:nvSpPr>
+        <p:spPr>
+          <a:xfrm>
+            <a:off x="10437812" y="2743200"/>
+            <a:ext cx="609600" cy="584776"/>
+          </a:xfrm>
+          <a:prstGeom prst="rect">
+            <a:avLst/>
+          </a:prstGeom>
+        </p:spPr>
+        <p:txBody>
+          <a:bodyPr vert="horz" lIns="91440" tIns="45720" rIns="91440" bIns="45720" rtlCol="0" anchor="ctr">
+            <a:noAutofit/>
+          </a:bodyPr>
+          <a:lstStyle>
+            <a:lvl1pPr>
+              <a:spcBef>
+                <a:spcPct val="0"/>
+              </a:spcBef>
+              <a:buNone/>
+              <a:defRPr sz="3200" b="0" cap="all">
+                <a:ln w="3175" cmpd="sng">
+                  <a:noFill/>
+                </a:ln>
+                <a:effectLst>
+                  <a:glow rad="38100">
+                    <a:schemeClr val="bg1">
+                      <a:lumMod val="65000"/>
+                      <a:lumOff val="35000"/>
+                      <a:alpha val="40000"/>
+                    </a:schemeClr>
+                  </a:glow>
+                  <a:outerShdw blurRad="28575" dist="38100" dir="14040000" algn="tl" rotWithShape="0">
+                    <a:srgbClr val="000000">
+                      <a:alpha val="25000"/>
+                    </a:srgbClr>
+                  </a:outerShdw>
+                </a:effectLst>
+              </a:defRPr>
+            </a:lvl1pPr>
+            <a:lvl2pPr>
+              <a:defRPr>
+                <a:solidFill>
+                  <a:schemeClr val="tx2"/>
+                </a:solidFill>
+              </a:defRPr>
+            </a:lvl2pPr>
+            <a:lvl3pPr>
+              <a:defRPr>
+                <a:solidFill>
+                  <a:schemeClr val="tx2"/>
+                </a:solidFill>
+              </a:defRPr>
+            </a:lvl3pPr>
+            <a:lvl4pPr>
+              <a:defRPr>
+                <a:solidFill>
+                  <a:schemeClr val="tx2"/>
+                </a:solidFill>
+              </a:defRPr>
+            </a:lvl4pPr>
+            <a:lvl5pPr>
+              <a:defRPr>
+                <a:solidFill>
+                  <a:schemeClr val="tx2"/>
+                </a:solidFill>
+              </a:defRPr>
+            </a:lvl5pPr>
+            <a:lvl6pPr>
+              <a:defRPr>
+                <a:solidFill>
+                  <a:schemeClr val="tx2"/>
+                </a:solidFill>
+              </a:defRPr>
+            </a:lvl6pPr>
+            <a:lvl7pPr>
+              <a:defRPr>
+                <a:solidFill>
+                  <a:schemeClr val="tx2"/>
+                </a:solidFill>
+              </a:defRPr>
+            </a:lvl7pPr>
+            <a:lvl8pPr>
+              <a:defRPr>
+                <a:solidFill>
+                  <a:schemeClr val="tx2"/>
+                </a:solidFill>
+              </a:defRPr>
+            </a:lvl8pPr>
+            <a:lvl9pPr>
+              <a:defRPr>
+                <a:solidFill>
+                  <a:schemeClr val="tx2"/>
+                </a:solidFill>
+              </a:defRPr>
+            </a:lvl9pPr>
+          </a:lstStyle>
+          <a:p>
+            <a:pPr lvl="0" algn="r"/>
+            <a:r>
+              <a:rPr lang="en-US" sz="8000" dirty="0">
+                <a:solidFill>
+                  <a:schemeClr val="accent1"/>
+                </a:solidFill>
+              </a:rPr>
+              <a:t>”</a:t>
+            </a:r>
+          </a:p>
+        </p:txBody>
+      </p:sp>
+      <p:sp>
+        <p:nvSpPr>
+          <p:cNvPr id="2" name="Title 1"/>
+          <p:cNvSpPr>
+            <a:spLocks noGrp="1"/>
+          </p:cNvSpPr>
+          <p:nvPr>
+            <p:ph type="title"/>
+          </p:nvPr>
+        </p:nvSpPr>
+        <p:spPr>
+          <a:xfrm>
+            <a:off x="1446213" y="609601"/>
+            <a:ext cx="9296398" cy="2743199"/>
+          </a:xfrm>
+        </p:spPr>
+        <p:txBody>
+          <a:bodyPr anchor="ctr">
+            <a:normAutofit/>
+          </a:bodyPr>
+          <a:lstStyle>
+            <a:lvl1pPr algn="l">
+              <a:defRPr sz="3200" b="0" cap="all">
+                <a:solidFill>
+                  <a:schemeClr val="tx1"/>
+                </a:solidFill>
+              </a:defRPr>
+            </a:lvl1pPr>
+          </a:lstStyle>
+          <a:p>
+            <a:r>
+              <a:rPr lang="en-US" smtClean="0"/>
+              <a:t>Click to edit Master title style</a:t>
+            </a:r>
+            <a:endParaRPr lang="en-US" dirty="0"/>
+          </a:p>
+        </p:txBody>
+      </p:sp>
+      <p:sp>
+        <p:nvSpPr>
+          <p:cNvPr id="10" name="Text Placeholder 9"/>
+          <p:cNvSpPr>
+            <a:spLocks noGrp="1"/>
+          </p:cNvSpPr>
+          <p:nvPr>
+            <p:ph type="body" sz="quarter" idx="13"/>
+          </p:nvPr>
+        </p:nvSpPr>
+        <p:spPr>
+          <a:xfrm>
+            <a:off x="1674812" y="3352800"/>
+            <a:ext cx="8839202" cy="381000"/>
+          </a:xfrm>
+        </p:spPr>
+        <p:txBody>
+          <a:bodyPr anchor="ctr"/>
+          <a:lstStyle>
+            <a:lvl1pPr marL="0" indent="0">
+              <a:buFontTx/>
+              <a:buNone/>
+              <a:defRPr/>
+            </a:lvl1pPr>
+            <a:lvl2pPr marL="457200" indent="0">
+              <a:buFontTx/>
+              <a:buNone/>
+              <a:defRPr/>
+            </a:lvl2pPr>
+            <a:lvl3pPr marL="914400" indent="0">
+              <a:buFontTx/>
+              <a:buNone/>
+              <a:defRPr/>
+            </a:lvl3pPr>
+            <a:lvl4pPr marL="1371600" indent="0">
+              <a:buFontTx/>
+              <a:buNone/>
+              <a:defRPr/>
+            </a:lvl4pPr>
+            <a:lvl5pPr marL="1828800" indent="0">
+              <a:buFontTx/>
+              <a:buNone/>
+              <a:defRPr/>
+            </a:lvl5pPr>
+          </a:lstStyle>
+          <a:p>
+            <a:pPr lvl="0"/>
+            <a:r>
+              <a:rPr lang="en-US" smtClean="0"/>
+              <a:t>Click to edit Master text styles</a:t>
+            </a:r>
+          </a:p>
+        </p:txBody>
+      </p:sp>
+      <p:sp>
+        <p:nvSpPr>
+          <p:cNvPr id="3" name="Text Placeholder 2"/>
+          <p:cNvSpPr>
+            <a:spLocks noGrp="1"/>
+          </p:cNvSpPr>
+          <p:nvPr>
+            <p:ph type="body" idx="1"/>
+          </p:nvPr>
+        </p:nvSpPr>
+        <p:spPr>
+          <a:xfrm>
+            <a:off x="1141411" y="4343400"/>
+            <a:ext cx="9906000" cy="1447800"/>
+          </a:xfrm>
+        </p:spPr>
+        <p:txBody>
+          <a:bodyPr vert="horz" lIns="91440" tIns="45720" rIns="91440" bIns="45720" rtlCol="0" anchor="ctr">
+            <a:normAutofit/>
+          </a:bodyPr>
+          <a:lstStyle>
+            <a:lvl1pPr>
+              <a:buNone/>
+              <a:defRPr lang="en-US" sz="2000">
+                <a:gradFill flip="none" rotWithShape="1">
+                  <a:gsLst>
+                    <a:gs pos="0">
+                      <a:schemeClr val="tx1"/>
+                    </a:gs>
+                    <a:gs pos="100000">
+                      <a:schemeClr val="tx1">
+                        <a:lumMod val="75000"/>
+                      </a:schemeClr>
+                    </a:gs>
+                  </a:gsLst>
+                  <a:lin ang="5400000" scaled="0"/>
+                  <a:tileRect/>
+                </a:gradFill>
+              </a:defRPr>
+            </a:lvl1pPr>
+          </a:lstStyle>
+          <a:p>
+            <a:pPr marL="0" lvl="0" indent="0">
+              <a:buNone/>
+            </a:pPr>
+            <a:r>
+              <a:rPr lang="en-US" smtClean="0"/>
+              <a:t>Click to edit Master text styles</a:t>
+            </a:r>
+          </a:p>
+        </p:txBody>
+      </p:sp>
+      <p:sp>
+        <p:nvSpPr>
+          <p:cNvPr id="4" name="Date Placeholder 3"/>
+          <p:cNvSpPr>
+            <a:spLocks noGrp="1"/>
+          </p:cNvSpPr>
+          <p:nvPr>
+            <p:ph type="dt" sz="half" idx="10"/>
+          </p:nvPr>
+        </p:nvSpPr>
+        <p:spPr/>
+        <p:txBody>
+          <a:bodyPr/>
+          <a:lstStyle/>
+          <a:p>
+            <a:fld id="{B497CC74-6C4D-4E27-8594-834FBF3C7E8D}" type="datetimeFigureOut">
+              <a:rPr lang="en-US" smtClean="0"/>
+              <a:t>11/15/2018</a:t>
+            </a:fld>
+            <a:endParaRPr lang="en-US"/>
+          </a:p>
+        </p:txBody>
+      </p:sp>
+      <p:sp>
+        <p:nvSpPr>
+          <p:cNvPr id="5" name="Footer Placeholder 4"/>
+          <p:cNvSpPr>
+            <a:spLocks noGrp="1"/>
+          </p:cNvSpPr>
+          <p:nvPr>
+            <p:ph type="ftr" sz="quarter" idx="11"/>
+          </p:nvPr>
+        </p:nvSpPr>
+        <p:spPr/>
+        <p:txBody>
+          <a:bodyPr/>
+          <a:lstStyle/>
+          <a:p>
+            <a:endParaRPr lang="en-US"/>
+          </a:p>
+        </p:txBody>
+      </p:sp>
+      <p:sp>
+        <p:nvSpPr>
+          <p:cNvPr id="6" name="Slide Number Placeholder 5"/>
+          <p:cNvSpPr>
+            <a:spLocks noGrp="1"/>
+          </p:cNvSpPr>
+          <p:nvPr>
+            <p:ph type="sldNum" sz="quarter" idx="12"/>
+          </p:nvPr>
+        </p:nvSpPr>
+        <p:spPr/>
+        <p:txBody>
+          <a:bodyPr/>
+          <a:lstStyle/>
+          <a:p>
+            <a:fld id="{C5E182FD-0D1B-4B62-925A-5A56511B6960}" type="slidenum">
+              <a:rPr lang="en-US" smtClean="0"/>
+              <a:t>‹#›</a:t>
+            </a:fld>
+            <a:endParaRPr lang="en-US"/>
+          </a:p>
+        </p:txBody>
+      </p:sp>
+    </p:spTree>
+    <p:extLst>
+      <p:ext uri="{BB962C8B-B14F-4D97-AF65-F5344CB8AC3E}">
+        <p14:creationId xmlns:p14="http://schemas.microsoft.com/office/powerpoint/2010/main" val="1672897219"/>
+      </p:ext>
+    </p:extLst>
+  </p:cSld>
+  <p:clrMapOvr>
+    <a:masterClrMapping/>
+  </p:clrMapOvr>
+</p:sldLayout>
+</file>
+
+<file path=ppt/slideLayouts/slideLayout13.xml><?xml version="1.0" encoding="utf-8"?>
+<p:sldLayout xmlns:a="http://schemas.openxmlformats.org/drawingml/2006/main" xmlns:r="http://schemas.openxmlformats.org/officeDocument/2006/relationships" xmlns:p="http://schemas.openxmlformats.org/presentationml/2006/main" preserve="1">
+  <p:cSld name="Name Card">
+    <p:spTree>
+      <p:nvGrpSpPr>
+        <p:cNvPr id="1" name=""/>
+        <p:cNvGrpSpPr/>
+        <p:nvPr/>
+      </p:nvGrpSpPr>
+      <p:grpSpPr>
+        <a:xfrm>
+          <a:off x="0" y="0"/>
+          <a:ext cx="0" cy="0"/>
+          <a:chOff x="0" y="0"/>
+          <a:chExt cx="0" cy="0"/>
+        </a:xfrm>
+      </p:grpSpPr>
+      <p:sp>
+        <p:nvSpPr>
+          <p:cNvPr id="2" name="Title 1"/>
+          <p:cNvSpPr>
+            <a:spLocks noGrp="1"/>
+          </p:cNvSpPr>
+          <p:nvPr>
+            <p:ph type="title"/>
+          </p:nvPr>
+        </p:nvSpPr>
+        <p:spPr>
+          <a:xfrm>
+            <a:off x="1141412" y="3308581"/>
+            <a:ext cx="9906000" cy="1468800"/>
+          </a:xfrm>
+        </p:spPr>
+        <p:txBody>
+          <a:bodyPr anchor="b">
+            <a:normAutofit/>
+          </a:bodyPr>
+          <a:lstStyle>
+            <a:lvl1pPr algn="l">
+              <a:defRPr sz="3200" b="0" cap="all"/>
+            </a:lvl1pPr>
+          </a:lstStyle>
+          <a:p>
+            <a:r>
+              <a:rPr lang="en-US" smtClean="0"/>
+              <a:t>Click to edit Master title style</a:t>
+            </a:r>
+            <a:endParaRPr lang="en-US" dirty="0"/>
+          </a:p>
+        </p:txBody>
+      </p:sp>
+      <p:sp>
+        <p:nvSpPr>
+          <p:cNvPr id="3" name="Text Placeholder 2"/>
+          <p:cNvSpPr>
+            <a:spLocks noGrp="1"/>
+          </p:cNvSpPr>
+          <p:nvPr>
+            <p:ph type="body" idx="1"/>
+          </p:nvPr>
+        </p:nvSpPr>
+        <p:spPr>
+          <a:xfrm>
+            <a:off x="1141410" y="4777381"/>
+            <a:ext cx="9906001" cy="860400"/>
+          </a:xfrm>
+        </p:spPr>
+        <p:txBody>
+          <a:bodyPr vert="horz" lIns="91440" tIns="45720" rIns="91440" bIns="45720" rtlCol="0" anchor="t">
+            <a:normAutofit/>
+          </a:bodyPr>
+          <a:lstStyle>
+            <a:lvl1pPr>
+              <a:defRPr lang="en-US" sz="2000">
+                <a:gradFill flip="none" rotWithShape="1">
+                  <a:gsLst>
+                    <a:gs pos="0">
+                      <a:schemeClr val="tx1"/>
+                    </a:gs>
+                    <a:gs pos="100000">
+                      <a:schemeClr val="tx1">
+                        <a:lumMod val="75000"/>
+                      </a:schemeClr>
+                    </a:gs>
+                  </a:gsLst>
+                  <a:lin ang="5400000" scaled="0"/>
+                  <a:tileRect/>
+                </a:gradFill>
+              </a:defRPr>
+            </a:lvl1pPr>
+          </a:lstStyle>
+          <a:p>
+            <a:pPr marL="0" lvl="0" indent="0">
+              <a:buNone/>
+            </a:pPr>
+            <a:r>
+              <a:rPr lang="en-US" smtClean="0"/>
+              <a:t>Click to edit Master text styles</a:t>
+            </a:r>
+          </a:p>
+        </p:txBody>
+      </p:sp>
+      <p:sp>
+        <p:nvSpPr>
+          <p:cNvPr id="4" name="Date Placeholder 3"/>
+          <p:cNvSpPr>
+            <a:spLocks noGrp="1"/>
+          </p:cNvSpPr>
+          <p:nvPr>
+            <p:ph type="dt" sz="half" idx="10"/>
+          </p:nvPr>
+        </p:nvSpPr>
+        <p:spPr/>
+        <p:txBody>
+          <a:bodyPr/>
+          <a:lstStyle/>
+          <a:p>
+            <a:fld id="{B497CC74-6C4D-4E27-8594-834FBF3C7E8D}" type="datetimeFigureOut">
+              <a:rPr lang="en-US" smtClean="0"/>
+              <a:t>11/15/2018</a:t>
+            </a:fld>
+            <a:endParaRPr lang="en-US"/>
+          </a:p>
+        </p:txBody>
+      </p:sp>
+      <p:sp>
+        <p:nvSpPr>
+          <p:cNvPr id="5" name="Footer Placeholder 4"/>
+          <p:cNvSpPr>
+            <a:spLocks noGrp="1"/>
+          </p:cNvSpPr>
+          <p:nvPr>
+            <p:ph type="ftr" sz="quarter" idx="11"/>
+          </p:nvPr>
+        </p:nvSpPr>
+        <p:spPr/>
+        <p:txBody>
+          <a:bodyPr/>
+          <a:lstStyle/>
+          <a:p>
+            <a:endParaRPr lang="en-US"/>
+          </a:p>
+        </p:txBody>
+      </p:sp>
+      <p:sp>
+        <p:nvSpPr>
+          <p:cNvPr id="6" name="Slide Number Placeholder 5"/>
+          <p:cNvSpPr>
+            <a:spLocks noGrp="1"/>
+          </p:cNvSpPr>
+          <p:nvPr>
+            <p:ph type="sldNum" sz="quarter" idx="12"/>
+          </p:nvPr>
+        </p:nvSpPr>
+        <p:spPr/>
+        <p:txBody>
+          <a:bodyPr/>
+          <a:lstStyle/>
+          <a:p>
+            <a:fld id="{C5E182FD-0D1B-4B62-925A-5A56511B6960}" type="slidenum">
+              <a:rPr lang="en-US" smtClean="0"/>
+              <a:t>‹#›</a:t>
+            </a:fld>
+            <a:endParaRPr lang="en-US"/>
+          </a:p>
+        </p:txBody>
+      </p:sp>
+    </p:spTree>
+    <p:extLst>
+      <p:ext uri="{BB962C8B-B14F-4D97-AF65-F5344CB8AC3E}">
+        <p14:creationId xmlns:p14="http://schemas.microsoft.com/office/powerpoint/2010/main" val="3927618186"/>
+      </p:ext>
+    </p:extLst>
+  </p:cSld>
+  <p:clrMapOvr>
+    <a:masterClrMapping/>
+  </p:clrMapOvr>
+</p:sldLayout>
+</file>
+
+<file path=ppt/slideLayouts/slideLayout14.xml><?xml version="1.0" encoding="utf-8"?>
+<p:sldLayout xmlns:a="http://schemas.openxmlformats.org/drawingml/2006/main" xmlns:r="http://schemas.openxmlformats.org/officeDocument/2006/relationships" xmlns:p="http://schemas.openxmlformats.org/presentationml/2006/main" preserve="1">
+  <p:cSld name="Quote Name Card">
+    <p:spTree>
+      <p:nvGrpSpPr>
+        <p:cNvPr id="1" name=""/>
+        <p:cNvGrpSpPr/>
+        <p:nvPr/>
+      </p:nvGrpSpPr>
+      <p:grpSpPr>
+        <a:xfrm>
+          <a:off x="0" y="0"/>
+          <a:ext cx="0" cy="0"/>
+          <a:chOff x="0" y="0"/>
+          <a:chExt cx="0" cy="0"/>
+        </a:xfrm>
+      </p:grpSpPr>
+      <p:sp>
+        <p:nvSpPr>
+          <p:cNvPr id="14" name="TextBox 13"/>
+          <p:cNvSpPr txBox="1"/>
+          <p:nvPr/>
+        </p:nvSpPr>
+        <p:spPr>
+          <a:xfrm>
+            <a:off x="836612" y="786824"/>
+            <a:ext cx="609600" cy="584776"/>
+          </a:xfrm>
+          <a:prstGeom prst="rect">
+            <a:avLst/>
+          </a:prstGeom>
+        </p:spPr>
+        <p:txBody>
+          <a:bodyPr vert="horz" lIns="91440" tIns="45720" rIns="91440" bIns="45720" rtlCol="0" anchor="ctr">
+            <a:noAutofit/>
+          </a:bodyPr>
+          <a:lstStyle>
+            <a:lvl1pPr>
+              <a:spcBef>
+                <a:spcPct val="0"/>
+              </a:spcBef>
+              <a:buNone/>
+              <a:defRPr sz="3200" b="0" cap="all">
+                <a:ln w="3175" cmpd="sng">
+                  <a:noFill/>
+                </a:ln>
+                <a:effectLst>
+                  <a:glow rad="38100">
+                    <a:schemeClr val="bg1">
+                      <a:lumMod val="65000"/>
+                      <a:lumOff val="35000"/>
+                      <a:alpha val="40000"/>
+                    </a:schemeClr>
+                  </a:glow>
+                  <a:outerShdw blurRad="28575" dist="38100" dir="14040000" algn="tl" rotWithShape="0">
+                    <a:srgbClr val="000000">
+                      <a:alpha val="25000"/>
+                    </a:srgbClr>
+                  </a:outerShdw>
+                </a:effectLst>
+              </a:defRPr>
+            </a:lvl1pPr>
+            <a:lvl2pPr>
+              <a:defRPr>
+                <a:solidFill>
+                  <a:schemeClr val="tx2"/>
+                </a:solidFill>
+              </a:defRPr>
+            </a:lvl2pPr>
+            <a:lvl3pPr>
+              <a:defRPr>
+                <a:solidFill>
+                  <a:schemeClr val="tx2"/>
+                </a:solidFill>
+              </a:defRPr>
+            </a:lvl3pPr>
+            <a:lvl4pPr>
+              <a:defRPr>
+                <a:solidFill>
+                  <a:schemeClr val="tx2"/>
+                </a:solidFill>
+              </a:defRPr>
+            </a:lvl4pPr>
+            <a:lvl5pPr>
+              <a:defRPr>
+                <a:solidFill>
+                  <a:schemeClr val="tx2"/>
+                </a:solidFill>
+              </a:defRPr>
+            </a:lvl5pPr>
+            <a:lvl6pPr>
+              <a:defRPr>
+                <a:solidFill>
+                  <a:schemeClr val="tx2"/>
+                </a:solidFill>
+              </a:defRPr>
+            </a:lvl6pPr>
+            <a:lvl7pPr>
+              <a:defRPr>
+                <a:solidFill>
+                  <a:schemeClr val="tx2"/>
+                </a:solidFill>
+              </a:defRPr>
+            </a:lvl7pPr>
+            <a:lvl8pPr>
+              <a:defRPr>
+                <a:solidFill>
+                  <a:schemeClr val="tx2"/>
+                </a:solidFill>
+              </a:defRPr>
+            </a:lvl8pPr>
+            <a:lvl9pPr>
+              <a:defRPr>
+                <a:solidFill>
+                  <a:schemeClr val="tx2"/>
+                </a:solidFill>
+              </a:defRPr>
+            </a:lvl9pPr>
+          </a:lstStyle>
+          <a:p>
+            <a:pPr lvl="0"/>
+            <a:r>
+              <a:rPr lang="en-US" sz="8000" dirty="0">
+                <a:solidFill>
+                  <a:schemeClr val="accent1"/>
+                </a:solidFill>
+              </a:rPr>
+              <a:t>“</a:t>
+            </a:r>
+          </a:p>
+        </p:txBody>
+      </p:sp>
+      <p:sp>
+        <p:nvSpPr>
+          <p:cNvPr id="15" name="TextBox 14"/>
+          <p:cNvSpPr txBox="1"/>
+          <p:nvPr/>
+        </p:nvSpPr>
+        <p:spPr>
+          <a:xfrm>
+            <a:off x="10437812" y="2743200"/>
+            <a:ext cx="609600" cy="584776"/>
+          </a:xfrm>
+          <a:prstGeom prst="rect">
+            <a:avLst/>
+          </a:prstGeom>
+        </p:spPr>
+        <p:txBody>
+          <a:bodyPr vert="horz" lIns="91440" tIns="45720" rIns="91440" bIns="45720" rtlCol="0" anchor="ctr">
+            <a:noAutofit/>
+          </a:bodyPr>
+          <a:lstStyle>
+            <a:lvl1pPr>
+              <a:spcBef>
+                <a:spcPct val="0"/>
+              </a:spcBef>
+              <a:buNone/>
+              <a:defRPr sz="3200" b="0" cap="all">
+                <a:ln w="3175" cmpd="sng">
+                  <a:noFill/>
+                </a:ln>
+                <a:effectLst>
+                  <a:glow rad="38100">
+                    <a:schemeClr val="bg1">
+                      <a:lumMod val="65000"/>
+                      <a:lumOff val="35000"/>
+                      <a:alpha val="40000"/>
+                    </a:schemeClr>
+                  </a:glow>
+                  <a:outerShdw blurRad="28575" dist="38100" dir="14040000" algn="tl" rotWithShape="0">
+                    <a:srgbClr val="000000">
+                      <a:alpha val="25000"/>
+                    </a:srgbClr>
+                  </a:outerShdw>
+                </a:effectLst>
+              </a:defRPr>
+            </a:lvl1pPr>
+            <a:lvl2pPr>
+              <a:defRPr>
+                <a:solidFill>
+                  <a:schemeClr val="tx2"/>
+                </a:solidFill>
+              </a:defRPr>
+            </a:lvl2pPr>
+            <a:lvl3pPr>
+              <a:defRPr>
+                <a:solidFill>
+                  <a:schemeClr val="tx2"/>
+                </a:solidFill>
+              </a:defRPr>
+            </a:lvl3pPr>
+            <a:lvl4pPr>
+              <a:defRPr>
+                <a:solidFill>
+                  <a:schemeClr val="tx2"/>
+                </a:solidFill>
+              </a:defRPr>
+            </a:lvl4pPr>
+            <a:lvl5pPr>
+              <a:defRPr>
+                <a:solidFill>
+                  <a:schemeClr val="tx2"/>
+                </a:solidFill>
+              </a:defRPr>
+            </a:lvl5pPr>
+            <a:lvl6pPr>
+              <a:defRPr>
+                <a:solidFill>
+                  <a:schemeClr val="tx2"/>
+                </a:solidFill>
+              </a:defRPr>
+            </a:lvl6pPr>
+            <a:lvl7pPr>
+              <a:defRPr>
+                <a:solidFill>
+                  <a:schemeClr val="tx2"/>
+                </a:solidFill>
+              </a:defRPr>
+            </a:lvl7pPr>
+            <a:lvl8pPr>
+              <a:defRPr>
+                <a:solidFill>
+                  <a:schemeClr val="tx2"/>
+                </a:solidFill>
+              </a:defRPr>
+            </a:lvl8pPr>
+            <a:lvl9pPr>
+              <a:defRPr>
+                <a:solidFill>
+                  <a:schemeClr val="tx2"/>
+                </a:solidFill>
+              </a:defRPr>
+            </a:lvl9pPr>
+          </a:lstStyle>
+          <a:p>
+            <a:pPr lvl="0" algn="r"/>
+            <a:r>
+              <a:rPr lang="en-US" sz="8000" dirty="0">
+                <a:solidFill>
+                  <a:schemeClr val="accent1"/>
+                </a:solidFill>
+              </a:rPr>
+              <a:t>”</a:t>
+            </a:r>
+          </a:p>
+        </p:txBody>
+      </p:sp>
+      <p:sp>
+        <p:nvSpPr>
+          <p:cNvPr id="2" name="Title 1"/>
+          <p:cNvSpPr>
+            <a:spLocks noGrp="1"/>
+          </p:cNvSpPr>
+          <p:nvPr>
+            <p:ph type="title"/>
+          </p:nvPr>
+        </p:nvSpPr>
+        <p:spPr>
+          <a:xfrm>
+            <a:off x="1446213" y="609601"/>
+            <a:ext cx="9296398" cy="2743199"/>
+          </a:xfrm>
+        </p:spPr>
+        <p:txBody>
+          <a:bodyPr anchor="ctr">
+            <a:normAutofit/>
+          </a:bodyPr>
+          <a:lstStyle>
+            <a:lvl1pPr algn="l">
+              <a:defRPr sz="3200" b="0" cap="all">
+                <a:gradFill flip="none" rotWithShape="1">
+                  <a:gsLst>
+                    <a:gs pos="0">
+                      <a:schemeClr val="tx1"/>
+                    </a:gs>
+                    <a:gs pos="100000">
+                      <a:schemeClr val="tx1">
+                        <a:lumMod val="75000"/>
+                      </a:schemeClr>
+                    </a:gs>
+                  </a:gsLst>
+                  <a:lin ang="5400000" scaled="0"/>
+                  <a:tileRect/>
+                </a:gradFill>
+              </a:defRPr>
+            </a:lvl1pPr>
+          </a:lstStyle>
+          <a:p>
+            <a:r>
+              <a:rPr lang="en-US" smtClean="0"/>
+              <a:t>Click to edit Master title style</a:t>
+            </a:r>
+            <a:endParaRPr lang="en-US" dirty="0"/>
+          </a:p>
+        </p:txBody>
+      </p:sp>
+      <p:sp>
+        <p:nvSpPr>
+          <p:cNvPr id="10" name="Text Placeholder 9"/>
+          <p:cNvSpPr>
+            <a:spLocks noGrp="1"/>
+          </p:cNvSpPr>
+          <p:nvPr>
+            <p:ph type="body" sz="quarter" idx="13"/>
+          </p:nvPr>
+        </p:nvSpPr>
+        <p:spPr>
+          <a:xfrm>
+            <a:off x="1141412" y="3886200"/>
+            <a:ext cx="9906000" cy="889000"/>
+          </a:xfrm>
+        </p:spPr>
+        <p:txBody>
+          <a:bodyPr vert="horz" lIns="91440" tIns="45720" rIns="91440" bIns="45720" rtlCol="0" anchor="b">
+            <a:normAutofit/>
+          </a:bodyPr>
+          <a:lstStyle>
+            <a:lvl1pPr>
+              <a:buNone/>
+              <a:defRPr lang="en-US" sz="2400" b="0" cap="all" dirty="0">
+                <a:ln w="3175" cmpd="sng">
+                  <a:noFill/>
+                </a:ln>
+                <a:gradFill flip="none" rotWithShape="1">
+                  <a:gsLst>
+                    <a:gs pos="0">
+                      <a:schemeClr val="tx1"/>
+                    </a:gs>
+                    <a:gs pos="100000">
+                      <a:schemeClr val="tx1">
+                        <a:lumMod val="75000"/>
+                      </a:schemeClr>
+                    </a:gs>
+                  </a:gsLst>
+                  <a:lin ang="5400000" scaled="0"/>
+                  <a:tileRect/>
+                </a:gradFill>
+                <a:effectLst>
+                  <a:glow rad="38100">
+                    <a:schemeClr val="bg1">
+                      <a:lumMod val="65000"/>
+                      <a:lumOff val="35000"/>
+                      <a:alpha val="40000"/>
+                    </a:schemeClr>
+                  </a:glow>
+                  <a:outerShdw blurRad="28575" dist="38100" dir="14040000" algn="tl" rotWithShape="0">
+                    <a:srgbClr val="000000">
+                      <a:alpha val="25000"/>
+                    </a:srgbClr>
+                  </a:outerShdw>
+                </a:effectLst>
+              </a:defRPr>
+            </a:lvl1pPr>
+          </a:lstStyle>
+          <a:p>
+            <a:pPr marL="0" lvl="0">
+              <a:spcBef>
+                <a:spcPct val="0"/>
+              </a:spcBef>
+              <a:buNone/>
+            </a:pPr>
+            <a:r>
+              <a:rPr lang="en-US" smtClean="0"/>
+              <a:t>Click to edit Master text styles</a:t>
+            </a:r>
+          </a:p>
+        </p:txBody>
+      </p:sp>
+      <p:sp>
+        <p:nvSpPr>
+          <p:cNvPr id="3" name="Text Placeholder 2"/>
+          <p:cNvSpPr>
+            <a:spLocks noGrp="1"/>
+          </p:cNvSpPr>
+          <p:nvPr>
+            <p:ph type="body" idx="1"/>
+          </p:nvPr>
+        </p:nvSpPr>
+        <p:spPr>
+          <a:xfrm>
+            <a:off x="1141411" y="4775200"/>
+            <a:ext cx="9906000" cy="1016000"/>
+          </a:xfrm>
+        </p:spPr>
+        <p:txBody>
+          <a:bodyPr anchor="t">
+            <a:normAutofit/>
+          </a:bodyPr>
+          <a:lstStyle>
+            <a:lvl1pPr marL="0" indent="0" algn="l">
+              <a:buNone/>
+              <a:defRPr sz="1800">
+                <a:gradFill flip="none" rotWithShape="1">
+                  <a:gsLst>
+                    <a:gs pos="0">
+                      <a:schemeClr val="tx1"/>
+                    </a:gs>
+                    <a:gs pos="100000">
+                      <a:schemeClr val="tx1">
+                        <a:lumMod val="75000"/>
+                      </a:schemeClr>
+                    </a:gs>
+                  </a:gsLst>
+                  <a:lin ang="5400000" scaled="0"/>
+                  <a:tileRect/>
+                </a:gradFill>
+              </a:defRPr>
+            </a:lvl1pPr>
+            <a:lvl2pPr marL="457200" indent="0">
+              <a:buNone/>
+              <a:defRPr sz="1800">
+                <a:solidFill>
+                  <a:schemeClr val="tx1">
+                    <a:tint val="75000"/>
+                  </a:schemeClr>
+                </a:solidFill>
+              </a:defRPr>
+            </a:lvl2pPr>
+            <a:lvl3pPr marL="914400" indent="0">
+              <a:buNone/>
+              <a:defRPr sz="1600">
+                <a:solidFill>
+                  <a:schemeClr val="tx1">
+                    <a:tint val="75000"/>
+                  </a:schemeClr>
+                </a:solidFill>
+              </a:defRPr>
+            </a:lvl3pPr>
+            <a:lvl4pPr marL="1371600" indent="0">
+              <a:buNone/>
+              <a:defRPr sz="1400">
+                <a:solidFill>
+                  <a:schemeClr val="tx1">
+                    <a:tint val="75000"/>
+                  </a:schemeClr>
+                </a:solidFill>
+              </a:defRPr>
+            </a:lvl4pPr>
+            <a:lvl5pPr marL="1828800" indent="0">
+              <a:buNone/>
+              <a:defRPr sz="1400">
+                <a:solidFill>
+                  <a:schemeClr val="tx1">
+                    <a:tint val="75000"/>
+                  </a:schemeClr>
+                </a:solidFill>
+              </a:defRPr>
+            </a:lvl5pPr>
+            <a:lvl6pPr marL="2286000" indent="0">
+              <a:buNone/>
+              <a:defRPr sz="1400">
+                <a:solidFill>
+                  <a:schemeClr val="tx1">
+                    <a:tint val="75000"/>
+                  </a:schemeClr>
+                </a:solidFill>
+              </a:defRPr>
+            </a:lvl6pPr>
+            <a:lvl7pPr marL="2743200" indent="0">
+              <a:buNone/>
+              <a:defRPr sz="1400">
+                <a:solidFill>
+                  <a:schemeClr val="tx1">
+                    <a:tint val="75000"/>
+                  </a:schemeClr>
+                </a:solidFill>
+              </a:defRPr>
+            </a:lvl7pPr>
+            <a:lvl8pPr marL="3200400" indent="0">
+              <a:buNone/>
+              <a:defRPr sz="1400">
+                <a:solidFill>
+                  <a:schemeClr val="tx1">
+                    <a:tint val="75000"/>
+                  </a:schemeClr>
+                </a:solidFill>
+              </a:defRPr>
+            </a:lvl8pPr>
+            <a:lvl9pPr marL="3657600" indent="0">
+              <a:buNone/>
+              <a:defRPr sz="1400">
+                <a:solidFill>
+                  <a:schemeClr val="tx1">
+                    <a:tint val="75000"/>
+                  </a:schemeClr>
+                </a:solidFill>
+              </a:defRPr>
+            </a:lvl9pPr>
+          </a:lstStyle>
+          <a:p>
+            <a:pPr lvl="0"/>
+            <a:r>
+              <a:rPr lang="en-US" smtClean="0"/>
+              <a:t>Click to edit Master text styles</a:t>
+            </a:r>
+          </a:p>
+        </p:txBody>
+      </p:sp>
+      <p:sp>
+        <p:nvSpPr>
+          <p:cNvPr id="4" name="Date Placeholder 3"/>
+          <p:cNvSpPr>
+            <a:spLocks noGrp="1"/>
+          </p:cNvSpPr>
+          <p:nvPr>
+            <p:ph type="dt" sz="half" idx="10"/>
+          </p:nvPr>
+        </p:nvSpPr>
+        <p:spPr/>
+        <p:txBody>
+          <a:bodyPr/>
+          <a:lstStyle/>
+          <a:p>
+            <a:fld id="{B497CC74-6C4D-4E27-8594-834FBF3C7E8D}" type="datetimeFigureOut">
+              <a:rPr lang="en-US" smtClean="0"/>
+              <a:t>11/15/2018</a:t>
+            </a:fld>
+            <a:endParaRPr lang="en-US"/>
+          </a:p>
+        </p:txBody>
+      </p:sp>
+      <p:sp>
+        <p:nvSpPr>
+          <p:cNvPr id="5" name="Footer Placeholder 4"/>
+          <p:cNvSpPr>
+            <a:spLocks noGrp="1"/>
+          </p:cNvSpPr>
+          <p:nvPr>
+            <p:ph type="ftr" sz="quarter" idx="11"/>
+          </p:nvPr>
+        </p:nvSpPr>
+        <p:spPr/>
+        <p:txBody>
+          <a:bodyPr/>
+          <a:lstStyle/>
+          <a:p>
+            <a:endParaRPr lang="en-US"/>
+          </a:p>
+        </p:txBody>
+      </p:sp>
+      <p:sp>
+        <p:nvSpPr>
+          <p:cNvPr id="6" name="Slide Number Placeholder 5"/>
+          <p:cNvSpPr>
+            <a:spLocks noGrp="1"/>
+          </p:cNvSpPr>
+          <p:nvPr>
+            <p:ph type="sldNum" sz="quarter" idx="12"/>
+          </p:nvPr>
+        </p:nvSpPr>
+        <p:spPr/>
+        <p:txBody>
+          <a:bodyPr/>
+          <a:lstStyle/>
+          <a:p>
+            <a:fld id="{C5E182FD-0D1B-4B62-925A-5A56511B6960}" type="slidenum">
+              <a:rPr lang="en-US" smtClean="0"/>
+              <a:t>‹#›</a:t>
+            </a:fld>
+            <a:endParaRPr lang="en-US"/>
+          </a:p>
+        </p:txBody>
+      </p:sp>
+    </p:spTree>
+    <p:extLst>
+      <p:ext uri="{BB962C8B-B14F-4D97-AF65-F5344CB8AC3E}">
+        <p14:creationId xmlns:p14="http://schemas.microsoft.com/office/powerpoint/2010/main" val="1387384725"/>
+      </p:ext>
+    </p:extLst>
+  </p:cSld>
+  <p:clrMapOvr>
+    <a:masterClrMapping/>
+  </p:clrMapOvr>
+</p:sldLayout>
+</file>
+
+<file path=ppt/slideLayouts/slideLayout15.xml><?xml version="1.0" encoding="utf-8"?>
+<p:sldLayout xmlns:a="http://schemas.openxmlformats.org/drawingml/2006/main" xmlns:r="http://schemas.openxmlformats.org/officeDocument/2006/relationships" xmlns:p="http://schemas.openxmlformats.org/presentationml/2006/main" preserve="1">
+  <p:cSld name="True or False">
+    <p:spTree>
+      <p:nvGrpSpPr>
+        <p:cNvPr id="1" name=""/>
+        <p:cNvGrpSpPr/>
+        <p:nvPr/>
+      </p:nvGrpSpPr>
+      <p:grpSpPr>
+        <a:xfrm>
+          <a:off x="0" y="0"/>
+          <a:ext cx="0" cy="0"/>
+          <a:chOff x="0" y="0"/>
+          <a:chExt cx="0" cy="0"/>
+        </a:xfrm>
+      </p:grpSpPr>
+      <p:sp>
+        <p:nvSpPr>
+          <p:cNvPr id="2" name="Title 1"/>
+          <p:cNvSpPr>
+            <a:spLocks noGrp="1"/>
+          </p:cNvSpPr>
+          <p:nvPr>
+            <p:ph type="title"/>
+          </p:nvPr>
+        </p:nvSpPr>
+        <p:spPr>
+          <a:xfrm>
+            <a:off x="1141412" y="609601"/>
+            <a:ext cx="9905999" cy="2743199"/>
+          </a:xfrm>
+        </p:spPr>
+        <p:txBody>
+          <a:bodyPr vert="horz" lIns="91440" tIns="45720" rIns="91440" bIns="45720" rtlCol="0" anchor="ctr">
+            <a:normAutofit/>
+          </a:bodyPr>
+          <a:lstStyle>
+            <a:lvl1pPr>
+              <a:defRPr lang="en-US" b="0" dirty="0"/>
+            </a:lvl1pPr>
+          </a:lstStyle>
+          <a:p>
+            <a:pPr marL="0" lvl="0"/>
+            <a:r>
+              <a:rPr lang="en-US" smtClean="0"/>
+              <a:t>Click to edit Master title style</a:t>
+            </a:r>
+            <a:endParaRPr lang="en-US" dirty="0"/>
+          </a:p>
+        </p:txBody>
+      </p:sp>
+      <p:sp>
+        <p:nvSpPr>
+          <p:cNvPr id="10" name="Text Placeholder 9"/>
+          <p:cNvSpPr>
+            <a:spLocks noGrp="1"/>
+          </p:cNvSpPr>
+          <p:nvPr>
+            <p:ph type="body" sz="quarter" idx="13"/>
+          </p:nvPr>
+        </p:nvSpPr>
+        <p:spPr>
+          <a:xfrm>
+            <a:off x="1141412" y="3505200"/>
+            <a:ext cx="9906000" cy="838200"/>
+          </a:xfrm>
+        </p:spPr>
+        <p:txBody>
+          <a:bodyPr vert="horz" lIns="91440" tIns="45720" rIns="91440" bIns="45720" rtlCol="0" anchor="b">
+            <a:normAutofit/>
+          </a:bodyPr>
+          <a:lstStyle>
+            <a:lvl1pPr>
+              <a:buNone/>
+              <a:defRPr lang="en-US" sz="2800" b="0" cap="all" dirty="0">
+                <a:ln w="3175" cmpd="sng">
+                  <a:noFill/>
+                </a:ln>
+                <a:gradFill flip="none" rotWithShape="1">
+                  <a:gsLst>
+                    <a:gs pos="0">
+                      <a:schemeClr val="tx1"/>
+                    </a:gs>
+                    <a:gs pos="100000">
+                      <a:schemeClr val="tx1">
+                        <a:lumMod val="75000"/>
+                      </a:schemeClr>
+                    </a:gs>
+                  </a:gsLst>
+                  <a:lin ang="5400000" scaled="0"/>
+                  <a:tileRect/>
+                </a:gradFill>
+                <a:effectLst>
+                  <a:glow rad="38100">
+                    <a:schemeClr val="bg1">
+                      <a:lumMod val="65000"/>
+                      <a:lumOff val="35000"/>
+                      <a:alpha val="40000"/>
+                    </a:schemeClr>
+                  </a:glow>
+                  <a:outerShdw blurRad="28575" dist="38100" dir="14040000" algn="tl" rotWithShape="0">
+                    <a:srgbClr val="000000">
+                      <a:alpha val="25000"/>
+                    </a:srgbClr>
+                  </a:outerShdw>
+                </a:effectLst>
+              </a:defRPr>
+            </a:lvl1pPr>
+          </a:lstStyle>
+          <a:p>
+            <a:pPr marL="0" lvl="0">
+              <a:spcBef>
+                <a:spcPct val="0"/>
+              </a:spcBef>
+              <a:buNone/>
+            </a:pPr>
+            <a:r>
+              <a:rPr lang="en-US" smtClean="0"/>
+              <a:t>Click to edit Master text styles</a:t>
+            </a:r>
+          </a:p>
+        </p:txBody>
+      </p:sp>
+      <p:sp>
+        <p:nvSpPr>
+          <p:cNvPr id="3" name="Text Placeholder 2"/>
+          <p:cNvSpPr>
+            <a:spLocks noGrp="1"/>
+          </p:cNvSpPr>
+          <p:nvPr>
+            <p:ph type="body" idx="1"/>
+          </p:nvPr>
+        </p:nvSpPr>
+        <p:spPr>
+          <a:xfrm>
+            <a:off x="1141411" y="4343400"/>
+            <a:ext cx="9906000" cy="1447800"/>
+          </a:xfrm>
+        </p:spPr>
+        <p:txBody>
+          <a:bodyPr anchor="t">
+            <a:normAutofit/>
+          </a:bodyPr>
+          <a:lstStyle>
+            <a:lvl1pPr marL="0" indent="0" algn="l">
+              <a:buNone/>
+              <a:defRPr sz="1800">
+                <a:gradFill flip="none" rotWithShape="1">
+                  <a:gsLst>
+                    <a:gs pos="0">
+                      <a:schemeClr val="tx1"/>
+                    </a:gs>
+                    <a:gs pos="100000">
+                      <a:schemeClr val="tx1">
+                        <a:lumMod val="75000"/>
+                      </a:schemeClr>
+                    </a:gs>
+                  </a:gsLst>
+                  <a:lin ang="5400000" scaled="0"/>
+                  <a:tileRect/>
+                </a:gradFill>
+              </a:defRPr>
+            </a:lvl1pPr>
+            <a:lvl2pPr marL="457200" indent="0">
+              <a:buNone/>
+              <a:defRPr sz="1800">
+                <a:solidFill>
+                  <a:schemeClr val="tx1">
+                    <a:tint val="75000"/>
+                  </a:schemeClr>
+                </a:solidFill>
+              </a:defRPr>
+            </a:lvl2pPr>
+            <a:lvl3pPr marL="914400" indent="0">
+              <a:buNone/>
+              <a:defRPr sz="1600">
+                <a:solidFill>
+                  <a:schemeClr val="tx1">
+                    <a:tint val="75000"/>
+                  </a:schemeClr>
+                </a:solidFill>
+              </a:defRPr>
+            </a:lvl3pPr>
+            <a:lvl4pPr marL="1371600" indent="0">
+              <a:buNone/>
+              <a:defRPr sz="1400">
+                <a:solidFill>
+                  <a:schemeClr val="tx1">
+                    <a:tint val="75000"/>
+                  </a:schemeClr>
+                </a:solidFill>
+              </a:defRPr>
+            </a:lvl4pPr>
+            <a:lvl5pPr marL="1828800" indent="0">
+              <a:buNone/>
+              <a:defRPr sz="1400">
+                <a:solidFill>
+                  <a:schemeClr val="tx1">
+                    <a:tint val="75000"/>
+                  </a:schemeClr>
+                </a:solidFill>
+              </a:defRPr>
+            </a:lvl5pPr>
+            <a:lvl6pPr marL="2286000" indent="0">
+              <a:buNone/>
+              <a:defRPr sz="1400">
+                <a:solidFill>
+                  <a:schemeClr val="tx1">
+                    <a:tint val="75000"/>
+                  </a:schemeClr>
+                </a:solidFill>
+              </a:defRPr>
+            </a:lvl6pPr>
+            <a:lvl7pPr marL="2743200" indent="0">
+              <a:buNone/>
+              <a:defRPr sz="1400">
+                <a:solidFill>
+                  <a:schemeClr val="tx1">
+                    <a:tint val="75000"/>
+                  </a:schemeClr>
+                </a:solidFill>
+              </a:defRPr>
+            </a:lvl7pPr>
+            <a:lvl8pPr marL="3200400" indent="0">
+              <a:buNone/>
+              <a:defRPr sz="1400">
+                <a:solidFill>
+                  <a:schemeClr val="tx1">
+                    <a:tint val="75000"/>
+                  </a:schemeClr>
+                </a:solidFill>
+              </a:defRPr>
+            </a:lvl8pPr>
+            <a:lvl9pPr marL="3657600" indent="0">
+              <a:buNone/>
+              <a:defRPr sz="1400">
+                <a:solidFill>
+                  <a:schemeClr val="tx1">
+                    <a:tint val="75000"/>
+                  </a:schemeClr>
+                </a:solidFill>
+              </a:defRPr>
+            </a:lvl9pPr>
+          </a:lstStyle>
+          <a:p>
+            <a:pPr lvl="0"/>
+            <a:r>
+              <a:rPr lang="en-US" smtClean="0"/>
+              <a:t>Click to edit Master text styles</a:t>
+            </a:r>
+          </a:p>
+        </p:txBody>
+      </p:sp>
+      <p:sp>
+        <p:nvSpPr>
+          <p:cNvPr id="4" name="Date Placeholder 3"/>
+          <p:cNvSpPr>
+            <a:spLocks noGrp="1"/>
+          </p:cNvSpPr>
+          <p:nvPr>
+            <p:ph type="dt" sz="half" idx="10"/>
+          </p:nvPr>
+        </p:nvSpPr>
+        <p:spPr/>
+        <p:txBody>
+          <a:bodyPr/>
+          <a:lstStyle/>
+          <a:p>
+            <a:fld id="{B497CC74-6C4D-4E27-8594-834FBF3C7E8D}" type="datetimeFigureOut">
+              <a:rPr lang="en-US" smtClean="0"/>
+              <a:t>11/15/2018</a:t>
+            </a:fld>
+            <a:endParaRPr lang="en-US"/>
+          </a:p>
+        </p:txBody>
+      </p:sp>
+      <p:sp>
+        <p:nvSpPr>
+          <p:cNvPr id="5" name="Footer Placeholder 4"/>
+          <p:cNvSpPr>
+            <a:spLocks noGrp="1"/>
+          </p:cNvSpPr>
+          <p:nvPr>
+            <p:ph type="ftr" sz="quarter" idx="11"/>
+          </p:nvPr>
+        </p:nvSpPr>
+        <p:spPr/>
+        <p:txBody>
+          <a:bodyPr/>
+          <a:lstStyle/>
+          <a:p>
+            <a:endParaRPr lang="en-US"/>
+          </a:p>
+        </p:txBody>
+      </p:sp>
+      <p:sp>
+        <p:nvSpPr>
+          <p:cNvPr id="6" name="Slide Number Placeholder 5"/>
+          <p:cNvSpPr>
+            <a:spLocks noGrp="1"/>
+          </p:cNvSpPr>
+          <p:nvPr>
+            <p:ph type="sldNum" sz="quarter" idx="12"/>
+          </p:nvPr>
+        </p:nvSpPr>
+        <p:spPr/>
+        <p:txBody>
+          <a:bodyPr/>
+          <a:lstStyle/>
+          <a:p>
+            <a:fld id="{C5E182FD-0D1B-4B62-925A-5A56511B6960}" type="slidenum">
+              <a:rPr lang="en-US" smtClean="0"/>
+              <a:t>‹#›</a:t>
+            </a:fld>
+            <a:endParaRPr lang="en-US"/>
+          </a:p>
+        </p:txBody>
+      </p:sp>
+    </p:spTree>
+    <p:extLst>
+      <p:ext uri="{BB962C8B-B14F-4D97-AF65-F5344CB8AC3E}">
+        <p14:creationId xmlns:p14="http://schemas.microsoft.com/office/powerpoint/2010/main" val="2403100402"/>
+      </p:ext>
+    </p:extLst>
+  </p:cSld>
+  <p:clrMapOvr>
+    <a:masterClrMapping/>
+  </p:clrMapOvr>
+</p:sldLayout>
+</file>
+
+<file path=ppt/slideLayouts/slideLayout16.xml><?xml version="1.0" encoding="utf-8"?>
 <p:sldLayout xmlns:a="http://schemas.openxmlformats.org/drawingml/2006/main" xmlns:r="http://schemas.openxmlformats.org/officeDocument/2006/relationships" xmlns:p="http://schemas.openxmlformats.org/presentationml/2006/main" type="vertTx" preserve="1">
   <p:cSld name="Title and Vertical Text">
     <p:spTree>
@@ -323,7 +2518,7 @@
       </p:grpSpPr>
       <p:sp>
         <p:nvSpPr>
-          <p:cNvPr id="2" name="Title 1"/>
+          <p:cNvPr id="7" name="Title 1"/>
           <p:cNvSpPr>
             <a:spLocks noGrp="1"/>
           </p:cNvSpPr>
@@ -331,89 +2526,94 @@
             <p:ph type="title"/>
           </p:nvPr>
         </p:nvSpPr>
+        <p:spPr>
+          <a:xfrm>
+            <a:off x="1141413" y="609600"/>
+            <a:ext cx="9905998" cy="1905000"/>
+          </a:xfrm>
+        </p:spPr>
+        <p:txBody>
+          <a:bodyPr/>
+          <a:lstStyle/>
+          <a:p>
+            <a:r>
+              <a:rPr lang="en-US" smtClean="0"/>
+              <a:t>Click to edit Master title style</a:t>
+            </a:r>
+            <a:endParaRPr lang="en-US" dirty="0"/>
+          </a:p>
+        </p:txBody>
+      </p:sp>
+      <p:sp>
+        <p:nvSpPr>
+          <p:cNvPr id="3" name="Vertical Text Placeholder 2"/>
+          <p:cNvSpPr>
+            <a:spLocks noGrp="1"/>
+          </p:cNvSpPr>
+          <p:nvPr>
+            <p:ph type="body" orient="vert" idx="1"/>
+          </p:nvPr>
+        </p:nvSpPr>
         <p:spPr/>
         <p:txBody>
+          <a:bodyPr vert="eaVert" anchor="t"/>
+          <a:lstStyle/>
+          <a:p>
+            <a:pPr lvl="0"/>
+            <a:r>
+              <a:rPr lang="en-US" smtClean="0"/>
+              <a:t>Click to edit Master text styles</a:t>
+            </a:r>
+          </a:p>
+          <a:p>
+            <a:pPr lvl="1"/>
+            <a:r>
+              <a:rPr lang="en-US" smtClean="0"/>
+              <a:t>Second level</a:t>
+            </a:r>
+          </a:p>
+          <a:p>
+            <a:pPr lvl="2"/>
+            <a:r>
+              <a:rPr lang="en-US" smtClean="0"/>
+              <a:t>Third level</a:t>
+            </a:r>
+          </a:p>
+          <a:p>
+            <a:pPr lvl="3"/>
+            <a:r>
+              <a:rPr lang="en-US" smtClean="0"/>
+              <a:t>Fourth level</a:t>
+            </a:r>
+          </a:p>
+          <a:p>
+            <a:pPr lvl="4"/>
+            <a:r>
+              <a:rPr lang="en-US" smtClean="0"/>
+              <a:t>Fifth level</a:t>
+            </a:r>
+            <a:endParaRPr lang="en-US" dirty="0"/>
+          </a:p>
+        </p:txBody>
+      </p:sp>
+      <p:sp>
+        <p:nvSpPr>
+          <p:cNvPr id="4" name="Date Placeholder 3"/>
+          <p:cNvSpPr>
+            <a:spLocks noGrp="1"/>
+          </p:cNvSpPr>
+          <p:nvPr>
+            <p:ph type="dt" sz="half" idx="10"/>
+          </p:nvPr>
+        </p:nvSpPr>
+        <p:spPr/>
+        <p:txBody>
           <a:bodyPr/>
           <a:lstStyle/>
           <a:p>
-            <a:r>
-              <a:rPr lang="en-US" smtClean="0"/>
-              <a:t>Click to edit Master title style</a:t>
-            </a:r>
-            <a:endParaRPr lang="en-US"/>
-          </a:p>
-        </p:txBody>
-      </p:sp>
-      <p:sp>
-        <p:nvSpPr>
-          <p:cNvPr id="3" name="Vertical Text Placeholder 2"/>
-          <p:cNvSpPr>
-            <a:spLocks noGrp="1"/>
-          </p:cNvSpPr>
-          <p:nvPr>
-            <p:ph type="body" orient="vert" idx="1"/>
-          </p:nvPr>
-        </p:nvSpPr>
-        <p:spPr/>
-        <p:txBody>
-          <a:bodyPr vert="eaVert"/>
-          <a:lstStyle/>
-          <a:p>
-            <a:pPr lvl="0"/>
-            <a:r>
-              <a:rPr lang="en-US" smtClean="0"/>
-              <a:t>Click to edit Master text styles</a:t>
-            </a:r>
-          </a:p>
-          <a:p>
-            <a:pPr lvl="1"/>
-            <a:r>
-              <a:rPr lang="en-US" smtClean="0"/>
-              <a:t>Second level</a:t>
-            </a:r>
-          </a:p>
-          <a:p>
-            <a:pPr lvl="2"/>
-            <a:r>
-              <a:rPr lang="en-US" smtClean="0"/>
-              <a:t>Third level</a:t>
-            </a:r>
-          </a:p>
-          <a:p>
-            <a:pPr lvl="3"/>
-            <a:r>
-              <a:rPr lang="en-US" smtClean="0"/>
-              <a:t>Fourth level</a:t>
-            </a:r>
-          </a:p>
-          <a:p>
-            <a:pPr lvl="4"/>
-            <a:r>
-              <a:rPr lang="en-US" smtClean="0"/>
-              <a:t>Fifth level</a:t>
-            </a:r>
-            <a:endParaRPr lang="en-US"/>
-          </a:p>
-        </p:txBody>
-      </p:sp>
-      <p:sp>
-        <p:nvSpPr>
-          <p:cNvPr id="4" name="Date Placeholder 3"/>
-          <p:cNvSpPr>
-            <a:spLocks noGrp="1"/>
-          </p:cNvSpPr>
-          <p:nvPr>
-            <p:ph type="dt" sz="half" idx="10"/>
-          </p:nvPr>
-        </p:nvSpPr>
-        <p:spPr/>
-        <p:txBody>
-          <a:bodyPr/>
-          <a:lstStyle/>
-          <a:p>
             <a:fld id="{B497CC74-6C4D-4E27-8594-834FBF3C7E8D}" type="datetimeFigureOut">
               <a:rPr lang="en-US" smtClean="0"/>
-              <a:t>11/14/2018</a:t>
+              <a:t>11/15/2018</a:t>
             </a:fld>
             <a:endParaRPr lang="en-US"/>
           </a:p>
@@ -464,7 +2664,7 @@
     </p:spTree>
     <p:extLst>
       <p:ext uri="{BB962C8B-B14F-4D97-AF65-F5344CB8AC3E}">
-        <p14:creationId xmlns:p14="http://schemas.microsoft.com/office/powerpoint/2010/main" val="3708637268"/>
+        <p14:creationId xmlns:p14="http://schemas.microsoft.com/office/powerpoint/2010/main" val="2061931937"/>
       </p:ext>
     </p:extLst>
   </p:cSld>
@@ -474,7 +2674,7 @@
 </p:sldLayout>
 </file>
 
-<file path=ppt/slideLayouts/slideLayout11.xml><?xml version="1.0" encoding="utf-8"?>
+<file path=ppt/slideLayouts/slideLayout17.xml><?xml version="1.0" encoding="utf-8"?>
 <p:sldLayout xmlns:a="http://schemas.openxmlformats.org/drawingml/2006/main" xmlns:r="http://schemas.openxmlformats.org/officeDocument/2006/relationships" xmlns:p="http://schemas.openxmlformats.org/presentationml/2006/main" type="vertTitleAndTx" preserve="1">
   <p:cSld name="Vertical Title and Text">
     <p:spTree>
@@ -503,8 +2703,8 @@
         </p:nvSpPr>
         <p:spPr>
           <a:xfrm>
-            <a:off x="8724900" y="365125"/>
-            <a:ext cx="2628900" cy="5811838"/>
+            <a:off x="8836898" y="609599"/>
+            <a:ext cx="2210514" cy="5181601"/>
           </a:xfrm>
         </p:spPr>
         <p:txBody>
@@ -515,7 +2715,7 @@
               <a:rPr lang="en-US" smtClean="0"/>
               <a:t>Click to edit Master title style</a:t>
             </a:r>
-            <a:endParaRPr lang="en-US"/>
+            <a:endParaRPr lang="en-US" dirty="0"/>
           </a:p>
         </p:txBody>
       </p:sp>
@@ -531,12 +2731,12 @@
         </p:nvSpPr>
         <p:spPr>
           <a:xfrm>
-            <a:off x="838200" y="365125"/>
-            <a:ext cx="7734300" cy="5811838"/>
+            <a:off x="1141412" y="609600"/>
+            <a:ext cx="7543800" cy="5181600"/>
           </a:xfrm>
         </p:spPr>
         <p:txBody>
-          <a:bodyPr vert="eaVert"/>
+          <a:bodyPr vert="eaVert" anchor="t"/>
           <a:lstStyle/>
           <a:p>
             <a:pPr lvl="0"/>
@@ -572,7 +2772,7 @@
               <a:rPr lang="en-US" smtClean="0"/>
               <a:t>Fifth level</a:t>
             </a:r>
-            <a:endParaRPr lang="en-US"/>
+            <a:endParaRPr lang="en-US" dirty="0"/>
           </a:p>
         </p:txBody>
       </p:sp>
@@ -593,7 +2793,7 @@
           <a:p>
             <a:fld id="{B497CC74-6C4D-4E27-8594-834FBF3C7E8D}" type="datetimeFigureOut">
               <a:rPr lang="en-US" smtClean="0"/>
-              <a:t>11/14/2018</a:t>
+              <a:t>11/15/2018</a:t>
             </a:fld>
             <a:endParaRPr lang="en-US"/>
           </a:p>
@@ -644,7 +2844,7 @@
     </p:spTree>
     <p:extLst>
       <p:ext uri="{BB962C8B-B14F-4D97-AF65-F5344CB8AC3E}">
-        <p14:creationId xmlns:p14="http://schemas.microsoft.com/office/powerpoint/2010/main" val="2999930726"/>
+        <p14:creationId xmlns:p14="http://schemas.microsoft.com/office/powerpoint/2010/main" val="214953894"/>
       </p:ext>
     </p:extLst>
   </p:cSld>
@@ -690,7 +2890,7 @@
               <a:rPr lang="en-US" smtClean="0"/>
               <a:t>Click to edit Master title style</a:t>
             </a:r>
-            <a:endParaRPr lang="en-US"/>
+            <a:endParaRPr lang="en-US" dirty="0"/>
           </a:p>
         </p:txBody>
       </p:sp>
@@ -706,64 +2906,64 @@
         </p:nvSpPr>
         <p:spPr/>
         <p:txBody>
+          <a:bodyPr anchor="ctr"/>
+          <a:lstStyle/>
+          <a:p>
+            <a:pPr lvl="0"/>
+            <a:r>
+              <a:rPr lang="en-US" smtClean="0"/>
+              <a:t>Click to edit Master text styles</a:t>
+            </a:r>
+          </a:p>
+          <a:p>
+            <a:pPr lvl="1"/>
+            <a:r>
+              <a:rPr lang="en-US" smtClean="0"/>
+              <a:t>Second level</a:t>
+            </a:r>
+          </a:p>
+          <a:p>
+            <a:pPr lvl="2"/>
+            <a:r>
+              <a:rPr lang="en-US" smtClean="0"/>
+              <a:t>Third level</a:t>
+            </a:r>
+          </a:p>
+          <a:p>
+            <a:pPr lvl="3"/>
+            <a:r>
+              <a:rPr lang="en-US" smtClean="0"/>
+              <a:t>Fourth level</a:t>
+            </a:r>
+          </a:p>
+          <a:p>
+            <a:pPr lvl="4"/>
+            <a:r>
+              <a:rPr lang="en-US" smtClean="0"/>
+              <a:t>Fifth level</a:t>
+            </a:r>
+            <a:endParaRPr lang="en-US" dirty="0"/>
+          </a:p>
+        </p:txBody>
+      </p:sp>
+      <p:sp>
+        <p:nvSpPr>
+          <p:cNvPr id="4" name="Date Placeholder 3"/>
+          <p:cNvSpPr>
+            <a:spLocks noGrp="1"/>
+          </p:cNvSpPr>
+          <p:nvPr>
+            <p:ph type="dt" sz="half" idx="10"/>
+          </p:nvPr>
+        </p:nvSpPr>
+        <p:spPr/>
+        <p:txBody>
           <a:bodyPr/>
           <a:lstStyle/>
           <a:p>
-            <a:pPr lvl="0"/>
-            <a:r>
-              <a:rPr lang="en-US" smtClean="0"/>
-              <a:t>Click to edit Master text styles</a:t>
-            </a:r>
-          </a:p>
-          <a:p>
-            <a:pPr lvl="1"/>
-            <a:r>
-              <a:rPr lang="en-US" smtClean="0"/>
-              <a:t>Second level</a:t>
-            </a:r>
-          </a:p>
-          <a:p>
-            <a:pPr lvl="2"/>
-            <a:r>
-              <a:rPr lang="en-US" smtClean="0"/>
-              <a:t>Third level</a:t>
-            </a:r>
-          </a:p>
-          <a:p>
-            <a:pPr lvl="3"/>
-            <a:r>
-              <a:rPr lang="en-US" smtClean="0"/>
-              <a:t>Fourth level</a:t>
-            </a:r>
-          </a:p>
-          <a:p>
-            <a:pPr lvl="4"/>
-            <a:r>
-              <a:rPr lang="en-US" smtClean="0"/>
-              <a:t>Fifth level</a:t>
-            </a:r>
-            <a:endParaRPr lang="en-US"/>
-          </a:p>
-        </p:txBody>
-      </p:sp>
-      <p:sp>
-        <p:nvSpPr>
-          <p:cNvPr id="4" name="Date Placeholder 3"/>
-          <p:cNvSpPr>
-            <a:spLocks noGrp="1"/>
-          </p:cNvSpPr>
-          <p:nvPr>
-            <p:ph type="dt" sz="half" idx="10"/>
-          </p:nvPr>
-        </p:nvSpPr>
-        <p:spPr/>
-        <p:txBody>
-          <a:bodyPr/>
-          <a:lstStyle/>
-          <a:p>
             <a:fld id="{B497CC74-6C4D-4E27-8594-834FBF3C7E8D}" type="datetimeFigureOut">
               <a:rPr lang="en-US" smtClean="0"/>
-              <a:t>11/14/2018</a:t>
+              <a:t>11/15/2018</a:t>
             </a:fld>
             <a:endParaRPr lang="en-US"/>
           </a:p>
@@ -814,7 +3014,7 @@
     </p:spTree>
     <p:extLst>
       <p:ext uri="{BB962C8B-B14F-4D97-AF65-F5344CB8AC3E}">
-        <p14:creationId xmlns:p14="http://schemas.microsoft.com/office/powerpoint/2010/main" val="3343163070"/>
+        <p14:creationId xmlns:p14="http://schemas.microsoft.com/office/powerpoint/2010/main" val="396984250"/>
       </p:ext>
     </p:extLst>
   </p:cSld>
@@ -853,15 +3053,15 @@
         </p:nvSpPr>
         <p:spPr>
           <a:xfrm>
-            <a:off x="831850" y="1709738"/>
-            <a:ext cx="10515600" cy="2852737"/>
+            <a:off x="1751013" y="3308581"/>
+            <a:ext cx="8686800" cy="1468800"/>
           </a:xfrm>
         </p:spPr>
         <p:txBody>
           <a:bodyPr anchor="b"/>
           <a:lstStyle>
-            <a:lvl1pPr>
-              <a:defRPr sz="6000"/>
+            <a:lvl1pPr algn="r">
+              <a:defRPr sz="4000" b="0" cap="all"/>
             </a:lvl1pPr>
           </a:lstStyle>
           <a:p>
@@ -869,7 +3069,7 @@
               <a:rPr lang="en-US" smtClean="0"/>
               <a:t>Click to edit Master title style</a:t>
             </a:r>
-            <a:endParaRPr lang="en-US"/>
+            <a:endParaRPr lang="en-US" dirty="0"/>
           </a:p>
         </p:txBody>
       </p:sp>
@@ -885,102 +3085,113 @@
         </p:nvSpPr>
         <p:spPr>
           <a:xfrm>
-            <a:off x="831850" y="4589463"/>
-            <a:ext cx="10515600" cy="1500187"/>
+            <a:off x="1751011" y="4777381"/>
+            <a:ext cx="8686801" cy="860400"/>
           </a:xfrm>
         </p:spPr>
         <p:txBody>
-          <a:bodyPr/>
+          <a:bodyPr anchor="t">
+            <a:normAutofit/>
+          </a:bodyPr>
           <a:lstStyle>
-            <a:lvl1pPr marL="0" indent="0">
-              <a:buNone/>
-              <a:defRPr sz="2400">
+            <a:lvl1pPr marL="0" indent="0" algn="r">
+              <a:buNone/>
+              <a:defRPr sz="2000">
+                <a:gradFill flip="none" rotWithShape="1">
+                  <a:gsLst>
+                    <a:gs pos="0">
+                      <a:schemeClr val="tx1"/>
+                    </a:gs>
+                    <a:gs pos="100000">
+                      <a:schemeClr val="tx1">
+                        <a:lumMod val="75000"/>
+                      </a:schemeClr>
+                    </a:gs>
+                  </a:gsLst>
+                  <a:lin ang="5400000" scaled="0"/>
+                  <a:tileRect/>
+                </a:gradFill>
+              </a:defRPr>
+            </a:lvl1pPr>
+            <a:lvl2pPr marL="457200" indent="0">
+              <a:buNone/>
+              <a:defRPr sz="1800">
                 <a:solidFill>
                   <a:schemeClr val="tx1">
                     <a:tint val="75000"/>
                   </a:schemeClr>
                 </a:solidFill>
               </a:defRPr>
-            </a:lvl1pPr>
-            <a:lvl2pPr marL="457200" indent="0">
-              <a:buNone/>
-              <a:defRPr sz="2000">
+            </a:lvl2pPr>
+            <a:lvl3pPr marL="914400" indent="0">
+              <a:buNone/>
+              <a:defRPr sz="1600">
                 <a:solidFill>
                   <a:schemeClr val="tx1">
                     <a:tint val="75000"/>
                   </a:schemeClr>
                 </a:solidFill>
               </a:defRPr>
-            </a:lvl2pPr>
-            <a:lvl3pPr marL="914400" indent="0">
-              <a:buNone/>
-              <a:defRPr sz="1800">
+            </a:lvl3pPr>
+            <a:lvl4pPr marL="1371600" indent="0">
+              <a:buNone/>
+              <a:defRPr sz="1400">
                 <a:solidFill>
                   <a:schemeClr val="tx1">
                     <a:tint val="75000"/>
                   </a:schemeClr>
                 </a:solidFill>
               </a:defRPr>
-            </a:lvl3pPr>
-            <a:lvl4pPr marL="1371600" indent="0">
-              <a:buNone/>
-              <a:defRPr sz="1600">
+            </a:lvl4pPr>
+            <a:lvl5pPr marL="1828800" indent="0">
+              <a:buNone/>
+              <a:defRPr sz="1400">
                 <a:solidFill>
                   <a:schemeClr val="tx1">
                     <a:tint val="75000"/>
                   </a:schemeClr>
                 </a:solidFill>
               </a:defRPr>
-            </a:lvl4pPr>
-            <a:lvl5pPr marL="1828800" indent="0">
-              <a:buNone/>
-              <a:defRPr sz="1600">
+            </a:lvl5pPr>
+            <a:lvl6pPr marL="2286000" indent="0">
+              <a:buNone/>
+              <a:defRPr sz="1400">
                 <a:solidFill>
                   <a:schemeClr val="tx1">
                     <a:tint val="75000"/>
                   </a:schemeClr>
                 </a:solidFill>
               </a:defRPr>
-            </a:lvl5pPr>
-            <a:lvl6pPr marL="2286000" indent="0">
-              <a:buNone/>
-              <a:defRPr sz="1600">
+            </a:lvl6pPr>
+            <a:lvl7pPr marL="2743200" indent="0">
+              <a:buNone/>
+              <a:defRPr sz="1400">
                 <a:solidFill>
                   <a:schemeClr val="tx1">
                     <a:tint val="75000"/>
                   </a:schemeClr>
                 </a:solidFill>
               </a:defRPr>
-            </a:lvl6pPr>
-            <a:lvl7pPr marL="2743200" indent="0">
-              <a:buNone/>
-              <a:defRPr sz="1600">
+            </a:lvl7pPr>
+            <a:lvl8pPr marL="3200400" indent="0">
+              <a:buNone/>
+              <a:defRPr sz="1400">
                 <a:solidFill>
                   <a:schemeClr val="tx1">
                     <a:tint val="75000"/>
                   </a:schemeClr>
                 </a:solidFill>
               </a:defRPr>
-            </a:lvl7pPr>
-            <a:lvl8pPr marL="3200400" indent="0">
-              <a:buNone/>
-              <a:defRPr sz="1600">
+            </a:lvl8pPr>
+            <a:lvl9pPr marL="3657600" indent="0">
+              <a:buNone/>
+              <a:defRPr sz="1400">
                 <a:solidFill>
                   <a:schemeClr val="tx1">
                     <a:tint val="75000"/>
                   </a:schemeClr>
                 </a:solidFill>
               </a:defRPr>
-            </a:lvl8pPr>
-            <a:lvl9pPr marL="3657600" indent="0">
-              <a:buNone/>
-              <a:defRPr sz="1600">
-                <a:solidFill>
-                  <a:schemeClr val="tx1">
-                    <a:tint val="75000"/>
-                  </a:schemeClr>
-                </a:solidFill>
-              </a:defRPr>
             </a:lvl9pPr>
           </a:lstStyle>
           <a:p>
@@ -1009,7 +3220,7 @@
           <a:p>
             <a:fld id="{B497CC74-6C4D-4E27-8594-834FBF3C7E8D}" type="datetimeFigureOut">
               <a:rPr lang="en-US" smtClean="0"/>
-              <a:t>11/14/2018</a:t>
+              <a:t>11/15/2018</a:t>
             </a:fld>
             <a:endParaRPr lang="en-US"/>
           </a:p>
@@ -1060,7 +3271,7 @@
     </p:spTree>
     <p:extLst>
       <p:ext uri="{BB962C8B-B14F-4D97-AF65-F5344CB8AC3E}">
-        <p14:creationId xmlns:p14="http://schemas.microsoft.com/office/powerpoint/2010/main" val="1193775505"/>
+        <p14:creationId xmlns:p14="http://schemas.microsoft.com/office/powerpoint/2010/main" val="1730222350"/>
       </p:ext>
     </p:extLst>
   </p:cSld>
@@ -1106,7 +3317,7 @@
               <a:rPr lang="en-US" smtClean="0"/>
               <a:t>Click to edit Master title style</a:t>
             </a:r>
-            <a:endParaRPr lang="en-US"/>
+            <a:endParaRPr lang="en-US" dirty="0"/>
           </a:p>
         </p:txBody>
       </p:sp>
@@ -1122,13 +3333,43 @@
         </p:nvSpPr>
         <p:spPr>
           <a:xfrm>
-            <a:off x="838200" y="1825625"/>
-            <a:ext cx="5181600" cy="4351338"/>
+            <a:off x="1141412" y="2666999"/>
+            <a:ext cx="4876800" cy="3124201"/>
           </a:xfrm>
         </p:spPr>
         <p:txBody>
-          <a:bodyPr/>
-          <a:lstStyle/>
+          <a:bodyPr>
+            <a:normAutofit/>
+          </a:bodyPr>
+          <a:lstStyle>
+            <a:lvl1pPr>
+              <a:defRPr sz="1800"/>
+            </a:lvl1pPr>
+            <a:lvl2pPr>
+              <a:defRPr sz="1600"/>
+            </a:lvl2pPr>
+            <a:lvl3pPr>
+              <a:defRPr sz="1400"/>
+            </a:lvl3pPr>
+            <a:lvl4pPr>
+              <a:defRPr sz="1200"/>
+            </a:lvl4pPr>
+            <a:lvl5pPr>
+              <a:defRPr sz="1200"/>
+            </a:lvl5pPr>
+            <a:lvl6pPr>
+              <a:defRPr sz="1200"/>
+            </a:lvl6pPr>
+            <a:lvl7pPr>
+              <a:defRPr sz="1200"/>
+            </a:lvl7pPr>
+            <a:lvl8pPr>
+              <a:defRPr sz="1200"/>
+            </a:lvl8pPr>
+            <a:lvl9pPr>
+              <a:defRPr sz="1200"/>
+            </a:lvl9pPr>
+          </a:lstStyle>
           <a:p>
             <a:pPr lvl="0"/>
             <a:r>
@@ -1163,7 +3404,7 @@
               <a:rPr lang="en-US" smtClean="0"/>
               <a:t>Fifth level</a:t>
             </a:r>
-            <a:endParaRPr lang="en-US"/>
+            <a:endParaRPr lang="en-US" dirty="0"/>
           </a:p>
         </p:txBody>
       </p:sp>
@@ -1179,69 +3420,99 @@
         </p:nvSpPr>
         <p:spPr>
           <a:xfrm>
-            <a:off x="6172200" y="1825625"/>
-            <a:ext cx="5181600" cy="4351338"/>
+            <a:off x="6170612" y="2667000"/>
+            <a:ext cx="4876800" cy="3124200"/>
           </a:xfrm>
         </p:spPr>
         <p:txBody>
+          <a:bodyPr>
+            <a:normAutofit/>
+          </a:bodyPr>
+          <a:lstStyle>
+            <a:lvl1pPr>
+              <a:defRPr sz="1800"/>
+            </a:lvl1pPr>
+            <a:lvl2pPr>
+              <a:defRPr sz="1600"/>
+            </a:lvl2pPr>
+            <a:lvl3pPr>
+              <a:defRPr sz="1400"/>
+            </a:lvl3pPr>
+            <a:lvl4pPr>
+              <a:defRPr sz="1200"/>
+            </a:lvl4pPr>
+            <a:lvl5pPr>
+              <a:defRPr sz="1200"/>
+            </a:lvl5pPr>
+            <a:lvl6pPr>
+              <a:defRPr sz="1200"/>
+            </a:lvl6pPr>
+            <a:lvl7pPr>
+              <a:defRPr sz="1200"/>
+            </a:lvl7pPr>
+            <a:lvl8pPr>
+              <a:defRPr sz="1200"/>
+            </a:lvl8pPr>
+            <a:lvl9pPr>
+              <a:defRPr sz="1200"/>
+            </a:lvl9pPr>
+          </a:lstStyle>
+          <a:p>
+            <a:pPr lvl="0"/>
+            <a:r>
+              <a:rPr lang="en-US" smtClean="0"/>
+              <a:t>Click to edit Master text styles</a:t>
+            </a:r>
+          </a:p>
+          <a:p>
+            <a:pPr lvl="1"/>
+            <a:r>
+              <a:rPr lang="en-US" smtClean="0"/>
+              <a:t>Second level</a:t>
+            </a:r>
+          </a:p>
+          <a:p>
+            <a:pPr lvl="2"/>
+            <a:r>
+              <a:rPr lang="en-US" smtClean="0"/>
+              <a:t>Third level</a:t>
+            </a:r>
+          </a:p>
+          <a:p>
+            <a:pPr lvl="3"/>
+            <a:r>
+              <a:rPr lang="en-US" smtClean="0"/>
+              <a:t>Fourth level</a:t>
+            </a:r>
+          </a:p>
+          <a:p>
+            <a:pPr lvl="4"/>
+            <a:r>
+              <a:rPr lang="en-US" smtClean="0"/>
+              <a:t>Fifth level</a:t>
+            </a:r>
+            <a:endParaRPr lang="en-US" dirty="0"/>
+          </a:p>
+        </p:txBody>
+      </p:sp>
+      <p:sp>
+        <p:nvSpPr>
+          <p:cNvPr id="5" name="Date Placeholder 4"/>
+          <p:cNvSpPr>
+            <a:spLocks noGrp="1"/>
+          </p:cNvSpPr>
+          <p:nvPr>
+            <p:ph type="dt" sz="half" idx="10"/>
+          </p:nvPr>
+        </p:nvSpPr>
+        <p:spPr/>
+        <p:txBody>
           <a:bodyPr/>
           <a:lstStyle/>
           <a:p>
-            <a:pPr lvl="0"/>
-            <a:r>
-              <a:rPr lang="en-US" smtClean="0"/>
-              <a:t>Click to edit Master text styles</a:t>
-            </a:r>
-          </a:p>
-          <a:p>
-            <a:pPr lvl="1"/>
-            <a:r>
-              <a:rPr lang="en-US" smtClean="0"/>
-              <a:t>Second level</a:t>
-            </a:r>
-          </a:p>
-          <a:p>
-            <a:pPr lvl="2"/>
-            <a:r>
-              <a:rPr lang="en-US" smtClean="0"/>
-              <a:t>Third level</a:t>
-            </a:r>
-          </a:p>
-          <a:p>
-            <a:pPr lvl="3"/>
-            <a:r>
-              <a:rPr lang="en-US" smtClean="0"/>
-              <a:t>Fourth level</a:t>
-            </a:r>
-          </a:p>
-          <a:p>
-            <a:pPr lvl="4"/>
-            <a:r>
-              <a:rPr lang="en-US" smtClean="0"/>
-              <a:t>Fifth level</a:t>
-            </a:r>
-            <a:endParaRPr lang="en-US"/>
-          </a:p>
-        </p:txBody>
-      </p:sp>
-      <p:sp>
-        <p:nvSpPr>
-          <p:cNvPr id="5" name="Date Placeholder 4"/>
-          <p:cNvSpPr>
-            <a:spLocks noGrp="1"/>
-          </p:cNvSpPr>
-          <p:nvPr>
-            <p:ph type="dt" sz="half" idx="10"/>
-          </p:nvPr>
-        </p:nvSpPr>
-        <p:spPr/>
-        <p:txBody>
-          <a:bodyPr/>
-          <a:lstStyle/>
-          <a:p>
             <a:fld id="{B497CC74-6C4D-4E27-8594-834FBF3C7E8D}" type="datetimeFigureOut">
               <a:rPr lang="en-US" smtClean="0"/>
-              <a:t>11/14/2018</a:t>
+              <a:t>11/15/2018</a:t>
             </a:fld>
             <a:endParaRPr lang="en-US"/>
           </a:p>
@@ -1292,7 +3563,7 @@
     </p:spTree>
     <p:extLst>
       <p:ext uri="{BB962C8B-B14F-4D97-AF65-F5344CB8AC3E}">
-        <p14:creationId xmlns:p14="http://schemas.microsoft.com/office/powerpoint/2010/main" val="618935741"/>
+        <p14:creationId xmlns:p14="http://schemas.microsoft.com/office/powerpoint/2010/main" val="2592724644"/>
       </p:ext>
     </p:extLst>
   </p:cSld>
@@ -1329,46 +3600,47 @@
             <p:ph type="title"/>
           </p:nvPr>
         </p:nvSpPr>
+        <p:spPr/>
+        <p:txBody>
+          <a:bodyPr/>
+          <a:lstStyle>
+            <a:lvl1pPr>
+              <a:defRPr/>
+            </a:lvl1pPr>
+          </a:lstStyle>
+          <a:p>
+            <a:r>
+              <a:rPr lang="en-US" smtClean="0"/>
+              <a:t>Click to edit Master title style</a:t>
+            </a:r>
+            <a:endParaRPr lang="en-US" dirty="0"/>
+          </a:p>
+        </p:txBody>
+      </p:sp>
+      <p:sp>
+        <p:nvSpPr>
+          <p:cNvPr id="3" name="Text Placeholder 2"/>
+          <p:cNvSpPr>
+            <a:spLocks noGrp="1"/>
+          </p:cNvSpPr>
+          <p:nvPr>
+            <p:ph type="body" idx="1"/>
+          </p:nvPr>
+        </p:nvSpPr>
         <p:spPr>
           <a:xfrm>
-            <a:off x="839788" y="365125"/>
-            <a:ext cx="10515600" cy="1325563"/>
+            <a:off x="1429280" y="2658533"/>
+            <a:ext cx="4588931" cy="576262"/>
           </a:xfrm>
         </p:spPr>
         <p:txBody>
-          <a:bodyPr/>
-          <a:lstStyle/>
-          <a:p>
-            <a:r>
-              <a:rPr lang="en-US" smtClean="0"/>
-              <a:t>Click to edit Master title style</a:t>
-            </a:r>
-            <a:endParaRPr lang="en-US"/>
-          </a:p>
-        </p:txBody>
-      </p:sp>
-      <p:sp>
-        <p:nvSpPr>
-          <p:cNvPr id="3" name="Text Placeholder 2"/>
-          <p:cNvSpPr>
-            <a:spLocks noGrp="1"/>
-          </p:cNvSpPr>
-          <p:nvPr>
-            <p:ph type="body" idx="1"/>
-          </p:nvPr>
-        </p:nvSpPr>
-        <p:spPr>
-          <a:xfrm>
-            <a:off x="839788" y="1681163"/>
-            <a:ext cx="5157787" cy="823912"/>
-          </a:xfrm>
-        </p:spPr>
-        <p:txBody>
-          <a:bodyPr anchor="b"/>
+          <a:bodyPr anchor="b">
+            <a:noAutofit/>
+          </a:bodyPr>
           <a:lstStyle>
             <a:lvl1pPr marL="0" indent="0">
               <a:buNone/>
-              <a:defRPr sz="2400" b="1"/>
+              <a:defRPr sz="2800" b="0"/>
             </a:lvl1pPr>
             <a:lvl2pPr marL="457200" indent="0">
               <a:buNone/>
@@ -1424,13 +3696,43 @@
         </p:nvSpPr>
         <p:spPr>
           <a:xfrm>
-            <a:off x="839788" y="2505075"/>
-            <a:ext cx="5157787" cy="3684588"/>
+            <a:off x="1141412" y="3243262"/>
+            <a:ext cx="4876800" cy="2547937"/>
           </a:xfrm>
         </p:spPr>
         <p:txBody>
-          <a:bodyPr/>
-          <a:lstStyle/>
+          <a:bodyPr anchor="t">
+            <a:normAutofit/>
+          </a:bodyPr>
+          <a:lstStyle>
+            <a:lvl1pPr>
+              <a:defRPr sz="1800"/>
+            </a:lvl1pPr>
+            <a:lvl2pPr>
+              <a:defRPr sz="1600"/>
+            </a:lvl2pPr>
+            <a:lvl3pPr>
+              <a:defRPr sz="1400"/>
+            </a:lvl3pPr>
+            <a:lvl4pPr>
+              <a:defRPr sz="1200"/>
+            </a:lvl4pPr>
+            <a:lvl5pPr>
+              <a:defRPr sz="1200"/>
+            </a:lvl5pPr>
+            <a:lvl6pPr>
+              <a:defRPr sz="1200"/>
+            </a:lvl6pPr>
+            <a:lvl7pPr>
+              <a:defRPr sz="1200"/>
+            </a:lvl7pPr>
+            <a:lvl8pPr>
+              <a:defRPr sz="1200"/>
+            </a:lvl8pPr>
+            <a:lvl9pPr>
+              <a:defRPr sz="1200"/>
+            </a:lvl9pPr>
+          </a:lstStyle>
           <a:p>
             <a:pPr lvl="0"/>
             <a:r>
@@ -1465,7 +3767,7 @@
               <a:rPr lang="en-US" smtClean="0"/>
               <a:t>Fifth level</a:t>
             </a:r>
-            <a:endParaRPr lang="en-US"/>
+            <a:endParaRPr lang="en-US" dirty="0"/>
           </a:p>
         </p:txBody>
       </p:sp>
@@ -1481,16 +3783,18 @@
         </p:nvSpPr>
         <p:spPr>
           <a:xfrm>
-            <a:off x="6172200" y="1681163"/>
-            <a:ext cx="5183188" cy="823912"/>
+            <a:off x="6443133" y="2667000"/>
+            <a:ext cx="4604280" cy="576262"/>
           </a:xfrm>
         </p:spPr>
         <p:txBody>
-          <a:bodyPr anchor="b"/>
+          <a:bodyPr anchor="b">
+            <a:noAutofit/>
+          </a:bodyPr>
           <a:lstStyle>
             <a:lvl1pPr marL="0" indent="0">
               <a:buNone/>
-              <a:defRPr sz="2400" b="1"/>
+              <a:defRPr sz="2800" b="0"/>
             </a:lvl1pPr>
             <a:lvl2pPr marL="457200" indent="0">
               <a:buNone/>
@@ -1546,69 +3850,99 @@
         </p:nvSpPr>
         <p:spPr>
           <a:xfrm>
-            <a:off x="6172200" y="2505075"/>
-            <a:ext cx="5183188" cy="3684588"/>
+            <a:off x="6170612" y="3243262"/>
+            <a:ext cx="4876801" cy="2547937"/>
           </a:xfrm>
         </p:spPr>
         <p:txBody>
+          <a:bodyPr anchor="t">
+            <a:normAutofit/>
+          </a:bodyPr>
+          <a:lstStyle>
+            <a:lvl1pPr>
+              <a:defRPr sz="1800"/>
+            </a:lvl1pPr>
+            <a:lvl2pPr>
+              <a:defRPr sz="1600"/>
+            </a:lvl2pPr>
+            <a:lvl3pPr>
+              <a:defRPr sz="1400"/>
+            </a:lvl3pPr>
+            <a:lvl4pPr>
+              <a:defRPr sz="1200"/>
+            </a:lvl4pPr>
+            <a:lvl5pPr>
+              <a:defRPr sz="1200"/>
+            </a:lvl5pPr>
+            <a:lvl6pPr>
+              <a:defRPr sz="1200"/>
+            </a:lvl6pPr>
+            <a:lvl7pPr>
+              <a:defRPr sz="1200"/>
+            </a:lvl7pPr>
+            <a:lvl8pPr>
+              <a:defRPr sz="1200"/>
+            </a:lvl8pPr>
+            <a:lvl9pPr>
+              <a:defRPr sz="1200"/>
+            </a:lvl9pPr>
+          </a:lstStyle>
+          <a:p>
+            <a:pPr lvl="0"/>
+            <a:r>
+              <a:rPr lang="en-US" smtClean="0"/>
+              <a:t>Click to edit Master text styles</a:t>
+            </a:r>
+          </a:p>
+          <a:p>
+            <a:pPr lvl="1"/>
+            <a:r>
+              <a:rPr lang="en-US" smtClean="0"/>
+              <a:t>Second level</a:t>
+            </a:r>
+          </a:p>
+          <a:p>
+            <a:pPr lvl="2"/>
+            <a:r>
+              <a:rPr lang="en-US" smtClean="0"/>
+              <a:t>Third level</a:t>
+            </a:r>
+          </a:p>
+          <a:p>
+            <a:pPr lvl="3"/>
+            <a:r>
+              <a:rPr lang="en-US" smtClean="0"/>
+              <a:t>Fourth level</a:t>
+            </a:r>
+          </a:p>
+          <a:p>
+            <a:pPr lvl="4"/>
+            <a:r>
+              <a:rPr lang="en-US" smtClean="0"/>
+              <a:t>Fifth level</a:t>
+            </a:r>
+            <a:endParaRPr lang="en-US" dirty="0"/>
+          </a:p>
+        </p:txBody>
+      </p:sp>
+      <p:sp>
+        <p:nvSpPr>
+          <p:cNvPr id="7" name="Date Placeholder 6"/>
+          <p:cNvSpPr>
+            <a:spLocks noGrp="1"/>
+          </p:cNvSpPr>
+          <p:nvPr>
+            <p:ph type="dt" sz="half" idx="10"/>
+          </p:nvPr>
+        </p:nvSpPr>
+        <p:spPr/>
+        <p:txBody>
           <a:bodyPr/>
           <a:lstStyle/>
           <a:p>
-            <a:pPr lvl="0"/>
-            <a:r>
-              <a:rPr lang="en-US" smtClean="0"/>
-              <a:t>Click to edit Master text styles</a:t>
-            </a:r>
-          </a:p>
-          <a:p>
-            <a:pPr lvl="1"/>
-            <a:r>
-              <a:rPr lang="en-US" smtClean="0"/>
-              <a:t>Second level</a:t>
-            </a:r>
-          </a:p>
-          <a:p>
-            <a:pPr lvl="2"/>
-            <a:r>
-              <a:rPr lang="en-US" smtClean="0"/>
-              <a:t>Third level</a:t>
-            </a:r>
-          </a:p>
-          <a:p>
-            <a:pPr lvl="3"/>
-            <a:r>
-              <a:rPr lang="en-US" smtClean="0"/>
-              <a:t>Fourth level</a:t>
-            </a:r>
-          </a:p>
-          <a:p>
-            <a:pPr lvl="4"/>
-            <a:r>
-              <a:rPr lang="en-US" smtClean="0"/>
-              <a:t>Fifth level</a:t>
-            </a:r>
-            <a:endParaRPr lang="en-US"/>
-          </a:p>
-        </p:txBody>
-      </p:sp>
-      <p:sp>
-        <p:nvSpPr>
-          <p:cNvPr id="7" name="Date Placeholder 6"/>
-          <p:cNvSpPr>
-            <a:spLocks noGrp="1"/>
-          </p:cNvSpPr>
-          <p:nvPr>
-            <p:ph type="dt" sz="half" idx="10"/>
-          </p:nvPr>
-        </p:nvSpPr>
-        <p:spPr/>
-        <p:txBody>
-          <a:bodyPr/>
-          <a:lstStyle/>
-          <a:p>
             <a:fld id="{B497CC74-6C4D-4E27-8594-834FBF3C7E8D}" type="datetimeFigureOut">
               <a:rPr lang="en-US" smtClean="0"/>
-              <a:t>11/14/2018</a:t>
+              <a:t>11/15/2018</a:t>
             </a:fld>
             <a:endParaRPr lang="en-US"/>
           </a:p>
@@ -1659,7 +3993,7 @@
     </p:spTree>
     <p:extLst>
       <p:ext uri="{BB962C8B-B14F-4D97-AF65-F5344CB8AC3E}">
-        <p14:creationId xmlns:p14="http://schemas.microsoft.com/office/powerpoint/2010/main" val="1862703552"/>
+        <p14:creationId xmlns:p14="http://schemas.microsoft.com/office/powerpoint/2010/main" val="2852115537"/>
       </p:ext>
     </p:extLst>
   </p:cSld>
@@ -1705,7 +4039,7 @@
               <a:rPr lang="en-US" smtClean="0"/>
               <a:t>Click to edit Master title style</a:t>
             </a:r>
-            <a:endParaRPr lang="en-US"/>
+            <a:endParaRPr lang="en-US" dirty="0"/>
           </a:p>
         </p:txBody>
       </p:sp>
@@ -1726,7 +4060,7 @@
           <a:p>
             <a:fld id="{B497CC74-6C4D-4E27-8594-834FBF3C7E8D}" type="datetimeFigureOut">
               <a:rPr lang="en-US" smtClean="0"/>
-              <a:t>11/14/2018</a:t>
+              <a:t>11/15/2018</a:t>
             </a:fld>
             <a:endParaRPr lang="en-US"/>
           </a:p>
@@ -1777,7 +4111,7 @@
     </p:spTree>
     <p:extLst>
       <p:ext uri="{BB962C8B-B14F-4D97-AF65-F5344CB8AC3E}">
-        <p14:creationId xmlns:p14="http://schemas.microsoft.com/office/powerpoint/2010/main" val="347029094"/>
+        <p14:creationId xmlns:p14="http://schemas.microsoft.com/office/powerpoint/2010/main" val="1203498958"/>
       </p:ext>
     </p:extLst>
   </p:cSld>
@@ -1821,7 +4155,7 @@
           <a:p>
             <a:fld id="{B497CC74-6C4D-4E27-8594-834FBF3C7E8D}" type="datetimeFigureOut">
               <a:rPr lang="en-US" smtClean="0"/>
-              <a:t>11/14/2018</a:t>
+              <a:t>11/15/2018</a:t>
             </a:fld>
             <a:endParaRPr lang="en-US"/>
           </a:p>
@@ -1872,7 +4206,7 @@
     </p:spTree>
     <p:extLst>
       <p:ext uri="{BB962C8B-B14F-4D97-AF65-F5344CB8AC3E}">
-        <p14:creationId xmlns:p14="http://schemas.microsoft.com/office/powerpoint/2010/main" val="1638948107"/>
+        <p14:creationId xmlns:p14="http://schemas.microsoft.com/office/powerpoint/2010/main" val="1626152336"/>
       </p:ext>
     </p:extLst>
   </p:cSld>
@@ -1911,129 +4245,135 @@
         </p:nvSpPr>
         <p:spPr>
           <a:xfrm>
-            <a:off x="839788" y="457200"/>
-            <a:ext cx="3932237" cy="1600200"/>
+            <a:off x="1141411" y="1600200"/>
+            <a:ext cx="3549121" cy="1371600"/>
           </a:xfrm>
         </p:spPr>
         <p:txBody>
-          <a:bodyPr anchor="b"/>
+          <a:bodyPr anchor="b">
+            <a:normAutofit/>
+          </a:bodyPr>
+          <a:lstStyle>
+            <a:lvl1pPr algn="l">
+              <a:defRPr sz="2400" b="0"/>
+            </a:lvl1pPr>
+          </a:lstStyle>
+          <a:p>
+            <a:r>
+              <a:rPr lang="en-US" smtClean="0"/>
+              <a:t>Click to edit Master title style</a:t>
+            </a:r>
+            <a:endParaRPr lang="en-US" dirty="0"/>
+          </a:p>
+        </p:txBody>
+      </p:sp>
+      <p:sp>
+        <p:nvSpPr>
+          <p:cNvPr id="3" name="Content Placeholder 2"/>
+          <p:cNvSpPr>
+            <a:spLocks noGrp="1"/>
+          </p:cNvSpPr>
+          <p:nvPr>
+            <p:ph idx="1"/>
+          </p:nvPr>
+        </p:nvSpPr>
+        <p:spPr>
+          <a:xfrm>
+            <a:off x="5103812" y="609601"/>
+            <a:ext cx="5943601" cy="5181600"/>
+          </a:xfrm>
+        </p:spPr>
+        <p:txBody>
+          <a:bodyPr anchor="ctr">
+            <a:normAutofit/>
+          </a:bodyPr>
           <a:lstStyle>
             <a:lvl1pPr>
-              <a:defRPr sz="3200"/>
+              <a:defRPr sz="2000"/>
             </a:lvl1pPr>
+            <a:lvl2pPr>
+              <a:defRPr sz="1800"/>
+            </a:lvl2pPr>
+            <a:lvl3pPr>
+              <a:defRPr sz="1600"/>
+            </a:lvl3pPr>
+            <a:lvl4pPr>
+              <a:defRPr sz="1400"/>
+            </a:lvl4pPr>
+            <a:lvl5pPr>
+              <a:defRPr sz="1400"/>
+            </a:lvl5pPr>
+            <a:lvl6pPr>
+              <a:defRPr sz="1400"/>
+            </a:lvl6pPr>
+            <a:lvl7pPr>
+              <a:defRPr sz="1400"/>
+            </a:lvl7pPr>
+            <a:lvl8pPr>
+              <a:defRPr sz="1400"/>
+            </a:lvl8pPr>
+            <a:lvl9pPr>
+              <a:defRPr sz="1400"/>
+            </a:lvl9pPr>
           </a:lstStyle>
           <a:p>
-            <a:r>
-              <a:rPr lang="en-US" smtClean="0"/>
-              <a:t>Click to edit Master title style</a:t>
-            </a:r>
-            <a:endParaRPr lang="en-US"/>
-          </a:p>
-        </p:txBody>
-      </p:sp>
-      <p:sp>
-        <p:nvSpPr>
-          <p:cNvPr id="3" name="Content Placeholder 2"/>
-          <p:cNvSpPr>
-            <a:spLocks noGrp="1"/>
-          </p:cNvSpPr>
-          <p:nvPr>
-            <p:ph idx="1"/>
+            <a:pPr lvl="0"/>
+            <a:r>
+              <a:rPr lang="en-US" smtClean="0"/>
+              <a:t>Click to edit Master text styles</a:t>
+            </a:r>
+          </a:p>
+          <a:p>
+            <a:pPr lvl="1"/>
+            <a:r>
+              <a:rPr lang="en-US" smtClean="0"/>
+              <a:t>Second level</a:t>
+            </a:r>
+          </a:p>
+          <a:p>
+            <a:pPr lvl="2"/>
+            <a:r>
+              <a:rPr lang="en-US" smtClean="0"/>
+              <a:t>Third level</a:t>
+            </a:r>
+          </a:p>
+          <a:p>
+            <a:pPr lvl="3"/>
+            <a:r>
+              <a:rPr lang="en-US" smtClean="0"/>
+              <a:t>Fourth level</a:t>
+            </a:r>
+          </a:p>
+          <a:p>
+            <a:pPr lvl="4"/>
+            <a:r>
+              <a:rPr lang="en-US" smtClean="0"/>
+              <a:t>Fifth level</a:t>
+            </a:r>
+            <a:endParaRPr lang="en-US" dirty="0"/>
+          </a:p>
+        </p:txBody>
+      </p:sp>
+      <p:sp>
+        <p:nvSpPr>
+          <p:cNvPr id="4" name="Text Placeholder 3"/>
+          <p:cNvSpPr>
+            <a:spLocks noGrp="1"/>
+          </p:cNvSpPr>
+          <p:nvPr>
+            <p:ph type="body" sz="half" idx="2"/>
           </p:nvPr>
         </p:nvSpPr>
         <p:spPr>
           <a:xfrm>
-            <a:off x="5183188" y="987425"/>
-            <a:ext cx="6172200" cy="4873625"/>
+            <a:off x="1141411" y="2971800"/>
+            <a:ext cx="3549121" cy="1828800"/>
           </a:xfrm>
         </p:spPr>
         <p:txBody>
-          <a:bodyPr/>
-          <a:lstStyle>
-            <a:lvl1pPr>
-              <a:defRPr sz="3200"/>
-            </a:lvl1pPr>
-            <a:lvl2pPr>
-              <a:defRPr sz="2800"/>
-            </a:lvl2pPr>
-            <a:lvl3pPr>
-              <a:defRPr sz="2400"/>
-            </a:lvl3pPr>
-            <a:lvl4pPr>
-              <a:defRPr sz="2000"/>
-            </a:lvl4pPr>
-            <a:lvl5pPr>
-              <a:defRPr sz="2000"/>
-            </a:lvl5pPr>
-            <a:lvl6pPr>
-              <a:defRPr sz="2000"/>
-            </a:lvl6pPr>
-            <a:lvl7pPr>
-              <a:defRPr sz="2000"/>
-            </a:lvl7pPr>
-            <a:lvl8pPr>
-              <a:defRPr sz="2000"/>
-            </a:lvl8pPr>
-            <a:lvl9pPr>
-              <a:defRPr sz="2000"/>
-            </a:lvl9pPr>
-          </a:lstStyle>
-          <a:p>
-            <a:pPr lvl="0"/>
-            <a:r>
-              <a:rPr lang="en-US" smtClean="0"/>
-              <a:t>Click to edit Master text styles</a:t>
-            </a:r>
-          </a:p>
-          <a:p>
-            <a:pPr lvl="1"/>
-            <a:r>
-              <a:rPr lang="en-US" smtClean="0"/>
-              <a:t>Second level</a:t>
-            </a:r>
-          </a:p>
-          <a:p>
-            <a:pPr lvl="2"/>
-            <a:r>
-              <a:rPr lang="en-US" smtClean="0"/>
-              <a:t>Third level</a:t>
-            </a:r>
-          </a:p>
-          <a:p>
-            <a:pPr lvl="3"/>
-            <a:r>
-              <a:rPr lang="en-US" smtClean="0"/>
-              <a:t>Fourth level</a:t>
-            </a:r>
-          </a:p>
-          <a:p>
-            <a:pPr lvl="4"/>
-            <a:r>
-              <a:rPr lang="en-US" smtClean="0"/>
-              <a:t>Fifth level</a:t>
-            </a:r>
-            <a:endParaRPr lang="en-US"/>
-          </a:p>
-        </p:txBody>
-      </p:sp>
-      <p:sp>
-        <p:nvSpPr>
-          <p:cNvPr id="4" name="Text Placeholder 3"/>
-          <p:cNvSpPr>
-            <a:spLocks noGrp="1"/>
-          </p:cNvSpPr>
-          <p:nvPr>
-            <p:ph type="body" sz="half" idx="2"/>
-          </p:nvPr>
-        </p:nvSpPr>
-        <p:spPr>
-          <a:xfrm>
-            <a:off x="839788" y="2057400"/>
-            <a:ext cx="3932237" cy="3811588"/>
-          </a:xfrm>
-        </p:spPr>
-        <p:txBody>
-          <a:bodyPr/>
+          <a:bodyPr>
+            <a:normAutofit/>
+          </a:bodyPr>
           <a:lstStyle>
             <a:lvl1pPr marL="0" indent="0">
               <a:buNone/>
@@ -2041,35 +4381,35 @@
             </a:lvl1pPr>
             <a:lvl2pPr marL="457200" indent="0">
               <a:buNone/>
-              <a:defRPr sz="1400"/>
+              <a:defRPr sz="1200"/>
             </a:lvl2pPr>
             <a:lvl3pPr marL="914400" indent="0">
               <a:buNone/>
-              <a:defRPr sz="1200"/>
+              <a:defRPr sz="1000"/>
             </a:lvl3pPr>
             <a:lvl4pPr marL="1371600" indent="0">
               <a:buNone/>
-              <a:defRPr sz="1000"/>
+              <a:defRPr sz="900"/>
             </a:lvl4pPr>
             <a:lvl5pPr marL="1828800" indent="0">
               <a:buNone/>
-              <a:defRPr sz="1000"/>
+              <a:defRPr sz="900"/>
             </a:lvl5pPr>
             <a:lvl6pPr marL="2286000" indent="0">
               <a:buNone/>
-              <a:defRPr sz="1000"/>
+              <a:defRPr sz="900"/>
             </a:lvl6pPr>
             <a:lvl7pPr marL="2743200" indent="0">
               <a:buNone/>
-              <a:defRPr sz="1000"/>
+              <a:defRPr sz="900"/>
             </a:lvl7pPr>
             <a:lvl8pPr marL="3200400" indent="0">
               <a:buNone/>
-              <a:defRPr sz="1000"/>
+              <a:defRPr sz="900"/>
             </a:lvl8pPr>
             <a:lvl9pPr marL="3657600" indent="0">
               <a:buNone/>
-              <a:defRPr sz="1000"/>
+              <a:defRPr sz="900"/>
             </a:lvl9pPr>
           </a:lstStyle>
           <a:p>
@@ -2098,7 +4438,7 @@
           <a:p>
             <a:fld id="{B497CC74-6C4D-4E27-8594-834FBF3C7E8D}" type="datetimeFigureOut">
               <a:rPr lang="en-US" smtClean="0"/>
-              <a:t>11/14/2018</a:t>
+              <a:t>11/15/2018</a:t>
             </a:fld>
             <a:endParaRPr lang="en-US"/>
           </a:p>
@@ -2149,7 +4489,7 @@
     </p:spTree>
     <p:extLst>
       <p:ext uri="{BB962C8B-B14F-4D97-AF65-F5344CB8AC3E}">
-        <p14:creationId xmlns:p14="http://schemas.microsoft.com/office/powerpoint/2010/main" val="670425933"/>
+        <p14:creationId xmlns:p14="http://schemas.microsoft.com/office/powerpoint/2010/main" val="3533548742"/>
       </p:ext>
     </p:extLst>
   </p:cSld>
@@ -2188,15 +4528,17 @@
         </p:nvSpPr>
         <p:spPr>
           <a:xfrm>
-            <a:off x="839788" y="457200"/>
-            <a:ext cx="3932237" cy="1600200"/>
+            <a:off x="1141411" y="1600200"/>
+            <a:ext cx="5334001" cy="1371600"/>
           </a:xfrm>
         </p:spPr>
         <p:txBody>
-          <a:bodyPr anchor="b"/>
+          <a:bodyPr anchor="b">
+            <a:normAutofit/>
+          </a:bodyPr>
           <a:lstStyle>
-            <a:lvl1pPr>
-              <a:defRPr sz="3200"/>
+            <a:lvl1pPr algn="l">
+              <a:defRPr sz="2800" b="0"/>
             </a:lvl1pPr>
           </a:lstStyle>
           <a:p>
@@ -2204,15 +4546,15 @@
               <a:rPr lang="en-US" smtClean="0"/>
               <a:t>Click to edit Master title style</a:t>
             </a:r>
-            <a:endParaRPr lang="en-US"/>
-          </a:p>
-        </p:txBody>
-      </p:sp>
-      <p:sp>
-        <p:nvSpPr>
-          <p:cNvPr id="3" name="Picture Placeholder 2"/>
-          <p:cNvSpPr>
-            <a:spLocks noGrp="1"/>
+            <a:endParaRPr lang="en-US" dirty="0"/>
+          </a:p>
+        </p:txBody>
+      </p:sp>
+      <p:sp>
+        <p:nvSpPr>
+          <p:cNvPr id="14" name="Picture Placeholder 2"/>
+          <p:cNvSpPr>
+            <a:spLocks noGrp="1" noChangeAspect="1"/>
           </p:cNvSpPr>
           <p:nvPr>
             <p:ph type="pic" idx="1"/>
@@ -2220,112 +4562,143 @@
         </p:nvSpPr>
         <p:spPr>
           <a:xfrm>
-            <a:off x="5183188" y="987425"/>
-            <a:ext cx="6172200" cy="4873625"/>
+            <a:off x="7433733" y="-18288"/>
+            <a:ext cx="3276599" cy="6903720"/>
           </a:xfrm>
+          <a:ln w="38100">
+            <a:gradFill flip="none" rotWithShape="1">
+              <a:gsLst>
+                <a:gs pos="0">
+                  <a:schemeClr val="bg2"/>
+                </a:gs>
+                <a:gs pos="100000">
+                  <a:schemeClr val="bg2">
+                    <a:lumMod val="75000"/>
+                  </a:schemeClr>
+                </a:gs>
+              </a:gsLst>
+              <a:lin ang="5400000" scaled="0"/>
+              <a:tileRect/>
+            </a:gradFill>
+          </a:ln>
+          <a:effectLst>
+            <a:innerShdw blurRad="57150" dist="38100" dir="10800000">
+              <a:srgbClr val="000000">
+                <a:alpha val="70000"/>
+              </a:srgbClr>
+            </a:innerShdw>
+          </a:effectLst>
         </p:spPr>
         <p:txBody>
-          <a:bodyPr/>
+          <a:bodyPr anchor="t">
+            <a:normAutofit/>
+          </a:bodyPr>
           <a:lstStyle>
-            <a:lvl1pPr marL="0" indent="0">
-              <a:buNone/>
-              <a:defRPr sz="3200"/>
-            </a:lvl1pPr>
-            <a:lvl2pPr marL="457200" indent="0">
-              <a:buNone/>
-              <a:defRPr sz="2800"/>
-            </a:lvl2pPr>
-            <a:lvl3pPr marL="914400" indent="0">
-              <a:buNone/>
-              <a:defRPr sz="2400"/>
-            </a:lvl3pPr>
-            <a:lvl4pPr marL="1371600" indent="0">
-              <a:buNone/>
-              <a:defRPr sz="2000"/>
-            </a:lvl4pPr>
-            <a:lvl5pPr marL="1828800" indent="0">
-              <a:buNone/>
-              <a:defRPr sz="2000"/>
-            </a:lvl5pPr>
-            <a:lvl6pPr marL="2286000" indent="0">
-              <a:buNone/>
-              <a:defRPr sz="2000"/>
-            </a:lvl6pPr>
-            <a:lvl7pPr marL="2743200" indent="0">
-              <a:buNone/>
-              <a:defRPr sz="2000"/>
-            </a:lvl7pPr>
-            <a:lvl8pPr marL="3200400" indent="0">
-              <a:buNone/>
-              <a:defRPr sz="2000"/>
-            </a:lvl8pPr>
-            <a:lvl9pPr marL="3657600" indent="0">
-              <a:buNone/>
-              <a:defRPr sz="2000"/>
-            </a:lvl9pPr>
-          </a:lstStyle>
-          <a:p>
-            <a:endParaRPr lang="en-US"/>
-          </a:p>
-        </p:txBody>
-      </p:sp>
-      <p:sp>
-        <p:nvSpPr>
-          <p:cNvPr id="4" name="Text Placeholder 3"/>
-          <p:cNvSpPr>
-            <a:spLocks noGrp="1"/>
-          </p:cNvSpPr>
-          <p:nvPr>
-            <p:ph type="body" sz="half" idx="2"/>
-          </p:nvPr>
-        </p:nvSpPr>
-        <p:spPr>
-          <a:xfrm>
-            <a:off x="839788" y="2057400"/>
-            <a:ext cx="3932237" cy="3811588"/>
-          </a:xfrm>
-        </p:spPr>
-        <p:txBody>
-          <a:bodyPr/>
-          <a:lstStyle>
-            <a:lvl1pPr marL="0" indent="0">
+            <a:lvl1pPr marL="0" indent="0" algn="ctr">
               <a:buNone/>
               <a:defRPr sz="1600"/>
             </a:lvl1pPr>
             <a:lvl2pPr marL="457200" indent="0">
               <a:buNone/>
-              <a:defRPr sz="1400"/>
+              <a:defRPr sz="1600"/>
             </a:lvl2pPr>
             <a:lvl3pPr marL="914400" indent="0">
               <a:buNone/>
-              <a:defRPr sz="1200"/>
+              <a:defRPr sz="1600"/>
             </a:lvl3pPr>
             <a:lvl4pPr marL="1371600" indent="0">
               <a:buNone/>
-              <a:defRPr sz="1000"/>
+              <a:defRPr sz="1600"/>
             </a:lvl4pPr>
             <a:lvl5pPr marL="1828800" indent="0">
               <a:buNone/>
-              <a:defRPr sz="1000"/>
+              <a:defRPr sz="1600"/>
             </a:lvl5pPr>
             <a:lvl6pPr marL="2286000" indent="0">
               <a:buNone/>
-              <a:defRPr sz="1000"/>
+              <a:defRPr sz="1600"/>
             </a:lvl6pPr>
             <a:lvl7pPr marL="2743200" indent="0">
               <a:buNone/>
-              <a:defRPr sz="1000"/>
+              <a:defRPr sz="1600"/>
             </a:lvl7pPr>
             <a:lvl8pPr marL="3200400" indent="0">
               <a:buNone/>
-              <a:defRPr sz="1000"/>
+              <a:defRPr sz="1600"/>
             </a:lvl8pPr>
             <a:lvl9pPr marL="3657600" indent="0">
               <a:buNone/>
-              <a:defRPr sz="1000"/>
+              <a:defRPr sz="1600"/>
             </a:lvl9pPr>
           </a:lstStyle>
           <a:p>
+            <a:r>
+              <a:rPr lang="en-US" smtClean="0"/>
+              <a:t>Click icon to add picture</a:t>
+            </a:r>
+            <a:endParaRPr lang="en-US" dirty="0"/>
+          </a:p>
+        </p:txBody>
+      </p:sp>
+      <p:sp>
+        <p:nvSpPr>
+          <p:cNvPr id="4" name="Text Placeholder 3"/>
+          <p:cNvSpPr>
+            <a:spLocks noGrp="1"/>
+          </p:cNvSpPr>
+          <p:nvPr>
+            <p:ph type="body" sz="half" idx="2"/>
+          </p:nvPr>
+        </p:nvSpPr>
+        <p:spPr>
+          <a:xfrm>
+            <a:off x="1141411" y="2971800"/>
+            <a:ext cx="5334001" cy="1828800"/>
+          </a:xfrm>
+        </p:spPr>
+        <p:txBody>
+          <a:bodyPr>
+            <a:normAutofit/>
+          </a:bodyPr>
+          <a:lstStyle>
+            <a:lvl1pPr marL="0" indent="0">
+              <a:buNone/>
+              <a:defRPr sz="1800"/>
+            </a:lvl1pPr>
+            <a:lvl2pPr marL="457200" indent="0">
+              <a:buNone/>
+              <a:defRPr sz="1200"/>
+            </a:lvl2pPr>
+            <a:lvl3pPr marL="914400" indent="0">
+              <a:buNone/>
+              <a:defRPr sz="1000"/>
+            </a:lvl3pPr>
+            <a:lvl4pPr marL="1371600" indent="0">
+              <a:buNone/>
+              <a:defRPr sz="900"/>
+            </a:lvl4pPr>
+            <a:lvl5pPr marL="1828800" indent="0">
+              <a:buNone/>
+              <a:defRPr sz="900"/>
+            </a:lvl5pPr>
+            <a:lvl6pPr marL="2286000" indent="0">
+              <a:buNone/>
+              <a:defRPr sz="900"/>
+            </a:lvl6pPr>
+            <a:lvl7pPr marL="2743200" indent="0">
+              <a:buNone/>
+              <a:defRPr sz="900"/>
+            </a:lvl7pPr>
+            <a:lvl8pPr marL="3200400" indent="0">
+              <a:buNone/>
+              <a:defRPr sz="900"/>
+            </a:lvl8pPr>
+            <a:lvl9pPr marL="3657600" indent="0">
+              <a:buNone/>
+              <a:defRPr sz="900"/>
+            </a:lvl9pPr>
+          </a:lstStyle>
+          <a:p>
             <a:pPr lvl="0"/>
             <a:r>
               <a:rPr lang="en-US" smtClean="0"/>
@@ -2344,14 +4717,19 @@
             <p:ph type="dt" sz="half" idx="10"/>
           </p:nvPr>
         </p:nvSpPr>
-        <p:spPr/>
+        <p:spPr>
+          <a:xfrm>
+            <a:off x="6399212" y="5883275"/>
+            <a:ext cx="914400" cy="365125"/>
+          </a:xfrm>
+        </p:spPr>
         <p:txBody>
           <a:bodyPr/>
           <a:lstStyle/>
           <a:p>
             <a:fld id="{B497CC74-6C4D-4E27-8594-834FBF3C7E8D}" type="datetimeFigureOut">
               <a:rPr lang="en-US" smtClean="0"/>
-              <a:t>11/14/2018</a:t>
+              <a:t>11/15/2018</a:t>
             </a:fld>
             <a:endParaRPr lang="en-US"/>
           </a:p>
@@ -2367,7 +4745,12 @@
             <p:ph type="ftr" sz="quarter" idx="11"/>
           </p:nvPr>
         </p:nvSpPr>
-        <p:spPr/>
+        <p:spPr>
+          <a:xfrm>
+            <a:off x="1141412" y="5883275"/>
+            <a:ext cx="5105400" cy="365125"/>
+          </a:xfrm>
+        </p:spPr>
         <p:txBody>
           <a:bodyPr/>
           <a:lstStyle/>
@@ -2386,7 +4769,12 @@
             <p:ph type="sldNum" sz="quarter" idx="12"/>
           </p:nvPr>
         </p:nvSpPr>
-        <p:spPr/>
+        <p:spPr>
+          <a:xfrm>
+            <a:off x="10742612" y="5883275"/>
+            <a:ext cx="322567" cy="365125"/>
+          </a:xfrm>
+        </p:spPr>
         <p:txBody>
           <a:bodyPr/>
           <a:lstStyle/>
@@ -2402,7 +4790,7 @@
     </p:spTree>
     <p:extLst>
       <p:ext uri="{BB962C8B-B14F-4D97-AF65-F5344CB8AC3E}">
-        <p14:creationId xmlns:p14="http://schemas.microsoft.com/office/powerpoint/2010/main" val="1963608516"/>
+        <p14:creationId xmlns:p14="http://schemas.microsoft.com/office/powerpoint/2010/main" val="297581276"/>
       </p:ext>
     </p:extLst>
   </p:cSld>
@@ -2416,8 +4804,8 @@
 <p:sldMaster xmlns:a="http://schemas.openxmlformats.org/drawingml/2006/main" xmlns:r="http://schemas.openxmlformats.org/officeDocument/2006/relationships" xmlns:p="http://schemas.openxmlformats.org/presentationml/2006/main">
   <p:cSld>
     <p:bg>
-      <p:bgRef idx="1001">
-        <a:schemeClr val="bg1"/>
+      <p:bgRef idx="1003">
+        <a:schemeClr val="bg2"/>
       </p:bgRef>
     </p:bg>
     <p:spTree>
@@ -2446,8 +4834,8 @@
         </p:nvSpPr>
         <p:spPr>
           <a:xfrm>
-            <a:off x="838200" y="365125"/>
-            <a:ext cx="10515600" cy="1325563"/>
+            <a:off x="1141413" y="609600"/>
+            <a:ext cx="9905998" cy="1905000"/>
           </a:xfrm>
           <a:prstGeom prst="rect">
             <a:avLst/>
@@ -2463,7 +4851,7 @@
               <a:rPr lang="en-US" smtClean="0"/>
               <a:t>Click to edit Master title style</a:t>
             </a:r>
-            <a:endParaRPr lang="en-US"/>
+            <a:endParaRPr lang="en-US" dirty="0"/>
           </a:p>
         </p:txBody>
       </p:sp>
@@ -2479,15 +4867,15 @@
         </p:nvSpPr>
         <p:spPr>
           <a:xfrm>
-            <a:off x="838200" y="1825625"/>
-            <a:ext cx="10515600" cy="4351338"/>
+            <a:off x="1141413" y="2666999"/>
+            <a:ext cx="9905998" cy="3124201"/>
           </a:xfrm>
           <a:prstGeom prst="rect">
             <a:avLst/>
           </a:prstGeom>
         </p:spPr>
         <p:txBody>
-          <a:bodyPr vert="horz" lIns="91440" tIns="45720" rIns="91440" bIns="45720" rtlCol="0">
+          <a:bodyPr vert="horz" lIns="91440" tIns="45720" rIns="91440" bIns="45720" rtlCol="0" anchor="ctr">
             <a:normAutofit/>
           </a:bodyPr>
           <a:lstStyle/>
@@ -2525,7 +4913,7 @@
               <a:rPr lang="en-US" smtClean="0"/>
               <a:t>Fifth level</a:t>
             </a:r>
-            <a:endParaRPr lang="en-US"/>
+            <a:endParaRPr lang="en-US" dirty="0"/>
           </a:p>
         </p:txBody>
       </p:sp>
@@ -2541,8 +4929,8 @@
         </p:nvSpPr>
         <p:spPr>
           <a:xfrm>
-            <a:off x="838200" y="6356350"/>
-            <a:ext cx="2743200" cy="365125"/>
+            <a:off x="8837612" y="5883275"/>
+            <a:ext cx="1600200" cy="365125"/>
           </a:xfrm>
           <a:prstGeom prst="rect">
             <a:avLst/>
@@ -2551,20 +4939,28 @@
         <p:txBody>
           <a:bodyPr vert="horz" lIns="91440" tIns="45720" rIns="91440" bIns="45720" rtlCol="0" anchor="ctr"/>
           <a:lstStyle>
-            <a:lvl1pPr algn="l">
-              <a:defRPr sz="1200">
+            <a:lvl1pPr algn="r">
+              <a:defRPr sz="900" b="1" i="0">
                 <a:solidFill>
                   <a:schemeClr val="tx1">
-                    <a:tint val="75000"/>
+                    <a:lumMod val="75000"/>
                   </a:schemeClr>
                 </a:solidFill>
+                <a:effectLst>
+                  <a:outerShdw blurRad="50800" dist="38100" dir="2700000" algn="tl" rotWithShape="0">
+                    <a:srgbClr val="000000">
+                      <a:alpha val="43000"/>
+                    </a:srgbClr>
+                  </a:outerShdw>
+                </a:effectLst>
+                <a:latin typeface="+mn-lt"/>
               </a:defRPr>
             </a:lvl1pPr>
           </a:lstStyle>
           <a:p>
             <a:fld id="{B497CC74-6C4D-4E27-8594-834FBF3C7E8D}" type="datetimeFigureOut">
               <a:rPr lang="en-US" smtClean="0"/>
-              <a:t>11/14/2018</a:t>
+              <a:t>11/15/2018</a:t>
             </a:fld>
             <a:endParaRPr lang="en-US"/>
           </a:p>
@@ -2582,8 +4978,8 @@
         </p:nvSpPr>
         <p:spPr>
           <a:xfrm>
-            <a:off x="4038600" y="6356350"/>
-            <a:ext cx="4114800" cy="365125"/>
+            <a:off x="1141412" y="5883275"/>
+            <a:ext cx="7543800" cy="365125"/>
           </a:xfrm>
           <a:prstGeom prst="rect">
             <a:avLst/>
@@ -2592,13 +4988,21 @@
         <p:txBody>
           <a:bodyPr vert="horz" lIns="91440" tIns="45720" rIns="91440" bIns="45720" rtlCol="0" anchor="ctr"/>
           <a:lstStyle>
-            <a:lvl1pPr algn="ctr">
-              <a:defRPr sz="1200">
+            <a:lvl1pPr algn="l">
+              <a:defRPr sz="900" b="1" i="0">
                 <a:solidFill>
                   <a:schemeClr val="tx1">
-                    <a:tint val="75000"/>
+                    <a:lumMod val="75000"/>
                   </a:schemeClr>
                 </a:solidFill>
+                <a:effectLst>
+                  <a:outerShdw blurRad="50800" dist="38100" dir="2700000" algn="tl" rotWithShape="0">
+                    <a:srgbClr val="000000">
+                      <a:alpha val="43000"/>
+                    </a:srgbClr>
+                  </a:outerShdw>
+                </a:effectLst>
+                <a:latin typeface="+mn-lt"/>
               </a:defRPr>
             </a:lvl1pPr>
           </a:lstStyle>
@@ -2619,8 +5023,8 @@
         </p:nvSpPr>
         <p:spPr>
           <a:xfrm>
-            <a:off x="8610600" y="6356350"/>
-            <a:ext cx="2743200" cy="365125"/>
+            <a:off x="10514012" y="5883275"/>
+            <a:ext cx="551167" cy="365125"/>
           </a:xfrm>
           <a:prstGeom prst="rect">
             <a:avLst/>
@@ -2630,12 +5034,20 @@
           <a:bodyPr vert="horz" lIns="91440" tIns="45720" rIns="91440" bIns="45720" rtlCol="0" anchor="ctr"/>
           <a:lstStyle>
             <a:lvl1pPr algn="r">
-              <a:defRPr sz="1200">
+              <a:defRPr sz="900" b="1" i="0">
                 <a:solidFill>
                   <a:schemeClr val="tx1">
-                    <a:tint val="75000"/>
+                    <a:lumMod val="75000"/>
                   </a:schemeClr>
                 </a:solidFill>
+                <a:effectLst>
+                  <a:outerShdw blurRad="50800" dist="38100" dir="2700000" algn="tl" rotWithShape="0">
+                    <a:srgbClr val="000000">
+                      <a:alpha val="43000"/>
+                    </a:srgbClr>
+                  </a:outerShdw>
+                </a:effectLst>
+                <a:latin typeface="+mn-lt"/>
               </a:defRPr>
             </a:lvl1pPr>
           </a:lstStyle>
@@ -2651,202 +5063,550 @@
     </p:spTree>
     <p:extLst>
       <p:ext uri="{BB962C8B-B14F-4D97-AF65-F5344CB8AC3E}">
-        <p14:creationId xmlns:p14="http://schemas.microsoft.com/office/powerpoint/2010/main" val="1891098206"/>
+        <p14:creationId xmlns:p14="http://schemas.microsoft.com/office/powerpoint/2010/main" val="1647884671"/>
       </p:ext>
     </p:extLst>
   </p:cSld>
-  <p:clrMap bg1="lt1" tx1="dk1" bg2="lt2" tx2="dk2" accent1="accent1" accent2="accent2" accent3="accent3" accent4="accent4" accent5="accent5" accent6="accent6" hlink="hlink" folHlink="folHlink"/>
+  <p:clrMap bg1="dk1" tx1="lt1" bg2="dk2" tx2="lt2" accent1="accent1" accent2="accent2" accent3="accent3" accent4="accent4" accent5="accent5" accent6="accent6" hlink="hlink" folHlink="folHlink"/>
   <p:sldLayoutIdLst>
-    <p:sldLayoutId id="2147483649" r:id="rId1"/>
-    <p:sldLayoutId id="2147483650" r:id="rId2"/>
-    <p:sldLayoutId id="2147483651" r:id="rId3"/>
-    <p:sldLayoutId id="2147483652" r:id="rId4"/>
-    <p:sldLayoutId id="2147483653" r:id="rId5"/>
-    <p:sldLayoutId id="2147483654" r:id="rId6"/>
-    <p:sldLayoutId id="2147483655" r:id="rId7"/>
-    <p:sldLayoutId id="2147483656" r:id="rId8"/>
-    <p:sldLayoutId id="2147483657" r:id="rId9"/>
-    <p:sldLayoutId id="2147483658" r:id="rId10"/>
-    <p:sldLayoutId id="2147483659" r:id="rId11"/>
+    <p:sldLayoutId id="2147483733" r:id="rId1"/>
+    <p:sldLayoutId id="2147483734" r:id="rId2"/>
+    <p:sldLayoutId id="2147483735" r:id="rId3"/>
+    <p:sldLayoutId id="2147483736" r:id="rId4"/>
+    <p:sldLayoutId id="2147483737" r:id="rId5"/>
+    <p:sldLayoutId id="2147483738" r:id="rId6"/>
+    <p:sldLayoutId id="2147483739" r:id="rId7"/>
+    <p:sldLayoutId id="2147483740" r:id="rId8"/>
+    <p:sldLayoutId id="2147483741" r:id="rId9"/>
+    <p:sldLayoutId id="2147483742" r:id="rId10"/>
+    <p:sldLayoutId id="2147483743" r:id="rId11"/>
+    <p:sldLayoutId id="2147483744" r:id="rId12"/>
+    <p:sldLayoutId id="2147483745" r:id="rId13"/>
+    <p:sldLayoutId id="2147483746" r:id="rId14"/>
+    <p:sldLayoutId id="2147483747" r:id="rId15"/>
+    <p:sldLayoutId id="2147483748" r:id="rId16"/>
+    <p:sldLayoutId id="2147483749" r:id="rId17"/>
   </p:sldLayoutIdLst>
   <p:txStyles>
     <p:titleStyle>
-      <a:lvl1pPr algn="l" defTabSz="914400" rtl="0" eaLnBrk="1" latinLnBrk="0" hangingPunct="1">
-        <a:lnSpc>
-          <a:spcPct val="90000"/>
-        </a:lnSpc>
+      <a:lvl1pPr algn="l" defTabSz="457200" rtl="0" eaLnBrk="1" latinLnBrk="0" hangingPunct="1">
         <a:spcBef>
           <a:spcPct val="0"/>
         </a:spcBef>
         <a:buNone/>
-        <a:defRPr sz="4400" kern="1200">
-          <a:solidFill>
-            <a:schemeClr val="tx1"/>
-          </a:solidFill>
+        <a:defRPr sz="3200" kern="1200" cap="all">
+          <a:ln w="3175" cmpd="sng">
+            <a:noFill/>
+          </a:ln>
+          <a:gradFill flip="none" rotWithShape="1">
+            <a:gsLst>
+              <a:gs pos="0">
+                <a:schemeClr val="tx1"/>
+              </a:gs>
+              <a:gs pos="100000">
+                <a:schemeClr val="tx1">
+                  <a:lumMod val="65000"/>
+                </a:schemeClr>
+              </a:gs>
+            </a:gsLst>
+            <a:lin ang="5580000" scaled="0"/>
+            <a:tileRect/>
+          </a:gradFill>
+          <a:effectLst>
+            <a:glow rad="38100">
+              <a:schemeClr val="bg1">
+                <a:lumMod val="65000"/>
+                <a:lumOff val="35000"/>
+                <a:alpha val="40000"/>
+              </a:schemeClr>
+            </a:glow>
+            <a:outerShdw blurRad="28575" dist="38100" dir="14040000" algn="tl" rotWithShape="0">
+              <a:srgbClr val="000000">
+                <a:alpha val="25000"/>
+              </a:srgbClr>
+            </a:outerShdw>
+          </a:effectLst>
           <a:latin typeface="+mj-lt"/>
           <a:ea typeface="+mj-ea"/>
           <a:cs typeface="+mj-cs"/>
         </a:defRPr>
       </a:lvl1pPr>
+      <a:lvl2pPr eaLnBrk="1" hangingPunct="1">
+        <a:defRPr>
+          <a:solidFill>
+            <a:schemeClr val="tx2"/>
+          </a:solidFill>
+        </a:defRPr>
+      </a:lvl2pPr>
+      <a:lvl3pPr eaLnBrk="1" hangingPunct="1">
+        <a:defRPr>
+          <a:solidFill>
+            <a:schemeClr val="tx2"/>
+          </a:solidFill>
+        </a:defRPr>
+      </a:lvl3pPr>
+      <a:lvl4pPr eaLnBrk="1" hangingPunct="1">
+        <a:defRPr>
+          <a:solidFill>
+            <a:schemeClr val="tx2"/>
+          </a:solidFill>
+        </a:defRPr>
+      </a:lvl4pPr>
+      <a:lvl5pPr eaLnBrk="1" hangingPunct="1">
+        <a:defRPr>
+          <a:solidFill>
+            <a:schemeClr val="tx2"/>
+          </a:solidFill>
+        </a:defRPr>
+      </a:lvl5pPr>
+      <a:lvl6pPr eaLnBrk="1" hangingPunct="1">
+        <a:defRPr>
+          <a:solidFill>
+            <a:schemeClr val="tx2"/>
+          </a:solidFill>
+        </a:defRPr>
+      </a:lvl6pPr>
+      <a:lvl7pPr eaLnBrk="1" hangingPunct="1">
+        <a:defRPr>
+          <a:solidFill>
+            <a:schemeClr val="tx2"/>
+          </a:solidFill>
+        </a:defRPr>
+      </a:lvl7pPr>
+      <a:lvl8pPr eaLnBrk="1" hangingPunct="1">
+        <a:defRPr>
+          <a:solidFill>
+            <a:schemeClr val="tx2"/>
+          </a:solidFill>
+        </a:defRPr>
+      </a:lvl8pPr>
+      <a:lvl9pPr eaLnBrk="1" hangingPunct="1">
+        <a:defRPr>
+          <a:solidFill>
+            <a:schemeClr val="tx2"/>
+          </a:solidFill>
+        </a:defRPr>
+      </a:lvl9pPr>
     </p:titleStyle>
     <p:bodyStyle>
-      <a:lvl1pPr marL="228600" indent="-228600" algn="l" defTabSz="914400" rtl="0" eaLnBrk="1" latinLnBrk="0" hangingPunct="1">
-        <a:lnSpc>
-          <a:spcPct val="90000"/>
-        </a:lnSpc>
+      <a:lvl1pPr marL="285750" indent="-285750" algn="l" defTabSz="457200" rtl="0" eaLnBrk="1" latinLnBrk="0" hangingPunct="1">
         <a:spcBef>
-          <a:spcPts val="1000"/>
+          <a:spcPct val="20000"/>
         </a:spcBef>
-        <a:buFont typeface="Arial" panose="020B0604020202020204" pitchFamily="34" charset="0"/>
+        <a:spcAft>
+          <a:spcPts val="600"/>
+        </a:spcAft>
+        <a:buClr>
+          <a:schemeClr val="tx1"/>
+        </a:buClr>
+        <a:buSzPct val="100000"/>
+        <a:buFont typeface="Arial"/>
         <a:buChar char="•"/>
-        <a:defRPr sz="2800" kern="1200">
-          <a:solidFill>
-            <a:schemeClr val="tx1"/>
-          </a:solidFill>
+        <a:defRPr sz="2000" kern="1200" cap="small">
+          <a:gradFill flip="none" rotWithShape="1">
+            <a:gsLst>
+              <a:gs pos="0">
+                <a:schemeClr val="tx1"/>
+              </a:gs>
+              <a:gs pos="100000">
+                <a:schemeClr val="tx1">
+                  <a:lumMod val="75000"/>
+                </a:schemeClr>
+              </a:gs>
+            </a:gsLst>
+            <a:lin ang="5580000" scaled="0"/>
+            <a:tileRect/>
+          </a:gradFill>
+          <a:effectLst>
+            <a:glow rad="38100">
+              <a:schemeClr val="bg1">
+                <a:lumMod val="50000"/>
+                <a:lumOff val="50000"/>
+                <a:alpha val="20000"/>
+              </a:schemeClr>
+            </a:glow>
+            <a:outerShdw blurRad="44450" dist="12700" dir="13860000" algn="tl" rotWithShape="0">
+              <a:srgbClr val="000000">
+                <a:alpha val="20000"/>
+              </a:srgbClr>
+            </a:outerShdw>
+          </a:effectLst>
           <a:latin typeface="+mn-lt"/>
           <a:ea typeface="+mn-ea"/>
           <a:cs typeface="+mn-cs"/>
         </a:defRPr>
       </a:lvl1pPr>
-      <a:lvl2pPr marL="685800" indent="-228600" algn="l" defTabSz="914400" rtl="0" eaLnBrk="1" latinLnBrk="0" hangingPunct="1">
-        <a:lnSpc>
-          <a:spcPct val="90000"/>
-        </a:lnSpc>
+      <a:lvl2pPr marL="742950" indent="-285750" algn="l" defTabSz="457200" rtl="0" eaLnBrk="1" latinLnBrk="0" hangingPunct="1">
         <a:spcBef>
-          <a:spcPts val="500"/>
+          <a:spcPct val="20000"/>
         </a:spcBef>
-        <a:buFont typeface="Arial" panose="020B0604020202020204" pitchFamily="34" charset="0"/>
+        <a:spcAft>
+          <a:spcPts val="600"/>
+        </a:spcAft>
+        <a:buClr>
+          <a:schemeClr val="tx1"/>
+        </a:buClr>
+        <a:buSzPct val="100000"/>
+        <a:buFont typeface="Arial"/>
         <a:buChar char="•"/>
-        <a:defRPr sz="2400" kern="1200">
-          <a:solidFill>
-            <a:schemeClr val="tx1"/>
-          </a:solidFill>
+        <a:defRPr sz="1800" kern="1200" cap="small">
+          <a:gradFill flip="none" rotWithShape="1">
+            <a:gsLst>
+              <a:gs pos="0">
+                <a:schemeClr val="tx1"/>
+              </a:gs>
+              <a:gs pos="100000">
+                <a:schemeClr val="tx1">
+                  <a:lumMod val="75000"/>
+                </a:schemeClr>
+              </a:gs>
+            </a:gsLst>
+            <a:lin ang="5580000" scaled="0"/>
+            <a:tileRect/>
+          </a:gradFill>
+          <a:effectLst>
+            <a:glow rad="38100">
+              <a:schemeClr val="bg1">
+                <a:lumMod val="50000"/>
+                <a:lumOff val="50000"/>
+                <a:alpha val="20000"/>
+              </a:schemeClr>
+            </a:glow>
+            <a:outerShdw blurRad="44450" dist="12700" dir="13860000" algn="tl" rotWithShape="0">
+              <a:srgbClr val="000000">
+                <a:alpha val="20000"/>
+              </a:srgbClr>
+            </a:outerShdw>
+          </a:effectLst>
           <a:latin typeface="+mn-lt"/>
           <a:ea typeface="+mn-ea"/>
           <a:cs typeface="+mn-cs"/>
         </a:defRPr>
       </a:lvl2pPr>
-      <a:lvl3pPr marL="1143000" indent="-228600" algn="l" defTabSz="914400" rtl="0" eaLnBrk="1" latinLnBrk="0" hangingPunct="1">
-        <a:lnSpc>
-          <a:spcPct val="90000"/>
-        </a:lnSpc>
+      <a:lvl3pPr marL="1200150" indent="-285750" algn="l" defTabSz="457200" rtl="0" eaLnBrk="1" latinLnBrk="0" hangingPunct="1">
         <a:spcBef>
-          <a:spcPts val="500"/>
+          <a:spcPct val="20000"/>
         </a:spcBef>
-        <a:buFont typeface="Arial" panose="020B0604020202020204" pitchFamily="34" charset="0"/>
+        <a:spcAft>
+          <a:spcPts val="600"/>
+        </a:spcAft>
+        <a:buClr>
+          <a:schemeClr val="tx1"/>
+        </a:buClr>
+        <a:buSzPct val="100000"/>
+        <a:buFont typeface="Arial"/>
         <a:buChar char="•"/>
-        <a:defRPr sz="2000" kern="1200">
-          <a:solidFill>
-            <a:schemeClr val="tx1"/>
-          </a:solidFill>
+        <a:defRPr sz="1600" kern="1200" cap="small">
+          <a:gradFill flip="none" rotWithShape="1">
+            <a:gsLst>
+              <a:gs pos="0">
+                <a:schemeClr val="tx1"/>
+              </a:gs>
+              <a:gs pos="100000">
+                <a:schemeClr val="tx1">
+                  <a:lumMod val="75000"/>
+                </a:schemeClr>
+              </a:gs>
+            </a:gsLst>
+            <a:lin ang="5580000" scaled="0"/>
+            <a:tileRect/>
+          </a:gradFill>
+          <a:effectLst>
+            <a:glow rad="38100">
+              <a:schemeClr val="bg1">
+                <a:lumMod val="50000"/>
+                <a:lumOff val="50000"/>
+                <a:alpha val="20000"/>
+              </a:schemeClr>
+            </a:glow>
+            <a:outerShdw blurRad="44450" dist="12700" dir="13860000" algn="tl" rotWithShape="0">
+              <a:srgbClr val="000000">
+                <a:alpha val="20000"/>
+              </a:srgbClr>
+            </a:outerShdw>
+          </a:effectLst>
           <a:latin typeface="+mn-lt"/>
           <a:ea typeface="+mn-ea"/>
           <a:cs typeface="+mn-cs"/>
         </a:defRPr>
       </a:lvl3pPr>
-      <a:lvl4pPr marL="1600200" indent="-228600" algn="l" defTabSz="914400" rtl="0" eaLnBrk="1" latinLnBrk="0" hangingPunct="1">
-        <a:lnSpc>
-          <a:spcPct val="90000"/>
-        </a:lnSpc>
+      <a:lvl4pPr marL="1543050" indent="-171450" algn="l" defTabSz="457200" rtl="0" eaLnBrk="1" latinLnBrk="0" hangingPunct="1">
         <a:spcBef>
-          <a:spcPts val="500"/>
+          <a:spcPct val="20000"/>
         </a:spcBef>
-        <a:buFont typeface="Arial" panose="020B0604020202020204" pitchFamily="34" charset="0"/>
+        <a:spcAft>
+          <a:spcPts val="600"/>
+        </a:spcAft>
+        <a:buClr>
+          <a:schemeClr val="tx1"/>
+        </a:buClr>
+        <a:buSzPct val="100000"/>
+        <a:buFont typeface="Arial"/>
         <a:buChar char="•"/>
-        <a:defRPr sz="1800" kern="1200">
-          <a:solidFill>
-            <a:schemeClr val="tx1"/>
-          </a:solidFill>
+        <a:defRPr sz="1400" kern="1200" cap="small">
+          <a:gradFill flip="none" rotWithShape="1">
+            <a:gsLst>
+              <a:gs pos="0">
+                <a:schemeClr val="tx1"/>
+              </a:gs>
+              <a:gs pos="100000">
+                <a:schemeClr val="tx1">
+                  <a:lumMod val="75000"/>
+                </a:schemeClr>
+              </a:gs>
+            </a:gsLst>
+            <a:lin ang="5580000" scaled="0"/>
+            <a:tileRect/>
+          </a:gradFill>
+          <a:effectLst>
+            <a:glow rad="38100">
+              <a:schemeClr val="bg1">
+                <a:lumMod val="50000"/>
+                <a:lumOff val="50000"/>
+                <a:alpha val="20000"/>
+              </a:schemeClr>
+            </a:glow>
+            <a:outerShdw blurRad="44450" dist="12700" dir="13860000" algn="tl" rotWithShape="0">
+              <a:srgbClr val="000000">
+                <a:alpha val="20000"/>
+              </a:srgbClr>
+            </a:outerShdw>
+          </a:effectLst>
           <a:latin typeface="+mn-lt"/>
           <a:ea typeface="+mn-ea"/>
           <a:cs typeface="+mn-cs"/>
         </a:defRPr>
       </a:lvl4pPr>
-      <a:lvl5pPr marL="2057400" indent="-228600" algn="l" defTabSz="914400" rtl="0" eaLnBrk="1" latinLnBrk="0" hangingPunct="1">
-        <a:lnSpc>
-          <a:spcPct val="90000"/>
-        </a:lnSpc>
+      <a:lvl5pPr marL="2000250" indent="-171450" algn="l" defTabSz="457200" rtl="0" eaLnBrk="1" latinLnBrk="0" hangingPunct="1">
         <a:spcBef>
-          <a:spcPts val="500"/>
+          <a:spcPct val="20000"/>
         </a:spcBef>
-        <a:buFont typeface="Arial" panose="020B0604020202020204" pitchFamily="34" charset="0"/>
+        <a:spcAft>
+          <a:spcPts val="600"/>
+        </a:spcAft>
+        <a:buClr>
+          <a:schemeClr val="tx1"/>
+        </a:buClr>
+        <a:buSzPct val="100000"/>
+        <a:buFont typeface="Arial"/>
         <a:buChar char="•"/>
-        <a:defRPr sz="1800" kern="1200">
-          <a:solidFill>
-            <a:schemeClr val="tx1"/>
-          </a:solidFill>
+        <a:defRPr sz="1400" kern="1200" cap="small">
+          <a:gradFill flip="none" rotWithShape="1">
+            <a:gsLst>
+              <a:gs pos="0">
+                <a:schemeClr val="tx1"/>
+              </a:gs>
+              <a:gs pos="100000">
+                <a:schemeClr val="tx1">
+                  <a:lumMod val="75000"/>
+                </a:schemeClr>
+              </a:gs>
+            </a:gsLst>
+            <a:lin ang="5580000" scaled="0"/>
+            <a:tileRect/>
+          </a:gradFill>
+          <a:effectLst>
+            <a:glow rad="38100">
+              <a:schemeClr val="bg1">
+                <a:lumMod val="50000"/>
+                <a:lumOff val="50000"/>
+                <a:alpha val="20000"/>
+              </a:schemeClr>
+            </a:glow>
+            <a:outerShdw blurRad="44450" dist="12700" dir="13860000" algn="tl" rotWithShape="0">
+              <a:srgbClr val="000000">
+                <a:alpha val="20000"/>
+              </a:srgbClr>
+            </a:outerShdw>
+          </a:effectLst>
           <a:latin typeface="+mn-lt"/>
           <a:ea typeface="+mn-ea"/>
           <a:cs typeface="+mn-cs"/>
         </a:defRPr>
       </a:lvl5pPr>
-      <a:lvl6pPr marL="2514600" indent="-228600" algn="l" defTabSz="914400" rtl="0" eaLnBrk="1" latinLnBrk="0" hangingPunct="1">
-        <a:lnSpc>
-          <a:spcPct val="90000"/>
-        </a:lnSpc>
+      <a:lvl6pPr marL="2514600" indent="-228600" algn="l" defTabSz="457200" rtl="0" eaLnBrk="1" latinLnBrk="0" hangingPunct="1">
         <a:spcBef>
-          <a:spcPts val="500"/>
+          <a:spcPct val="20000"/>
         </a:spcBef>
-        <a:buFont typeface="Arial" panose="020B0604020202020204" pitchFamily="34" charset="0"/>
+        <a:spcAft>
+          <a:spcPts val="600"/>
+        </a:spcAft>
+        <a:buClr>
+          <a:schemeClr val="tx1"/>
+        </a:buClr>
+        <a:buSzPct val="100000"/>
+        <a:buFont typeface="Arial"/>
         <a:buChar char="•"/>
-        <a:defRPr sz="1800" kern="1200">
-          <a:solidFill>
-            <a:schemeClr val="tx1"/>
-          </a:solidFill>
+        <a:defRPr sz="1200" kern="1200" cap="small">
+          <a:gradFill flip="none" rotWithShape="1">
+            <a:gsLst>
+              <a:gs pos="0">
+                <a:schemeClr val="tx1"/>
+              </a:gs>
+              <a:gs pos="100000">
+                <a:schemeClr val="tx1">
+                  <a:lumMod val="75000"/>
+                </a:schemeClr>
+              </a:gs>
+            </a:gsLst>
+            <a:lin ang="5580000" scaled="0"/>
+            <a:tileRect/>
+          </a:gradFill>
+          <a:effectLst>
+            <a:glow rad="38100">
+              <a:schemeClr val="bg1">
+                <a:lumMod val="50000"/>
+                <a:lumOff val="50000"/>
+                <a:alpha val="20000"/>
+              </a:schemeClr>
+            </a:glow>
+            <a:outerShdw blurRad="44450" dist="12700" dir="13860000" algn="tl" rotWithShape="0">
+              <a:srgbClr val="000000">
+                <a:alpha val="20000"/>
+              </a:srgbClr>
+            </a:outerShdw>
+          </a:effectLst>
           <a:latin typeface="+mn-lt"/>
           <a:ea typeface="+mn-ea"/>
           <a:cs typeface="+mn-cs"/>
         </a:defRPr>
       </a:lvl6pPr>
-      <a:lvl7pPr marL="2971800" indent="-228600" algn="l" defTabSz="914400" rtl="0" eaLnBrk="1" latinLnBrk="0" hangingPunct="1">
-        <a:lnSpc>
-          <a:spcPct val="90000"/>
-        </a:lnSpc>
+      <a:lvl7pPr marL="2971800" indent="-228600" algn="l" defTabSz="457200" rtl="0" eaLnBrk="1" latinLnBrk="0" hangingPunct="1">
         <a:spcBef>
-          <a:spcPts val="500"/>
+          <a:spcPct val="20000"/>
         </a:spcBef>
-        <a:buFont typeface="Arial" panose="020B0604020202020204" pitchFamily="34" charset="0"/>
+        <a:spcAft>
+          <a:spcPts val="600"/>
+        </a:spcAft>
+        <a:buClr>
+          <a:schemeClr val="tx1"/>
+        </a:buClr>
+        <a:buSzPct val="100000"/>
+        <a:buFont typeface="Arial"/>
         <a:buChar char="•"/>
-        <a:defRPr sz="1800" kern="1200">
-          <a:solidFill>
-            <a:schemeClr val="tx1"/>
-          </a:solidFill>
+        <a:defRPr sz="1200" kern="1200" cap="small">
+          <a:gradFill flip="none" rotWithShape="1">
+            <a:gsLst>
+              <a:gs pos="0">
+                <a:schemeClr val="tx1"/>
+              </a:gs>
+              <a:gs pos="100000">
+                <a:schemeClr val="tx1">
+                  <a:lumMod val="75000"/>
+                </a:schemeClr>
+              </a:gs>
+            </a:gsLst>
+            <a:lin ang="5580000" scaled="0"/>
+            <a:tileRect/>
+          </a:gradFill>
+          <a:effectLst>
+            <a:glow rad="38100">
+              <a:schemeClr val="bg1">
+                <a:lumMod val="50000"/>
+                <a:lumOff val="50000"/>
+                <a:alpha val="20000"/>
+              </a:schemeClr>
+            </a:glow>
+            <a:outerShdw blurRad="44450" dist="12700" dir="13860000" algn="tl" rotWithShape="0">
+              <a:srgbClr val="000000">
+                <a:alpha val="20000"/>
+              </a:srgbClr>
+            </a:outerShdw>
+          </a:effectLst>
           <a:latin typeface="+mn-lt"/>
           <a:ea typeface="+mn-ea"/>
           <a:cs typeface="+mn-cs"/>
         </a:defRPr>
       </a:lvl7pPr>
-      <a:lvl8pPr marL="3429000" indent="-228600" algn="l" defTabSz="914400" rtl="0" eaLnBrk="1" latinLnBrk="0" hangingPunct="1">
-        <a:lnSpc>
-          <a:spcPct val="90000"/>
-        </a:lnSpc>
+      <a:lvl8pPr marL="3429000" indent="-228600" algn="l" defTabSz="457200" rtl="0" eaLnBrk="1" latinLnBrk="0" hangingPunct="1">
         <a:spcBef>
-          <a:spcPts val="500"/>
+          <a:spcPct val="20000"/>
         </a:spcBef>
-        <a:buFont typeface="Arial" panose="020B0604020202020204" pitchFamily="34" charset="0"/>
+        <a:spcAft>
+          <a:spcPts val="600"/>
+        </a:spcAft>
+        <a:buClr>
+          <a:schemeClr val="tx1"/>
+        </a:buClr>
+        <a:buSzPct val="100000"/>
+        <a:buFont typeface="Arial"/>
         <a:buChar char="•"/>
-        <a:defRPr sz="1800" kern="1200">
-          <a:solidFill>
-            <a:schemeClr val="tx1"/>
-          </a:solidFill>
+        <a:defRPr sz="1200" kern="1200" cap="small">
+          <a:gradFill flip="none" rotWithShape="1">
+            <a:gsLst>
+              <a:gs pos="0">
+                <a:schemeClr val="tx1"/>
+              </a:gs>
+              <a:gs pos="100000">
+                <a:schemeClr val="tx1">
+                  <a:lumMod val="75000"/>
+                </a:schemeClr>
+              </a:gs>
+            </a:gsLst>
+            <a:lin ang="5580000" scaled="0"/>
+            <a:tileRect/>
+          </a:gradFill>
+          <a:effectLst>
+            <a:glow rad="38100">
+              <a:schemeClr val="bg1">
+                <a:lumMod val="50000"/>
+                <a:lumOff val="50000"/>
+                <a:alpha val="20000"/>
+              </a:schemeClr>
+            </a:glow>
+            <a:outerShdw blurRad="44450" dist="12700" dir="13860000" algn="tl" rotWithShape="0">
+              <a:srgbClr val="000000">
+                <a:alpha val="20000"/>
+              </a:srgbClr>
+            </a:outerShdw>
+          </a:effectLst>
           <a:latin typeface="+mn-lt"/>
           <a:ea typeface="+mn-ea"/>
           <a:cs typeface="+mn-cs"/>
         </a:defRPr>
       </a:lvl8pPr>
-      <a:lvl9pPr marL="3886200" indent="-228600" algn="l" defTabSz="914400" rtl="0" eaLnBrk="1" latinLnBrk="0" hangingPunct="1">
-        <a:lnSpc>
-          <a:spcPct val="90000"/>
-        </a:lnSpc>
+      <a:lvl9pPr marL="3886200" indent="-228600" algn="l" defTabSz="457200" rtl="0" eaLnBrk="1" latinLnBrk="0" hangingPunct="1">
         <a:spcBef>
-          <a:spcPts val="500"/>
+          <a:spcPct val="20000"/>
         </a:spcBef>
-        <a:buFont typeface="Arial" panose="020B0604020202020204" pitchFamily="34" charset="0"/>
+        <a:spcAft>
+          <a:spcPts val="600"/>
+        </a:spcAft>
+        <a:buClr>
+          <a:schemeClr val="tx1"/>
+        </a:buClr>
+        <a:buSzPct val="100000"/>
+        <a:buFont typeface="Arial"/>
         <a:buChar char="•"/>
-        <a:defRPr sz="1800" kern="1200">
-          <a:solidFill>
-            <a:schemeClr val="tx1"/>
-          </a:solidFill>
+        <a:defRPr sz="1200" kern="1200" cap="small">
+          <a:gradFill flip="none" rotWithShape="1">
+            <a:gsLst>
+              <a:gs pos="0">
+                <a:schemeClr val="tx1"/>
+              </a:gs>
+              <a:gs pos="100000">
+                <a:schemeClr val="tx1">
+                  <a:lumMod val="75000"/>
+                </a:schemeClr>
+              </a:gs>
+            </a:gsLst>
+            <a:lin ang="5580000" scaled="0"/>
+            <a:tileRect/>
+          </a:gradFill>
+          <a:effectLst>
+            <a:glow rad="38100">
+              <a:schemeClr val="bg1">
+                <a:lumMod val="50000"/>
+                <a:lumOff val="50000"/>
+                <a:alpha val="20000"/>
+              </a:schemeClr>
+            </a:glow>
+            <a:outerShdw blurRad="44450" dist="12700" dir="13860000" algn="tl" rotWithShape="0">
+              <a:srgbClr val="000000">
+                <a:alpha val="20000"/>
+              </a:srgbClr>
+            </a:outerShdw>
+          </a:effectLst>
           <a:latin typeface="+mn-lt"/>
           <a:ea typeface="+mn-ea"/>
           <a:cs typeface="+mn-cs"/>
@@ -2857,7 +5617,7 @@
       <a:defPPr>
         <a:defRPr lang="en-US"/>
       </a:defPPr>
-      <a:lvl1pPr marL="0" algn="l" defTabSz="914400" rtl="0" eaLnBrk="1" latinLnBrk="0" hangingPunct="1">
+      <a:lvl1pPr marL="0" algn="l" defTabSz="457200" rtl="0" eaLnBrk="1" latinLnBrk="0" hangingPunct="1">
         <a:defRPr sz="1800" kern="1200">
           <a:solidFill>
             <a:schemeClr val="tx1"/>
@@ -2867,7 +5627,7 @@
           <a:cs typeface="+mn-cs"/>
         </a:defRPr>
       </a:lvl1pPr>
-      <a:lvl2pPr marL="457200" algn="l" defTabSz="914400" rtl="0" eaLnBrk="1" latinLnBrk="0" hangingPunct="1">
+      <a:lvl2pPr marL="457200" algn="l" defTabSz="457200" rtl="0" eaLnBrk="1" latinLnBrk="0" hangingPunct="1">
         <a:defRPr sz="1800" kern="1200">
           <a:solidFill>
             <a:schemeClr val="tx1"/>
@@ -2877,7 +5637,7 @@
           <a:cs typeface="+mn-cs"/>
         </a:defRPr>
       </a:lvl2pPr>
-      <a:lvl3pPr marL="914400" algn="l" defTabSz="914400" rtl="0" eaLnBrk="1" latinLnBrk="0" hangingPunct="1">
+      <a:lvl3pPr marL="914400" algn="l" defTabSz="457200" rtl="0" eaLnBrk="1" latinLnBrk="0" hangingPunct="1">
         <a:defRPr sz="1800" kern="1200">
           <a:solidFill>
             <a:schemeClr val="tx1"/>
@@ -2887,7 +5647,7 @@
           <a:cs typeface="+mn-cs"/>
         </a:defRPr>
       </a:lvl3pPr>
-      <a:lvl4pPr marL="1371600" algn="l" defTabSz="914400" rtl="0" eaLnBrk="1" latinLnBrk="0" hangingPunct="1">
+      <a:lvl4pPr marL="1371600" algn="l" defTabSz="457200" rtl="0" eaLnBrk="1" latinLnBrk="0" hangingPunct="1">
         <a:defRPr sz="1800" kern="1200">
           <a:solidFill>
             <a:schemeClr val="tx1"/>
@@ -2897,7 +5657,7 @@
           <a:cs typeface="+mn-cs"/>
         </a:defRPr>
       </a:lvl4pPr>
-      <a:lvl5pPr marL="1828800" algn="l" defTabSz="914400" rtl="0" eaLnBrk="1" latinLnBrk="0" hangingPunct="1">
+      <a:lvl5pPr marL="1828800" algn="l" defTabSz="457200" rtl="0" eaLnBrk="1" latinLnBrk="0" hangingPunct="1">
         <a:defRPr sz="1800" kern="1200">
           <a:solidFill>
             <a:schemeClr val="tx1"/>
@@ -2907,7 +5667,7 @@
           <a:cs typeface="+mn-cs"/>
         </a:defRPr>
       </a:lvl5pPr>
-      <a:lvl6pPr marL="2286000" algn="l" defTabSz="914400" rtl="0" eaLnBrk="1" latinLnBrk="0" hangingPunct="1">
+      <a:lvl6pPr marL="2286000" algn="l" defTabSz="457200" rtl="0" eaLnBrk="1" latinLnBrk="0" hangingPunct="1">
         <a:defRPr sz="1800" kern="1200">
           <a:solidFill>
             <a:schemeClr val="tx1"/>
@@ -2917,7 +5677,7 @@
           <a:cs typeface="+mn-cs"/>
         </a:defRPr>
       </a:lvl6pPr>
-      <a:lvl7pPr marL="2743200" algn="l" defTabSz="914400" rtl="0" eaLnBrk="1" latinLnBrk="0" hangingPunct="1">
+      <a:lvl7pPr marL="2743200" algn="l" defTabSz="457200" rtl="0" eaLnBrk="1" latinLnBrk="0" hangingPunct="1">
         <a:defRPr sz="1800" kern="1200">
           <a:solidFill>
             <a:schemeClr val="tx1"/>
@@ -2927,7 +5687,7 @@
           <a:cs typeface="+mn-cs"/>
         </a:defRPr>
       </a:lvl7pPr>
-      <a:lvl8pPr marL="3200400" algn="l" defTabSz="914400" rtl="0" eaLnBrk="1" latinLnBrk="0" hangingPunct="1">
+      <a:lvl8pPr marL="3200400" algn="l" defTabSz="457200" rtl="0" eaLnBrk="1" latinLnBrk="0" hangingPunct="1">
         <a:defRPr sz="1800" kern="1200">
           <a:solidFill>
             <a:schemeClr val="tx1"/>
@@ -2937,7 +5697,7 @@
           <a:cs typeface="+mn-cs"/>
         </a:defRPr>
       </a:lvl8pPr>
-      <a:lvl9pPr marL="3657600" algn="l" defTabSz="914400" rtl="0" eaLnBrk="1" latinLnBrk="0" hangingPunct="1">
+      <a:lvl9pPr marL="3657600" algn="l" defTabSz="457200" rtl="0" eaLnBrk="1" latinLnBrk="0" hangingPunct="1">
         <a:defRPr sz="1800" kern="1200">
           <a:solidFill>
             <a:schemeClr val="tx1"/>
@@ -3051,11 +5811,11 @@
   <p:clrMapOvr>
     <a:masterClrMapping/>
   </p:clrMapOvr>
-  <mc:AlternateContent xmlns:mc="http://schemas.openxmlformats.org/markup-compatibility/2006">
-    <mc:Choice xmlns:p14="http://schemas.microsoft.com/office/powerpoint/2010/main" Requires="p14">
+  <mc:AlternateContent xmlns:mc="http://schemas.openxmlformats.org/markup-compatibility/2006" xmlns:p14="http://schemas.microsoft.com/office/powerpoint/2010/main">
+    <mc:Choice Requires="p14">
       <p:transition p14:dur="0"/>
     </mc:Choice>
-    <mc:Fallback>
+    <mc:Fallback xmlns="">
       <p:transition/>
     </mc:Fallback>
   </mc:AlternateContent>
@@ -3103,7 +5863,11 @@
           <a:p>
             <a:r>
               <a:rPr lang="en-US" dirty="0" smtClean="0"/>
-              <a:t>What we are going to cover tonight:</a:t>
+              <a:t>What we are going to cover </a:t>
+            </a:r>
+            <a:r>
+              <a:rPr lang="en-US" dirty="0" smtClean="0"/>
+              <a:t>tonight:</a:t>
             </a:r>
             <a:endParaRPr lang="en-US" dirty="0"/>
           </a:p>
@@ -3443,7 +6207,12 @@
             <p:ph type="title"/>
           </p:nvPr>
         </p:nvSpPr>
-        <p:spPr/>
+        <p:spPr>
+          <a:xfrm>
+            <a:off x="1021490" y="337294"/>
+            <a:ext cx="10198443" cy="1507067"/>
+          </a:xfrm>
+        </p:spPr>
         <p:txBody>
           <a:bodyPr/>
           <a:lstStyle/>
@@ -3481,8 +6250,8 @@
         </p:blipFill>
         <p:spPr>
           <a:xfrm>
-            <a:off x="3520008" y="1825625"/>
-            <a:ext cx="5151984" cy="4351338"/>
+            <a:off x="3576177" y="1844361"/>
+            <a:ext cx="5089067" cy="4298199"/>
           </a:xfrm>
         </p:spPr>
       </p:pic>
@@ -3538,6 +6307,86 @@
         </p:nvSpPr>
         <p:spPr/>
         <p:txBody>
+          <a:bodyPr/>
+          <a:lstStyle/>
+          <a:p>
+            <a:endParaRPr lang="en-US"/>
+          </a:p>
+        </p:txBody>
+      </p:sp>
+      <p:sp>
+        <p:nvSpPr>
+          <p:cNvPr id="3" name="Content Placeholder 2"/>
+          <p:cNvSpPr>
+            <a:spLocks noGrp="1"/>
+          </p:cNvSpPr>
+          <p:nvPr>
+            <p:ph idx="1"/>
+          </p:nvPr>
+        </p:nvSpPr>
+        <p:spPr/>
+        <p:txBody>
+          <a:bodyPr/>
+          <a:lstStyle/>
+          <a:p>
+            <a:endParaRPr lang="en-US"/>
+          </a:p>
+        </p:txBody>
+      </p:sp>
+    </p:spTree>
+    <p:extLst>
+      <p:ext uri="{BB962C8B-B14F-4D97-AF65-F5344CB8AC3E}">
+        <p14:creationId xmlns:p14="http://schemas.microsoft.com/office/powerpoint/2010/main" val="4177263277"/>
+      </p:ext>
+    </p:extLst>
+  </p:cSld>
+  <p:clrMapOvr>
+    <a:masterClrMapping/>
+  </p:clrMapOvr>
+  <p:timing>
+    <p:tnLst>
+      <p:par>
+        <p:cTn id="1" dur="indefinite" restart="never" nodeType="tmRoot"/>
+      </p:par>
+    </p:tnLst>
+  </p:timing>
+</p:sld>
+</file>
+
+<file path=ppt/slides/slide7.xml><?xml version="1.0" encoding="utf-8"?>
+<p:sld xmlns:a="http://schemas.openxmlformats.org/drawingml/2006/main" xmlns:r="http://schemas.openxmlformats.org/officeDocument/2006/relationships" xmlns:p="http://schemas.openxmlformats.org/presentationml/2006/main">
+  <p:cSld>
+    <p:spTree>
+      <p:nvGrpSpPr>
+        <p:cNvPr id="1" name=""/>
+        <p:cNvGrpSpPr/>
+        <p:nvPr/>
+      </p:nvGrpSpPr>
+      <p:grpSpPr>
+        <a:xfrm>
+          <a:off x="0" y="0"/>
+          <a:ext cx="0" cy="0"/>
+          <a:chOff x="0" y="0"/>
+          <a:chExt cx="0" cy="0"/>
+        </a:xfrm>
+      </p:grpSpPr>
+      <p:sp>
+        <p:nvSpPr>
+          <p:cNvPr id="2" name="Title 1"/>
+          <p:cNvSpPr>
+            <a:spLocks noGrp="1"/>
+          </p:cNvSpPr>
+          <p:nvPr>
+            <p:ph type="title"/>
+          </p:nvPr>
+        </p:nvSpPr>
+        <p:spPr>
+          <a:xfrm>
+            <a:off x="1443164" y="4802659"/>
+            <a:ext cx="8534400" cy="1507067"/>
+          </a:xfrm>
+        </p:spPr>
+        <p:txBody>
           <a:bodyPr>
             <a:normAutofit/>
           </a:bodyPr>
@@ -3566,7 +6415,12 @@
             <p:ph idx="1"/>
           </p:nvPr>
         </p:nvSpPr>
-        <p:spPr/>
+        <p:spPr>
+          <a:xfrm>
+            <a:off x="1443164" y="685800"/>
+            <a:ext cx="8534400" cy="4116859"/>
+          </a:xfrm>
+        </p:spPr>
         <p:txBody>
           <a:bodyPr>
             <a:normAutofit/>
@@ -3604,10 +6458,17 @@
             <a:br>
               <a:rPr lang="en-US" dirty="0" smtClean="0"/>
             </a:br>
+            <a:endParaRPr lang="en-US" dirty="0" smtClean="0"/>
+          </a:p>
+          <a:p>
+            <a:pPr marL="0" indent="0" algn="ctr">
+              <a:buNone/>
+            </a:pPr>
             <a:r>
               <a:rPr lang="en-US" dirty="0" smtClean="0"/>
               <a:t>Alan Wilson</a:t>
             </a:r>
+            <a:endParaRPr lang="en-US" dirty="0" smtClean="0"/>
           </a:p>
           <a:p>
             <a:pPr marL="0" indent="0" algn="ctr">
@@ -3666,7 +6527,7 @@
         </p:blipFill>
         <p:spPr>
           <a:xfrm>
-            <a:off x="5337048" y="2184014"/>
+            <a:off x="4951412" y="1292227"/>
             <a:ext cx="1517904" cy="1517904"/>
           </a:xfrm>
           <a:prstGeom prst="rect">
@@ -3684,13 +6545,23 @@
   <p:clrMapOvr>
     <a:masterClrMapping/>
   </p:clrMapOvr>
+  <p:transition spd="med">
+    <p:pull/>
+  </p:transition>
+  <p:timing>
+    <p:tnLst>
+      <p:par>
+        <p:cTn id="1" dur="indefinite" restart="never" nodeType="tmRoot"/>
+      </p:par>
+    </p:tnLst>
+  </p:timing>
 </p:sld>
 </file>
 
 <file path=ppt/theme/theme1.xml><?xml version="1.0" encoding="utf-8"?>
-<a:theme xmlns:a="http://schemas.openxmlformats.org/drawingml/2006/main" name="Office Theme">
+<a:theme xmlns:a="http://schemas.openxmlformats.org/drawingml/2006/main" name="Mesh">
   <a:themeElements>
-    <a:clrScheme name="Office">
+    <a:clrScheme name="Mesh">
       <a:dk1>
         <a:sysClr val="windowText" lastClr="000000"/>
       </a:dk1>
@@ -3698,83 +6569,48 @@
         <a:sysClr val="window" lastClr="FFFFFF"/>
       </a:lt1>
       <a:dk2>
-        <a:srgbClr val="44546A"/>
+        <a:srgbClr val="363D46"/>
       </a:dk2>
       <a:lt2>
-        <a:srgbClr val="E7E6E6"/>
+        <a:srgbClr val="EBEBEB"/>
       </a:lt2>
       <a:accent1>
-        <a:srgbClr val="5B9BD5"/>
+        <a:srgbClr val="6F6F6F"/>
       </a:accent1>
       <a:accent2>
-        <a:srgbClr val="ED7D31"/>
+        <a:srgbClr val="BFBFA5"/>
       </a:accent2>
       <a:accent3>
-        <a:srgbClr val="A5A5A5"/>
+        <a:srgbClr val="DCD084"/>
       </a:accent3>
       <a:accent4>
-        <a:srgbClr val="FFC000"/>
+        <a:srgbClr val="E7BF5F"/>
       </a:accent4>
       <a:accent5>
-        <a:srgbClr val="4472C4"/>
+        <a:srgbClr val="E9A039"/>
       </a:accent5>
       <a:accent6>
-        <a:srgbClr val="70AD47"/>
+        <a:srgbClr val="CF7133"/>
       </a:accent6>
       <a:hlink>
-        <a:srgbClr val="0563C1"/>
+        <a:srgbClr val="F28943"/>
       </a:hlink>
       <a:folHlink>
-        <a:srgbClr val="954F72"/>
+        <a:srgbClr val="F1B76C"/>
       </a:folHlink>
     </a:clrScheme>
-    <a:fontScheme name="Office">
+    <a:fontScheme name="Mesh">
       <a:majorFont>
-        <a:latin typeface="Calibri Light" panose="020F0302020204030204"/>
+        <a:latin typeface="Century Gothic" panose="020B0502020202020204"/>
         <a:ea typeface=""/>
         <a:cs typeface=""/>
-        <a:font script="Jpan" typeface="ＭＳ Ｐゴシック"/>
+        <a:font script="Jpan" typeface="ＭＳ ゴシック"/>
         <a:font script="Hang" typeface="맑은 고딕"/>
         <a:font script="Hans" typeface="宋体"/>
         <a:font script="Hant" typeface="新細明體"/>
-        <a:font script="Arab" typeface="Times New Roman"/>
-        <a:font script="Hebr" typeface="Times New Roman"/>
-        <a:font script="Thai" typeface="Angsana New"/>
-        <a:font script="Ethi" typeface="Nyala"/>
-        <a:font script="Beng" typeface="Vrinda"/>
-        <a:font script="Gujr" typeface="Shruti"/>
-        <a:font script="Khmr" typeface="MoolBoran"/>
-        <a:font script="Knda" typeface="Tunga"/>
-        <a:font script="Guru" typeface="Raavi"/>
-        <a:font script="Cans" typeface="Euphemia"/>
-        <a:font script="Cher" typeface="Plantagenet Cherokee"/>
-        <a:font script="Yiii" typeface="Microsoft Yi Baiti"/>
-        <a:font script="Tibt" typeface="Microsoft Himalaya"/>
-        <a:font script="Thaa" typeface="MV Boli"/>
-        <a:font script="Deva" typeface="Mangal"/>
-        <a:font script="Telu" typeface="Gautami"/>
-        <a:font script="Taml" typeface="Latha"/>
-        <a:font script="Syrc" typeface="Estrangelo Edessa"/>
-        <a:font script="Orya" typeface="Kalinga"/>
-        <a:font script="Mlym" typeface="Kartika"/>
-        <a:font script="Laoo" typeface="DokChampa"/>
-        <a:font script="Sinh" typeface="Iskoola Pota"/>
-        <a:font script="Mong" typeface="Mongolian Baiti"/>
-        <a:font script="Viet" typeface="Times New Roman"/>
-        <a:font script="Uigh" typeface="Microsoft Uighur"/>
-        <a:font script="Geor" typeface="Sylfaen"/>
-      </a:majorFont>
-      <a:minorFont>
-        <a:latin typeface="Calibri" panose="020F0502020204030204"/>
-        <a:ea typeface=""/>
-        <a:cs typeface=""/>
-        <a:font script="Jpan" typeface="ＭＳ Ｐゴシック"/>
-        <a:font script="Hang" typeface="맑은 고딕"/>
-        <a:font script="Hans" typeface="宋体"/>
-        <a:font script="Hant" typeface="新細明體"/>
-        <a:font script="Arab" typeface="Arial"/>
-        <a:font script="Hebr" typeface="Arial"/>
-        <a:font script="Thai" typeface="Cordia New"/>
+        <a:font script="Arab" typeface="Tahoma"/>
+        <a:font script="Hebr" typeface="Gisha"/>
+        <a:font script="Thai" typeface="DilleniaUPC"/>
         <a:font script="Ethi" typeface="Nyala"/>
         <a:font script="Beng" typeface="Vrinda"/>
         <a:font script="Gujr" typeface="Shruti"/>
@@ -3795,12 +6631,47 @@
         <a:font script="Laoo" typeface="DokChampa"/>
         <a:font script="Sinh" typeface="Iskoola Pota"/>
         <a:font script="Mong" typeface="Mongolian Baiti"/>
-        <a:font script="Viet" typeface="Arial"/>
+        <a:font script="Viet" typeface="Tahoma"/>
+        <a:font script="Uigh" typeface="Microsoft Uighur"/>
+        <a:font script="Geor" typeface="Sylfaen"/>
+      </a:majorFont>
+      <a:minorFont>
+        <a:latin typeface="Century Gothic" panose="020B0502020202020204"/>
+        <a:ea typeface=""/>
+        <a:cs typeface=""/>
+        <a:font script="Jpan" typeface="ＭＳ ゴシック"/>
+        <a:font script="Hang" typeface="맑은 고딕"/>
+        <a:font script="Hans" typeface="宋体"/>
+        <a:font script="Hant" typeface="新細明體"/>
+        <a:font script="Arab" typeface="Tahoma"/>
+        <a:font script="Hebr" typeface="Gisha"/>
+        <a:font script="Thai" typeface="DilleniaUPC"/>
+        <a:font script="Ethi" typeface="Nyala"/>
+        <a:font script="Beng" typeface="Vrinda"/>
+        <a:font script="Gujr" typeface="Shruti"/>
+        <a:font script="Khmr" typeface="DaunPenh"/>
+        <a:font script="Knda" typeface="Tunga"/>
+        <a:font script="Guru" typeface="Raavi"/>
+        <a:font script="Cans" typeface="Euphemia"/>
+        <a:font script="Cher" typeface="Plantagenet Cherokee"/>
+        <a:font script="Yiii" typeface="Microsoft Yi Baiti"/>
+        <a:font script="Tibt" typeface="Microsoft Himalaya"/>
+        <a:font script="Thaa" typeface="MV Boli"/>
+        <a:font script="Deva" typeface="Mangal"/>
+        <a:font script="Telu" typeface="Gautami"/>
+        <a:font script="Taml" typeface="Latha"/>
+        <a:font script="Syrc" typeface="Estrangelo Edessa"/>
+        <a:font script="Orya" typeface="Kalinga"/>
+        <a:font script="Mlym" typeface="Kartika"/>
+        <a:font script="Laoo" typeface="DokChampa"/>
+        <a:font script="Sinh" typeface="Iskoola Pota"/>
+        <a:font script="Mong" typeface="Mongolian Baiti"/>
+        <a:font script="Viet" typeface="Verdana"/>
         <a:font script="Uigh" typeface="Microsoft Uighur"/>
         <a:font script="Geor" typeface="Sylfaen"/>
       </a:minorFont>
     </a:fontScheme>
-    <a:fmtScheme name="Office">
+    <a:fmtScheme name="Mesh">
       <a:fillStyleLst>
         <a:solidFill>
           <a:schemeClr val="phClr"/>
@@ -3809,23 +6680,13 @@
           <a:gsLst>
             <a:gs pos="0">
               <a:schemeClr val="phClr">
+                <a:tint val="60000"/>
                 <a:lumMod val="110000"/>
-                <a:satMod val="105000"/>
-                <a:tint val="67000"/>
-              </a:schemeClr>
-            </a:gs>
-            <a:gs pos="50000">
-              <a:schemeClr val="phClr">
-                <a:lumMod val="105000"/>
-                <a:satMod val="103000"/>
-                <a:tint val="73000"/>
               </a:schemeClr>
             </a:gs>
             <a:gs pos="100000">
               <a:schemeClr val="phClr">
-                <a:lumMod val="105000"/>
-                <a:satMod val="109000"/>
-                <a:tint val="81000"/>
+                <a:tint val="82000"/>
               </a:schemeClr>
             </a:gs>
           </a:gsLst>
@@ -3835,23 +6696,14 @@
           <a:gsLst>
             <a:gs pos="0">
               <a:schemeClr val="phClr">
-                <a:satMod val="103000"/>
-                <a:lumMod val="102000"/>
-                <a:tint val="94000"/>
-              </a:schemeClr>
-            </a:gs>
-            <a:gs pos="50000">
-              <a:schemeClr val="phClr">
-                <a:satMod val="110000"/>
-                <a:lumMod val="100000"/>
-                <a:shade val="100000"/>
+                <a:tint val="96000"/>
+                <a:lumMod val="104000"/>
               </a:schemeClr>
             </a:gs>
             <a:gs pos="100000">
               <a:schemeClr val="phClr">
-                <a:lumMod val="99000"/>
-                <a:satMod val="120000"/>
-                <a:shade val="78000"/>
+                <a:shade val="84000"/>
+                <a:lumMod val="84000"/>
               </a:schemeClr>
             </a:gs>
           </a:gsLst>
@@ -3859,26 +6711,23 @@
         </a:gradFill>
       </a:fillStyleLst>
       <a:lnStyleLst>
-        <a:ln w="6350" cap="flat" cmpd="sng" algn="ctr">
+        <a:ln w="9525" cap="rnd" cmpd="sng" algn="ctr">
           <a:solidFill>
             <a:schemeClr val="phClr"/>
           </a:solidFill>
           <a:prstDash val="solid"/>
-          <a:miter lim="800000"/>
         </a:ln>
-        <a:ln w="12700" cap="flat" cmpd="sng" algn="ctr">
+        <a:ln w="19050" cap="rnd" cmpd="sng" algn="ctr">
           <a:solidFill>
             <a:schemeClr val="phClr"/>
           </a:solidFill>
           <a:prstDash val="solid"/>
-          <a:miter lim="800000"/>
         </a:ln>
-        <a:ln w="19050" cap="flat" cmpd="sng" algn="ctr">
+        <a:ln w="25400" cap="rnd" cmpd="sng" algn="ctr">
           <a:solidFill>
             <a:schemeClr val="phClr"/>
           </a:solidFill>
           <a:prstDash val="solid"/>
-          <a:miter lim="800000"/>
         </a:ln>
       </a:lnStyleLst>
       <a:effectStyleLst>
@@ -3886,55 +6735,72 @@
           <a:effectLst/>
         </a:effectStyle>
         <a:effectStyle>
-          <a:effectLst/>
+          <a:effectLst>
+            <a:innerShdw blurRad="50800" dist="25400" dir="13500000">
+              <a:srgbClr val="000000">
+                <a:alpha val="55000"/>
+              </a:srgbClr>
+            </a:innerShdw>
+          </a:effectLst>
         </a:effectStyle>
         <a:effectStyle>
           <a:effectLst>
-            <a:outerShdw blurRad="57150" dist="19050" dir="5400000" algn="ctr" rotWithShape="0">
+            <a:outerShdw blurRad="50800" dist="38100" dir="5400000" rotWithShape="0">
               <a:srgbClr val="000000">
-                <a:alpha val="63000"/>
+                <a:alpha val="60000"/>
               </a:srgbClr>
             </a:outerShdw>
           </a:effectLst>
+          <a:scene3d>
+            <a:camera prst="orthographicFront">
+              <a:rot lat="0" lon="0" rev="0"/>
+            </a:camera>
+            <a:lightRig rig="threePt" dir="tl"/>
+          </a:scene3d>
+          <a:sp3d>
+            <a:bevelT w="25400" h="25400" prst="slope"/>
+          </a:sp3d>
         </a:effectStyle>
       </a:effectStyleLst>
       <a:bgFillStyleLst>
         <a:solidFill>
           <a:schemeClr val="phClr"/>
         </a:solidFill>
-        <a:solidFill>
-          <a:schemeClr val="phClr">
-            <a:tint val="95000"/>
-            <a:satMod val="170000"/>
-          </a:schemeClr>
-        </a:solidFill>
         <a:gradFill rotWithShape="1">
           <a:gsLst>
             <a:gs pos="0">
               <a:schemeClr val="phClr">
-                <a:tint val="93000"/>
-                <a:satMod val="150000"/>
-                <a:shade val="98000"/>
-                <a:lumMod val="102000"/>
-              </a:schemeClr>
-            </a:gs>
-            <a:gs pos="50000">
-              <a:schemeClr val="phClr">
-                <a:tint val="98000"/>
-                <a:satMod val="130000"/>
-                <a:shade val="90000"/>
-                <a:lumMod val="103000"/>
+                <a:tint val="90000"/>
+                <a:lumMod val="110000"/>
               </a:schemeClr>
             </a:gs>
             <a:gs pos="100000">
               <a:schemeClr val="phClr">
-                <a:shade val="63000"/>
-                <a:satMod val="120000"/>
+                <a:shade val="64000"/>
+                <a:lumMod val="98000"/>
               </a:schemeClr>
             </a:gs>
           </a:gsLst>
           <a:lin ang="5400000" scaled="0"/>
         </a:gradFill>
+        <a:blipFill rotWithShape="1">
+          <a:blip xmlns:r="http://schemas.openxmlformats.org/officeDocument/2006/relationships" r:embed="rId1">
+            <a:duotone>
+              <a:schemeClr val="phClr">
+                <a:shade val="28000"/>
+                <a:satMod val="94000"/>
+                <a:lumMod val="20000"/>
+              </a:schemeClr>
+              <a:schemeClr val="phClr">
+                <a:tint val="94000"/>
+                <a:shade val="84000"/>
+                <a:satMod val="148000"/>
+                <a:lumMod val="114000"/>
+              </a:schemeClr>
+            </a:duotone>
+          </a:blip>
+          <a:stretch/>
+        </a:blipFill>
       </a:bgFillStyleLst>
     </a:fmtScheme>
   </a:themeElements>
@@ -3942,7 +6808,7 @@
   <a:extraClrSchemeLst/>
   <a:extLst>
     <a:ext uri="{05A4C25C-085E-4340-85A3-A5531E510DB2}">
-      <thm15:themeFamily xmlns:thm15="http://schemas.microsoft.com/office/thememl/2012/main" name="Office Theme" id="{62F939B6-93AF-4DB8-9C6B-D6C7DFDC589F}" vid="{4A3C46E8-61CC-4603-A589-7422A47A8E4A}"/>
+      <thm15:themeFamily xmlns:thm15="http://schemas.microsoft.com/office/thememl/2012/main" name="Mesh" id="{789EC3FE-34FD-429C-9918-760025E6C145}" vid="{B8BE45C0-8141-4D58-8C71-A009BC26FBBB}"/>
     </a:ext>
   </a:extLst>
 </a:theme>

--- a/Presentation.pptx
+++ b/Presentation.pptx
@@ -2,16 +2,18 @@
 <file path=ppt/presentation.xml><?xml version="1.0" encoding="utf-8"?>
 <p:presentation xmlns:a="http://schemas.openxmlformats.org/drawingml/2006/main" xmlns:r="http://schemas.openxmlformats.org/officeDocument/2006/relationships" xmlns:p="http://schemas.openxmlformats.org/presentationml/2006/main" saveSubsetFonts="1">
   <p:sldMasterIdLst>
-    <p:sldMasterId id="2147483732" r:id="rId1"/>
+    <p:sldMasterId id="2147483840" r:id="rId1"/>
   </p:sldMasterIdLst>
   <p:sldIdLst>
     <p:sldId id="256" r:id="rId2"/>
     <p:sldId id="257" r:id="rId3"/>
-    <p:sldId id="259" r:id="rId4"/>
-    <p:sldId id="260" r:id="rId5"/>
-    <p:sldId id="261" r:id="rId6"/>
+    <p:sldId id="260" r:id="rId4"/>
+    <p:sldId id="261" r:id="rId5"/>
+    <p:sldId id="259" r:id="rId6"/>
     <p:sldId id="262" r:id="rId7"/>
-    <p:sldId id="258" r:id="rId8"/>
+    <p:sldId id="263" r:id="rId8"/>
+    <p:sldId id="264" r:id="rId9"/>
+    <p:sldId id="258" r:id="rId10"/>
   </p:sldIdLst>
   <p:sldSz cx="12192000" cy="6858000"/>
   <p:notesSz cx="6858000" cy="9144000"/>
@@ -382,7 +384,7 @@
     </p:spTree>
     <p:extLst>
       <p:ext uri="{BB962C8B-B14F-4D97-AF65-F5344CB8AC3E}">
-        <p14:creationId xmlns:p14="http://schemas.microsoft.com/office/powerpoint/2010/main" val="2529284004"/>
+        <p14:creationId xmlns:p14="http://schemas.microsoft.com/office/powerpoint/2010/main" val="2636220699"/>
       </p:ext>
     </p:extLst>
   </p:cSld>
@@ -673,7 +675,7 @@
     </p:spTree>
     <p:extLst>
       <p:ext uri="{BB962C8B-B14F-4D97-AF65-F5344CB8AC3E}">
-        <p14:creationId xmlns:p14="http://schemas.microsoft.com/office/powerpoint/2010/main" val="2854268789"/>
+        <p14:creationId xmlns:p14="http://schemas.microsoft.com/office/powerpoint/2010/main" val="4232676272"/>
       </p:ext>
     </p:extLst>
   </p:cSld>
@@ -932,7 +934,7 @@
     </p:spTree>
     <p:extLst>
       <p:ext uri="{BB962C8B-B14F-4D97-AF65-F5344CB8AC3E}">
-        <p14:creationId xmlns:p14="http://schemas.microsoft.com/office/powerpoint/2010/main" val="343169880"/>
+        <p14:creationId xmlns:p14="http://schemas.microsoft.com/office/powerpoint/2010/main" val="517262984"/>
       </p:ext>
     </p:extLst>
   </p:cSld>
@@ -1401,7 +1403,7 @@
     </p:spTree>
     <p:extLst>
       <p:ext uri="{BB962C8B-B14F-4D97-AF65-F5344CB8AC3E}">
-        <p14:creationId xmlns:p14="http://schemas.microsoft.com/office/powerpoint/2010/main" val="1672897219"/>
+        <p14:creationId xmlns:p14="http://schemas.microsoft.com/office/powerpoint/2010/main" val="2821868995"/>
       </p:ext>
     </p:extLst>
   </p:cSld>
@@ -1581,7 +1583,7 @@
     </p:spTree>
     <p:extLst>
       <p:ext uri="{BB962C8B-B14F-4D97-AF65-F5344CB8AC3E}">
-        <p14:creationId xmlns:p14="http://schemas.microsoft.com/office/powerpoint/2010/main" val="3927618186"/>
+        <p14:creationId xmlns:p14="http://schemas.microsoft.com/office/powerpoint/2010/main" val="1188407946"/>
       </p:ext>
     </p:extLst>
   </p:cSld>
@@ -2157,7 +2159,7 @@
     </p:spTree>
     <p:extLst>
       <p:ext uri="{BB962C8B-B14F-4D97-AF65-F5344CB8AC3E}">
-        <p14:creationId xmlns:p14="http://schemas.microsoft.com/office/powerpoint/2010/main" val="1387384725"/>
+        <p14:creationId xmlns:p14="http://schemas.microsoft.com/office/powerpoint/2010/main" val="242802483"/>
       </p:ext>
     </p:extLst>
   </p:cSld>
@@ -2489,7 +2491,7 @@
     </p:spTree>
     <p:extLst>
       <p:ext uri="{BB962C8B-B14F-4D97-AF65-F5344CB8AC3E}">
-        <p14:creationId xmlns:p14="http://schemas.microsoft.com/office/powerpoint/2010/main" val="2403100402"/>
+        <p14:creationId xmlns:p14="http://schemas.microsoft.com/office/powerpoint/2010/main" val="203264931"/>
       </p:ext>
     </p:extLst>
   </p:cSld>
@@ -2664,7 +2666,7 @@
     </p:spTree>
     <p:extLst>
       <p:ext uri="{BB962C8B-B14F-4D97-AF65-F5344CB8AC3E}">
-        <p14:creationId xmlns:p14="http://schemas.microsoft.com/office/powerpoint/2010/main" val="2061931937"/>
+        <p14:creationId xmlns:p14="http://schemas.microsoft.com/office/powerpoint/2010/main" val="2110011861"/>
       </p:ext>
     </p:extLst>
   </p:cSld>
@@ -2844,7 +2846,7 @@
     </p:spTree>
     <p:extLst>
       <p:ext uri="{BB962C8B-B14F-4D97-AF65-F5344CB8AC3E}">
-        <p14:creationId xmlns:p14="http://schemas.microsoft.com/office/powerpoint/2010/main" val="214953894"/>
+        <p14:creationId xmlns:p14="http://schemas.microsoft.com/office/powerpoint/2010/main" val="4161520161"/>
       </p:ext>
     </p:extLst>
   </p:cSld>
@@ -3014,7 +3016,7 @@
     </p:spTree>
     <p:extLst>
       <p:ext uri="{BB962C8B-B14F-4D97-AF65-F5344CB8AC3E}">
-        <p14:creationId xmlns:p14="http://schemas.microsoft.com/office/powerpoint/2010/main" val="396984250"/>
+        <p14:creationId xmlns:p14="http://schemas.microsoft.com/office/powerpoint/2010/main" val="4026435859"/>
       </p:ext>
     </p:extLst>
   </p:cSld>
@@ -3271,7 +3273,7 @@
     </p:spTree>
     <p:extLst>
       <p:ext uri="{BB962C8B-B14F-4D97-AF65-F5344CB8AC3E}">
-        <p14:creationId xmlns:p14="http://schemas.microsoft.com/office/powerpoint/2010/main" val="1730222350"/>
+        <p14:creationId xmlns:p14="http://schemas.microsoft.com/office/powerpoint/2010/main" val="1090564263"/>
       </p:ext>
     </p:extLst>
   </p:cSld>
@@ -3563,7 +3565,7 @@
     </p:spTree>
     <p:extLst>
       <p:ext uri="{BB962C8B-B14F-4D97-AF65-F5344CB8AC3E}">
-        <p14:creationId xmlns:p14="http://schemas.microsoft.com/office/powerpoint/2010/main" val="2592724644"/>
+        <p14:creationId xmlns:p14="http://schemas.microsoft.com/office/powerpoint/2010/main" val="4073562501"/>
       </p:ext>
     </p:extLst>
   </p:cSld>
@@ -3993,7 +3995,7 @@
     </p:spTree>
     <p:extLst>
       <p:ext uri="{BB962C8B-B14F-4D97-AF65-F5344CB8AC3E}">
-        <p14:creationId xmlns:p14="http://schemas.microsoft.com/office/powerpoint/2010/main" val="2852115537"/>
+        <p14:creationId xmlns:p14="http://schemas.microsoft.com/office/powerpoint/2010/main" val="542833811"/>
       </p:ext>
     </p:extLst>
   </p:cSld>
@@ -4111,7 +4113,7 @@
     </p:spTree>
     <p:extLst>
       <p:ext uri="{BB962C8B-B14F-4D97-AF65-F5344CB8AC3E}">
-        <p14:creationId xmlns:p14="http://schemas.microsoft.com/office/powerpoint/2010/main" val="1203498958"/>
+        <p14:creationId xmlns:p14="http://schemas.microsoft.com/office/powerpoint/2010/main" val="2982237264"/>
       </p:ext>
     </p:extLst>
   </p:cSld>
@@ -4206,7 +4208,7 @@
     </p:spTree>
     <p:extLst>
       <p:ext uri="{BB962C8B-B14F-4D97-AF65-F5344CB8AC3E}">
-        <p14:creationId xmlns:p14="http://schemas.microsoft.com/office/powerpoint/2010/main" val="1626152336"/>
+        <p14:creationId xmlns:p14="http://schemas.microsoft.com/office/powerpoint/2010/main" val="897662612"/>
       </p:ext>
     </p:extLst>
   </p:cSld>
@@ -4489,7 +4491,7 @@
     </p:spTree>
     <p:extLst>
       <p:ext uri="{BB962C8B-B14F-4D97-AF65-F5344CB8AC3E}">
-        <p14:creationId xmlns:p14="http://schemas.microsoft.com/office/powerpoint/2010/main" val="3533548742"/>
+        <p14:creationId xmlns:p14="http://schemas.microsoft.com/office/powerpoint/2010/main" val="4151468957"/>
       </p:ext>
     </p:extLst>
   </p:cSld>
@@ -4790,7 +4792,7 @@
     </p:spTree>
     <p:extLst>
       <p:ext uri="{BB962C8B-B14F-4D97-AF65-F5344CB8AC3E}">
-        <p14:creationId xmlns:p14="http://schemas.microsoft.com/office/powerpoint/2010/main" val="297581276"/>
+        <p14:creationId xmlns:p14="http://schemas.microsoft.com/office/powerpoint/2010/main" val="741872259"/>
       </p:ext>
     </p:extLst>
   </p:cSld>
@@ -5063,29 +5065,29 @@
     </p:spTree>
     <p:extLst>
       <p:ext uri="{BB962C8B-B14F-4D97-AF65-F5344CB8AC3E}">
-        <p14:creationId xmlns:p14="http://schemas.microsoft.com/office/powerpoint/2010/main" val="1647884671"/>
+        <p14:creationId xmlns:p14="http://schemas.microsoft.com/office/powerpoint/2010/main" val="849747048"/>
       </p:ext>
     </p:extLst>
   </p:cSld>
   <p:clrMap bg1="dk1" tx1="lt1" bg2="dk2" tx2="lt2" accent1="accent1" accent2="accent2" accent3="accent3" accent4="accent4" accent5="accent5" accent6="accent6" hlink="hlink" folHlink="folHlink"/>
   <p:sldLayoutIdLst>
-    <p:sldLayoutId id="2147483733" r:id="rId1"/>
-    <p:sldLayoutId id="2147483734" r:id="rId2"/>
-    <p:sldLayoutId id="2147483735" r:id="rId3"/>
-    <p:sldLayoutId id="2147483736" r:id="rId4"/>
-    <p:sldLayoutId id="2147483737" r:id="rId5"/>
-    <p:sldLayoutId id="2147483738" r:id="rId6"/>
-    <p:sldLayoutId id="2147483739" r:id="rId7"/>
-    <p:sldLayoutId id="2147483740" r:id="rId8"/>
-    <p:sldLayoutId id="2147483741" r:id="rId9"/>
-    <p:sldLayoutId id="2147483742" r:id="rId10"/>
-    <p:sldLayoutId id="2147483743" r:id="rId11"/>
-    <p:sldLayoutId id="2147483744" r:id="rId12"/>
-    <p:sldLayoutId id="2147483745" r:id="rId13"/>
-    <p:sldLayoutId id="2147483746" r:id="rId14"/>
-    <p:sldLayoutId id="2147483747" r:id="rId15"/>
-    <p:sldLayoutId id="2147483748" r:id="rId16"/>
-    <p:sldLayoutId id="2147483749" r:id="rId17"/>
+    <p:sldLayoutId id="2147483841" r:id="rId1"/>
+    <p:sldLayoutId id="2147483842" r:id="rId2"/>
+    <p:sldLayoutId id="2147483843" r:id="rId3"/>
+    <p:sldLayoutId id="2147483844" r:id="rId4"/>
+    <p:sldLayoutId id="2147483845" r:id="rId5"/>
+    <p:sldLayoutId id="2147483846" r:id="rId6"/>
+    <p:sldLayoutId id="2147483847" r:id="rId7"/>
+    <p:sldLayoutId id="2147483848" r:id="rId8"/>
+    <p:sldLayoutId id="2147483849" r:id="rId9"/>
+    <p:sldLayoutId id="2147483850" r:id="rId10"/>
+    <p:sldLayoutId id="2147483851" r:id="rId11"/>
+    <p:sldLayoutId id="2147483852" r:id="rId12"/>
+    <p:sldLayoutId id="2147483853" r:id="rId13"/>
+    <p:sldLayoutId id="2147483854" r:id="rId14"/>
+    <p:sldLayoutId id="2147483855" r:id="rId15"/>
+    <p:sldLayoutId id="2147483856" r:id="rId16"/>
+    <p:sldLayoutId id="2147483857" r:id="rId17"/>
   </p:sldLayoutIdLst>
   <p:txStyles>
     <p:titleStyle>
@@ -5741,7 +5743,9 @@
         </p:nvSpPr>
         <p:spPr/>
         <p:txBody>
-          <a:bodyPr/>
+          <a:bodyPr>
+            <a:normAutofit/>
+          </a:bodyPr>
           <a:lstStyle/>
           <a:p>
             <a:r>
@@ -5776,7 +5780,9 @@
         </p:nvSpPr>
         <p:spPr/>
         <p:txBody>
-          <a:bodyPr/>
+          <a:bodyPr>
+            <a:normAutofit/>
+          </a:bodyPr>
           <a:lstStyle/>
           <a:p>
             <a:r>
@@ -5795,7 +5801,20 @@
             </a:r>
             <a:r>
               <a:rPr lang="en-US" dirty="0" smtClean="0"/>
-              <a:t>, 2018</a:t>
+              <a:t>, </a:t>
+            </a:r>
+            <a:r>
+              <a:rPr lang="en-US" dirty="0" smtClean="0"/>
+              <a:t>2018</a:t>
+            </a:r>
+          </a:p>
+          <a:p>
+            <a:endParaRPr lang="en-US" dirty="0"/>
+          </a:p>
+          <a:p>
+            <a:r>
+              <a:rPr lang="en-US" dirty="0" smtClean="0"/>
+              <a:t>Alan Wilson</a:t>
             </a:r>
             <a:endParaRPr lang="en-US" dirty="0"/>
           </a:p>
@@ -5811,12 +5830,16 @@
   <p:clrMapOvr>
     <a:masterClrMapping/>
   </p:clrMapOvr>
-  <mc:AlternateContent xmlns:mc="http://schemas.openxmlformats.org/markup-compatibility/2006" xmlns:p14="http://schemas.microsoft.com/office/powerpoint/2010/main">
-    <mc:Choice Requires="p14">
-      <p:transition p14:dur="0"/>
+  <mc:AlternateContent xmlns:mc="http://schemas.openxmlformats.org/markup-compatibility/2006">
+    <mc:Choice xmlns:p14="http://schemas.microsoft.com/office/powerpoint/2010/main" Requires="p14">
+      <p:transition spd="slow" p14:dur="800">
+        <p:circle/>
+      </p:transition>
     </mc:Choice>
-    <mc:Fallback xmlns="">
-      <p:transition/>
+    <mc:Fallback>
+      <p:transition spd="slow">
+        <p:circle/>
+      </p:transition>
     </mc:Fallback>
   </mc:AlternateContent>
   <p:timing>
@@ -5861,15 +5884,12 @@
           <a:bodyPr/>
           <a:lstStyle/>
           <a:p>
-            <a:r>
-              <a:rPr lang="en-US" dirty="0" smtClean="0"/>
-              <a:t>What we are going to cover </a:t>
-            </a:r>
-            <a:r>
-              <a:rPr lang="en-US" dirty="0" smtClean="0"/>
-              <a:t>tonight:</a:t>
-            </a:r>
-            <a:endParaRPr lang="en-US" dirty="0"/>
+            <a:pPr algn="ctr"/>
+            <a:r>
+              <a:rPr lang="en-US" b="1" dirty="0" smtClean="0"/>
+              <a:t>What we are going to cover tonight:</a:t>
+            </a:r>
+            <a:endParaRPr lang="en-US" b="1" dirty="0"/>
           </a:p>
         </p:txBody>
       </p:sp>
@@ -5969,81 +5989,6 @@
 </file>
 
 <file path=ppt/slides/slide3.xml><?xml version="1.0" encoding="utf-8"?>
-<p:sld xmlns:a="http://schemas.openxmlformats.org/drawingml/2006/main" xmlns:r="http://schemas.openxmlformats.org/officeDocument/2006/relationships" xmlns:p="http://schemas.openxmlformats.org/presentationml/2006/main">
-  <p:cSld>
-    <p:spTree>
-      <p:nvGrpSpPr>
-        <p:cNvPr id="1" name=""/>
-        <p:cNvGrpSpPr/>
-        <p:nvPr/>
-      </p:nvGrpSpPr>
-      <p:grpSpPr>
-        <a:xfrm>
-          <a:off x="0" y="0"/>
-          <a:ext cx="0" cy="0"/>
-          <a:chOff x="0" y="0"/>
-          <a:chExt cx="0" cy="0"/>
-        </a:xfrm>
-      </p:grpSpPr>
-      <p:sp>
-        <p:nvSpPr>
-          <p:cNvPr id="2" name="Title 1"/>
-          <p:cNvSpPr>
-            <a:spLocks noGrp="1"/>
-          </p:cNvSpPr>
-          <p:nvPr>
-            <p:ph type="title"/>
-          </p:nvPr>
-        </p:nvSpPr>
-        <p:spPr/>
-        <p:txBody>
-          <a:bodyPr/>
-          <a:lstStyle/>
-          <a:p>
-            <a:endParaRPr lang="en-US"/>
-          </a:p>
-        </p:txBody>
-      </p:sp>
-      <p:sp>
-        <p:nvSpPr>
-          <p:cNvPr id="3" name="Content Placeholder 2"/>
-          <p:cNvSpPr>
-            <a:spLocks noGrp="1"/>
-          </p:cNvSpPr>
-          <p:nvPr>
-            <p:ph idx="1"/>
-          </p:nvPr>
-        </p:nvSpPr>
-        <p:spPr/>
-        <p:txBody>
-          <a:bodyPr/>
-          <a:lstStyle/>
-          <a:p>
-            <a:endParaRPr lang="en-US"/>
-          </a:p>
-        </p:txBody>
-      </p:sp>
-    </p:spTree>
-    <p:extLst>
-      <p:ext uri="{BB962C8B-B14F-4D97-AF65-F5344CB8AC3E}">
-        <p14:creationId xmlns:p14="http://schemas.microsoft.com/office/powerpoint/2010/main" val="3979627185"/>
-      </p:ext>
-    </p:extLst>
-  </p:cSld>
-  <p:clrMapOvr>
-    <a:masterClrMapping/>
-  </p:clrMapOvr>
-  <p:timing>
-    <p:tnLst>
-      <p:par>
-        <p:cTn id="1" dur="indefinite" restart="never" nodeType="tmRoot"/>
-      </p:par>
-    </p:tnLst>
-  </p:timing>
-</p:sld>
-</file>
-
-<file path=ppt/slides/slide4.xml><?xml version="1.0" encoding="utf-8"?>
 <p:sld xmlns:a="http://schemas.openxmlformats.org/drawingml/2006/main" xmlns:r="http://schemas.openxmlformats.org/officeDocument/2006/relationships" xmlns:p="http://schemas.openxmlformats.org/presentationml/2006/main">
   <p:cSld>
     <p:spTree>
@@ -6092,14 +6037,14 @@
       </p:pic>
       <p:sp>
         <p:nvSpPr>
-          <p:cNvPr id="6" name="Rectangle 5"/>
-          <p:cNvSpPr/>
+          <p:cNvPr id="2" name="TextBox 1"/>
+          <p:cNvSpPr txBox="1"/>
           <p:nvPr/>
         </p:nvSpPr>
         <p:spPr>
           <a:xfrm>
-            <a:off x="4427296" y="0"/>
-            <a:ext cx="3398367" cy="923330"/>
+            <a:off x="3509318" y="65903"/>
+            <a:ext cx="5568053" cy="923330"/>
           </a:xfrm>
           <a:prstGeom prst="rect">
             <a:avLst/>
@@ -6107,52 +6052,28 @@
           <a:noFill/>
         </p:spPr>
         <p:txBody>
-          <a:bodyPr wrap="none" lIns="91440" tIns="45720" rIns="91440" bIns="45720">
+          <a:bodyPr wrap="square" rtlCol="0">
             <a:spAutoFit/>
           </a:bodyPr>
           <a:lstStyle/>
           <a:p>
             <a:pPr algn="ctr"/>
             <a:r>
+              <a:rPr lang="en-US" sz="5400" b="1" dirty="0" smtClean="0"/>
+              <a:t>Data </a:t>
+            </a:r>
+            <a:r>
               <a:rPr lang="en-US" sz="5400" b="1" dirty="0" smtClean="0">
-                <a:ln w="9525">
-                  <a:solidFill>
-                    <a:schemeClr val="bg1"/>
-                  </a:solidFill>
-                  <a:prstDash val="solid"/>
-                </a:ln>
-                <a:solidFill>
-                  <a:schemeClr val="accent5"/>
-                </a:solidFill>
-                <a:effectLst>
-                  <a:outerShdw blurRad="12700" dist="38100" dir="2700000" algn="tl" rotWithShape="0">
-                    <a:schemeClr val="accent5">
-                      <a:lumMod val="60000"/>
-                      <a:lumOff val="40000"/>
-                    </a:schemeClr>
-                  </a:outerShdw>
-                </a:effectLst>
+                <a:solidFill>
+                  <a:schemeClr val="bg1"/>
+                </a:solidFill>
               </a:rPr>
-              <a:t>Databases:</a:t>
+              <a:t>bases</a:t>
             </a:r>
             <a:endParaRPr lang="en-US" sz="5400" b="1" dirty="0">
-              <a:ln w="9525">
-                <a:solidFill>
-                  <a:schemeClr val="bg1"/>
-                </a:solidFill>
-                <a:prstDash val="solid"/>
-              </a:ln>
               <a:solidFill>
-                <a:schemeClr val="accent5"/>
+                <a:schemeClr val="bg1"/>
               </a:solidFill>
-              <a:effectLst>
-                <a:outerShdw blurRad="12700" dist="38100" dir="2700000" algn="tl" rotWithShape="0">
-                  <a:schemeClr val="accent5">
-                    <a:lumMod val="60000"/>
-                    <a:lumOff val="40000"/>
-                  </a:schemeClr>
-                </a:outerShdw>
-              </a:effectLst>
             </a:endParaRPr>
           </a:p>
         </p:txBody>
@@ -6180,7 +6101,7 @@
 </p:sld>
 </file>
 
-<file path=ppt/slides/slide5.xml><?xml version="1.0" encoding="utf-8"?>
+<file path=ppt/slides/slide4.xml><?xml version="1.0" encoding="utf-8"?>
 <p:sld xmlns:a="http://schemas.openxmlformats.org/drawingml/2006/main" xmlns:r="http://schemas.openxmlformats.org/officeDocument/2006/relationships" xmlns:p="http://schemas.openxmlformats.org/presentationml/2006/main">
   <p:cSld>
     <p:spTree>
@@ -6219,10 +6140,10 @@
           <a:p>
             <a:pPr algn="ctr"/>
             <a:r>
-              <a:rPr lang="en-US" dirty="0" smtClean="0"/>
+              <a:rPr lang="en-US" b="1" dirty="0" smtClean="0"/>
               <a:t>Databases Types and Popularity Trends</a:t>
             </a:r>
-            <a:endParaRPr lang="en-US" dirty="0"/>
+            <a:endParaRPr lang="en-US" b="1" dirty="0"/>
           </a:p>
         </p:txBody>
       </p:sp>
@@ -6278,6 +6199,133 @@
 </p:sld>
 </file>
 
+<file path=ppt/slides/slide5.xml><?xml version="1.0" encoding="utf-8"?>
+<p:sld xmlns:a="http://schemas.openxmlformats.org/drawingml/2006/main" xmlns:r="http://schemas.openxmlformats.org/officeDocument/2006/relationships" xmlns:p="http://schemas.openxmlformats.org/presentationml/2006/main">
+  <p:cSld>
+    <p:spTree>
+      <p:nvGrpSpPr>
+        <p:cNvPr id="1" name=""/>
+        <p:cNvGrpSpPr/>
+        <p:nvPr/>
+      </p:nvGrpSpPr>
+      <p:grpSpPr>
+        <a:xfrm>
+          <a:off x="0" y="0"/>
+          <a:ext cx="0" cy="0"/>
+          <a:chOff x="0" y="0"/>
+          <a:chExt cx="0" cy="0"/>
+        </a:xfrm>
+      </p:grpSpPr>
+      <p:sp>
+        <p:nvSpPr>
+          <p:cNvPr id="2" name="Title 1"/>
+          <p:cNvSpPr>
+            <a:spLocks noGrp="1"/>
+          </p:cNvSpPr>
+          <p:nvPr>
+            <p:ph type="title"/>
+          </p:nvPr>
+        </p:nvSpPr>
+        <p:spPr/>
+        <p:txBody>
+          <a:bodyPr>
+            <a:normAutofit/>
+          </a:bodyPr>
+          <a:lstStyle/>
+          <a:p>
+            <a:pPr algn="ctr"/>
+            <a:r>
+              <a:rPr lang="en-US" sz="4000" b="1" dirty="0" smtClean="0"/>
+              <a:t>Creating a Simple Node.js server</a:t>
+            </a:r>
+            <a:endParaRPr lang="en-US" sz="4000" b="1" dirty="0"/>
+          </a:p>
+        </p:txBody>
+      </p:sp>
+      <p:pic>
+        <p:nvPicPr>
+          <p:cNvPr id="7" name="Content Placeholder 6"/>
+          <p:cNvPicPr>
+            <a:picLocks noGrp="1" noChangeAspect="1"/>
+          </p:cNvPicPr>
+          <p:nvPr>
+            <p:ph idx="1"/>
+          </p:nvPr>
+        </p:nvPicPr>
+        <p:blipFill>
+          <a:blip r:embed="rId2">
+            <a:extLst>
+              <a:ext uri="{28A0092B-C50C-407E-A947-70E740481C1C}">
+                <a14:useLocalDpi xmlns:a14="http://schemas.microsoft.com/office/drawing/2010/main" val="0"/>
+              </a:ext>
+            </a:extLst>
+          </a:blip>
+          <a:stretch>
+            <a:fillRect/>
+          </a:stretch>
+        </p:blipFill>
+        <p:spPr>
+          <a:xfrm>
+            <a:off x="2776676" y="2514600"/>
+            <a:ext cx="6635469" cy="3124200"/>
+          </a:xfrm>
+        </p:spPr>
+      </p:pic>
+      <p:sp>
+        <p:nvSpPr>
+          <p:cNvPr id="8" name="TextBox 7"/>
+          <p:cNvSpPr txBox="1"/>
+          <p:nvPr/>
+        </p:nvSpPr>
+        <p:spPr>
+          <a:xfrm>
+            <a:off x="4957722" y="5943600"/>
+            <a:ext cx="2273379" cy="369332"/>
+          </a:xfrm>
+          <a:prstGeom prst="rect">
+            <a:avLst/>
+          </a:prstGeom>
+          <a:noFill/>
+        </p:spPr>
+        <p:txBody>
+          <a:bodyPr wrap="none" rtlCol="0">
+            <a:spAutoFit/>
+          </a:bodyPr>
+          <a:lstStyle/>
+          <a:p>
+            <a:r>
+              <a:rPr lang="en-US" dirty="0">
+                <a:hlinkClick r:id="rId3"/>
+              </a:rPr>
+              <a:t>https://nodejs.org/</a:t>
+            </a:r>
+            <a:endParaRPr lang="en-US" dirty="0"/>
+          </a:p>
+        </p:txBody>
+      </p:sp>
+    </p:spTree>
+    <p:extLst>
+      <p:ext uri="{BB962C8B-B14F-4D97-AF65-F5344CB8AC3E}">
+        <p14:creationId xmlns:p14="http://schemas.microsoft.com/office/powerpoint/2010/main" val="3979627185"/>
+      </p:ext>
+    </p:extLst>
+  </p:cSld>
+  <p:clrMapOvr>
+    <a:masterClrMapping/>
+  </p:clrMapOvr>
+  <p:transition spd="med">
+    <p:pull/>
+  </p:transition>
+  <p:timing>
+    <p:tnLst>
+      <p:par>
+        <p:cTn id="1" dur="indefinite" restart="never" nodeType="tmRoot"/>
+      </p:par>
+    </p:tnLst>
+  </p:timing>
+</p:sld>
+</file>
+
 <file path=ppt/slides/slide6.xml><?xml version="1.0" encoding="utf-8"?>
 <p:sld xmlns:a="http://schemas.openxmlformats.org/drawingml/2006/main" xmlns:r="http://schemas.openxmlformats.org/officeDocument/2006/relationships" xmlns:p="http://schemas.openxmlformats.org/presentationml/2006/main">
   <p:cSld>
@@ -6307,29 +6355,79 @@
         </p:nvSpPr>
         <p:spPr/>
         <p:txBody>
-          <a:bodyPr/>
-          <a:lstStyle/>
-          <a:p>
-            <a:endParaRPr lang="en-US"/>
-          </a:p>
-        </p:txBody>
-      </p:sp>
-      <p:sp>
-        <p:nvSpPr>
-          <p:cNvPr id="3" name="Content Placeholder 2"/>
-          <p:cNvSpPr>
-            <a:spLocks noGrp="1"/>
-          </p:cNvSpPr>
+          <a:bodyPr>
+            <a:normAutofit/>
+          </a:bodyPr>
+          <a:lstStyle/>
+          <a:p>
+            <a:pPr algn="ctr"/>
+            <a:r>
+              <a:rPr lang="en-US" sz="5400" b="1" dirty="0" smtClean="0"/>
+              <a:t>Mongoose</a:t>
+            </a:r>
+            <a:endParaRPr lang="en-US" sz="5400" b="1" dirty="0"/>
+          </a:p>
+        </p:txBody>
+      </p:sp>
+      <p:pic>
+        <p:nvPicPr>
+          <p:cNvPr id="4" name="Content Placeholder 3"/>
+          <p:cNvPicPr>
+            <a:picLocks noGrp="1" noChangeAspect="1"/>
+          </p:cNvPicPr>
           <p:nvPr>
             <p:ph idx="1"/>
           </p:nvPr>
-        </p:nvSpPr>
-        <p:spPr/>
-        <p:txBody>
-          <a:bodyPr/>
-          <a:lstStyle/>
-          <a:p>
-            <a:endParaRPr lang="en-US"/>
+        </p:nvPicPr>
+        <p:blipFill>
+          <a:blip r:embed="rId2">
+            <a:extLst>
+              <a:ext uri="{28A0092B-C50C-407E-A947-70E740481C1C}">
+                <a14:useLocalDpi xmlns:a14="http://schemas.microsoft.com/office/drawing/2010/main" val="0"/>
+              </a:ext>
+            </a:extLst>
+          </a:blip>
+          <a:stretch>
+            <a:fillRect/>
+          </a:stretch>
+        </p:blipFill>
+        <p:spPr>
+          <a:xfrm>
+            <a:off x="4011612" y="2514600"/>
+            <a:ext cx="4165600" cy="3124200"/>
+          </a:xfrm>
+        </p:spPr>
+      </p:pic>
+      <p:sp>
+        <p:nvSpPr>
+          <p:cNvPr id="5" name="TextBox 4"/>
+          <p:cNvSpPr txBox="1"/>
+          <p:nvPr/>
+        </p:nvSpPr>
+        <p:spPr>
+          <a:xfrm>
+            <a:off x="2587814" y="6082018"/>
+            <a:ext cx="7013196" cy="369332"/>
+          </a:xfrm>
+          <a:prstGeom prst="rect">
+            <a:avLst/>
+          </a:prstGeom>
+          <a:noFill/>
+        </p:spPr>
+        <p:txBody>
+          <a:bodyPr wrap="square" rtlCol="0">
+            <a:spAutoFit/>
+          </a:bodyPr>
+          <a:lstStyle/>
+          <a:p>
+            <a:pPr algn="ctr"/>
+            <a:r>
+              <a:rPr lang="en-US" dirty="0">
+                <a:hlinkClick r:id="rId3"/>
+              </a:rPr>
+              <a:t>https://mongoosejs.com/</a:t>
+            </a:r>
+            <a:endParaRPr lang="en-US" dirty="0"/>
           </a:p>
         </p:txBody>
       </p:sp>
@@ -6343,6 +6441,9 @@
   <p:clrMapOvr>
     <a:masterClrMapping/>
   </p:clrMapOvr>
+  <p:transition spd="med">
+    <p:pull/>
+  </p:transition>
   <p:timing>
     <p:tnLst>
       <p:par>
@@ -6380,6 +6481,260 @@
             <p:ph type="title"/>
           </p:nvPr>
         </p:nvSpPr>
+        <p:spPr/>
+        <p:txBody>
+          <a:bodyPr>
+            <a:normAutofit/>
+          </a:bodyPr>
+          <a:lstStyle/>
+          <a:p>
+            <a:pPr algn="ctr"/>
+            <a:r>
+              <a:rPr lang="en-US" sz="5400" b="1" dirty="0" smtClean="0"/>
+              <a:t>SQLite3</a:t>
+            </a:r>
+            <a:endParaRPr lang="en-US" sz="5400" b="1" dirty="0"/>
+          </a:p>
+        </p:txBody>
+      </p:sp>
+      <p:pic>
+        <p:nvPicPr>
+          <p:cNvPr id="5" name="Content Placeholder 4"/>
+          <p:cNvPicPr>
+            <a:picLocks noGrp="1" noChangeAspect="1"/>
+          </p:cNvPicPr>
+          <p:nvPr>
+            <p:ph idx="1"/>
+          </p:nvPr>
+        </p:nvPicPr>
+        <p:blipFill>
+          <a:blip r:embed="rId2">
+            <a:extLst>
+              <a:ext uri="{28A0092B-C50C-407E-A947-70E740481C1C}">
+                <a14:useLocalDpi xmlns:a14="http://schemas.microsoft.com/office/drawing/2010/main" val="0"/>
+              </a:ext>
+            </a:extLst>
+          </a:blip>
+          <a:stretch>
+            <a:fillRect/>
+          </a:stretch>
+        </p:blipFill>
+        <p:spPr>
+          <a:xfrm>
+            <a:off x="3282346" y="2514600"/>
+            <a:ext cx="5624132" cy="2666776"/>
+          </a:xfrm>
+        </p:spPr>
+      </p:pic>
+      <p:sp>
+        <p:nvSpPr>
+          <p:cNvPr id="4" name="TextBox 3"/>
+          <p:cNvSpPr txBox="1"/>
+          <p:nvPr/>
+        </p:nvSpPr>
+        <p:spPr>
+          <a:xfrm>
+            <a:off x="3683335" y="5943599"/>
+            <a:ext cx="4822154" cy="369332"/>
+          </a:xfrm>
+          <a:prstGeom prst="rect">
+            <a:avLst/>
+          </a:prstGeom>
+          <a:noFill/>
+        </p:spPr>
+        <p:txBody>
+          <a:bodyPr wrap="none" rtlCol="0">
+            <a:spAutoFit/>
+          </a:bodyPr>
+          <a:lstStyle/>
+          <a:p>
+            <a:r>
+              <a:rPr lang="en-US" dirty="0">
+                <a:hlinkClick r:id="rId3"/>
+              </a:rPr>
+              <a:t>https://github.com/mapbox/node-sqlite3</a:t>
+            </a:r>
+            <a:endParaRPr lang="en-US" dirty="0"/>
+          </a:p>
+        </p:txBody>
+      </p:sp>
+    </p:spTree>
+    <p:extLst>
+      <p:ext uri="{BB962C8B-B14F-4D97-AF65-F5344CB8AC3E}">
+        <p14:creationId xmlns:p14="http://schemas.microsoft.com/office/powerpoint/2010/main" val="2790529263"/>
+      </p:ext>
+    </p:extLst>
+  </p:cSld>
+  <p:clrMapOvr>
+    <a:masterClrMapping/>
+  </p:clrMapOvr>
+  <p:transition spd="med">
+    <p:pull/>
+  </p:transition>
+  <p:timing>
+    <p:tnLst>
+      <p:par>
+        <p:cTn id="1" dur="indefinite" restart="never" nodeType="tmRoot"/>
+      </p:par>
+    </p:tnLst>
+  </p:timing>
+</p:sld>
+</file>
+
+<file path=ppt/slides/slide8.xml><?xml version="1.0" encoding="utf-8"?>
+<p:sld xmlns:a="http://schemas.openxmlformats.org/drawingml/2006/main" xmlns:r="http://schemas.openxmlformats.org/officeDocument/2006/relationships" xmlns:p="http://schemas.openxmlformats.org/presentationml/2006/main">
+  <p:cSld>
+    <p:spTree>
+      <p:nvGrpSpPr>
+        <p:cNvPr id="1" name=""/>
+        <p:cNvGrpSpPr/>
+        <p:nvPr/>
+      </p:nvGrpSpPr>
+      <p:grpSpPr>
+        <a:xfrm>
+          <a:off x="0" y="0"/>
+          <a:ext cx="0" cy="0"/>
+          <a:chOff x="0" y="0"/>
+          <a:chExt cx="0" cy="0"/>
+        </a:xfrm>
+      </p:grpSpPr>
+      <p:sp>
+        <p:nvSpPr>
+          <p:cNvPr id="2" name="Title 1"/>
+          <p:cNvSpPr>
+            <a:spLocks noGrp="1"/>
+          </p:cNvSpPr>
+          <p:nvPr>
+            <p:ph type="title"/>
+          </p:nvPr>
+        </p:nvSpPr>
+        <p:spPr/>
+        <p:txBody>
+          <a:bodyPr>
+            <a:normAutofit/>
+          </a:bodyPr>
+          <a:lstStyle/>
+          <a:p>
+            <a:pPr algn="ctr"/>
+            <a:r>
+              <a:rPr lang="en-US" sz="5400" b="1" dirty="0" err="1" smtClean="0"/>
+              <a:t>Sequelize</a:t>
+            </a:r>
+            <a:endParaRPr lang="en-US" sz="5400" b="1" dirty="0"/>
+          </a:p>
+        </p:txBody>
+      </p:sp>
+      <p:pic>
+        <p:nvPicPr>
+          <p:cNvPr id="5" name="Content Placeholder 4"/>
+          <p:cNvPicPr>
+            <a:picLocks noGrp="1" noChangeAspect="1"/>
+          </p:cNvPicPr>
+          <p:nvPr>
+            <p:ph idx="1"/>
+          </p:nvPr>
+        </p:nvPicPr>
+        <p:blipFill>
+          <a:blip r:embed="rId2">
+            <a:extLst>
+              <a:ext uri="{28A0092B-C50C-407E-A947-70E740481C1C}">
+                <a14:useLocalDpi xmlns:a14="http://schemas.microsoft.com/office/drawing/2010/main" val="0"/>
+              </a:ext>
+            </a:extLst>
+          </a:blip>
+          <a:stretch>
+            <a:fillRect/>
+          </a:stretch>
+        </p:blipFill>
+        <p:spPr>
+          <a:xfrm>
+            <a:off x="2946398" y="2514600"/>
+            <a:ext cx="6296025" cy="2628900"/>
+          </a:xfrm>
+        </p:spPr>
+      </p:pic>
+      <p:sp>
+        <p:nvSpPr>
+          <p:cNvPr id="4" name="TextBox 3"/>
+          <p:cNvSpPr txBox="1"/>
+          <p:nvPr/>
+        </p:nvSpPr>
+        <p:spPr>
+          <a:xfrm>
+            <a:off x="4411098" y="5943599"/>
+            <a:ext cx="3366627" cy="369332"/>
+          </a:xfrm>
+          <a:prstGeom prst="rect">
+            <a:avLst/>
+          </a:prstGeom>
+          <a:noFill/>
+        </p:spPr>
+        <p:txBody>
+          <a:bodyPr wrap="none" rtlCol="0">
+            <a:spAutoFit/>
+          </a:bodyPr>
+          <a:lstStyle/>
+          <a:p>
+            <a:r>
+              <a:rPr lang="en-US" dirty="0">
+                <a:hlinkClick r:id="rId3"/>
+              </a:rPr>
+              <a:t>http://docs.sequelizejs.com/</a:t>
+            </a:r>
+            <a:endParaRPr lang="en-US" dirty="0"/>
+          </a:p>
+        </p:txBody>
+      </p:sp>
+    </p:spTree>
+    <p:extLst>
+      <p:ext uri="{BB962C8B-B14F-4D97-AF65-F5344CB8AC3E}">
+        <p14:creationId xmlns:p14="http://schemas.microsoft.com/office/powerpoint/2010/main" val="3361372876"/>
+      </p:ext>
+    </p:extLst>
+  </p:cSld>
+  <p:clrMapOvr>
+    <a:masterClrMapping/>
+  </p:clrMapOvr>
+  <p:transition spd="med">
+    <p:pull/>
+  </p:transition>
+  <p:timing>
+    <p:tnLst>
+      <p:par>
+        <p:cTn id="1" dur="indefinite" restart="never" nodeType="tmRoot"/>
+      </p:par>
+    </p:tnLst>
+  </p:timing>
+</p:sld>
+</file>
+
+<file path=ppt/slides/slide9.xml><?xml version="1.0" encoding="utf-8"?>
+<p:sld xmlns:a="http://schemas.openxmlformats.org/drawingml/2006/main" xmlns:r="http://schemas.openxmlformats.org/officeDocument/2006/relationships" xmlns:p="http://schemas.openxmlformats.org/presentationml/2006/main">
+  <p:cSld>
+    <p:spTree>
+      <p:nvGrpSpPr>
+        <p:cNvPr id="1" name=""/>
+        <p:cNvGrpSpPr/>
+        <p:nvPr/>
+      </p:nvGrpSpPr>
+      <p:grpSpPr>
+        <a:xfrm>
+          <a:off x="0" y="0"/>
+          <a:ext cx="0" cy="0"/>
+          <a:chOff x="0" y="0"/>
+          <a:chExt cx="0" cy="0"/>
+        </a:xfrm>
+      </p:grpSpPr>
+      <p:sp>
+        <p:nvSpPr>
+          <p:cNvPr id="2" name="Title 1"/>
+          <p:cNvSpPr>
+            <a:spLocks noGrp="1"/>
+          </p:cNvSpPr>
+          <p:nvPr>
+            <p:ph type="title"/>
+          </p:nvPr>
+        </p:nvSpPr>
         <p:spPr>
           <a:xfrm>
             <a:off x="1443164" y="4802659"/>
@@ -6468,7 +6823,6 @@
               <a:rPr lang="en-US" dirty="0" smtClean="0"/>
               <a:t>Alan Wilson</a:t>
             </a:r>
-            <a:endParaRPr lang="en-US" dirty="0" smtClean="0"/>
           </a:p>
           <a:p>
             <a:pPr marL="0" indent="0" algn="ctr">
@@ -6527,7 +6881,7 @@
         </p:blipFill>
         <p:spPr>
           <a:xfrm>
-            <a:off x="4951412" y="1292227"/>
+            <a:off x="4951412" y="1226325"/>
             <a:ext cx="1517904" cy="1517904"/>
           </a:xfrm>
           <a:prstGeom prst="rect">

--- a/Presentation.pptx
+++ b/Presentation.pptx
@@ -12,8 +12,9 @@
     <p:sldId id="259" r:id="rId6"/>
     <p:sldId id="262" r:id="rId7"/>
     <p:sldId id="263" r:id="rId8"/>
-    <p:sldId id="264" r:id="rId9"/>
-    <p:sldId id="258" r:id="rId10"/>
+    <p:sldId id="265" r:id="rId9"/>
+    <p:sldId id="264" r:id="rId10"/>
+    <p:sldId id="258" r:id="rId11"/>
   </p:sldIdLst>
   <p:sldSz cx="12192000" cy="6858000"/>
   <p:notesSz cx="6858000" cy="9144000"/>
@@ -333,7 +334,7 @@
           <a:p>
             <a:fld id="{B497CC74-6C4D-4E27-8594-834FBF3C7E8D}" type="datetimeFigureOut">
               <a:rPr lang="en-US" smtClean="0"/>
-              <a:t>11/15/2018</a:t>
+              <a:t>11/29/2018</a:t>
             </a:fld>
             <a:endParaRPr lang="en-US"/>
           </a:p>
@@ -624,7 +625,7 @@
           <a:p>
             <a:fld id="{B497CC74-6C4D-4E27-8594-834FBF3C7E8D}" type="datetimeFigureOut">
               <a:rPr lang="en-US" smtClean="0"/>
-              <a:t>11/15/2018</a:t>
+              <a:t>11/29/2018</a:t>
             </a:fld>
             <a:endParaRPr lang="en-US"/>
           </a:p>
@@ -883,7 +884,7 @@
           <a:p>
             <a:fld id="{B497CC74-6C4D-4E27-8594-834FBF3C7E8D}" type="datetimeFigureOut">
               <a:rPr lang="en-US" smtClean="0"/>
-              <a:t>11/15/2018</a:t>
+              <a:t>11/29/2018</a:t>
             </a:fld>
             <a:endParaRPr lang="en-US"/>
           </a:p>
@@ -1352,7 +1353,7 @@
           <a:p>
             <a:fld id="{B497CC74-6C4D-4E27-8594-834FBF3C7E8D}" type="datetimeFigureOut">
               <a:rPr lang="en-US" smtClean="0"/>
-              <a:t>11/15/2018</a:t>
+              <a:t>11/29/2018</a:t>
             </a:fld>
             <a:endParaRPr lang="en-US"/>
           </a:p>
@@ -1532,7 +1533,7 @@
           <a:p>
             <a:fld id="{B497CC74-6C4D-4E27-8594-834FBF3C7E8D}" type="datetimeFigureOut">
               <a:rPr lang="en-US" smtClean="0"/>
-              <a:t>11/15/2018</a:t>
+              <a:t>11/29/2018</a:t>
             </a:fld>
             <a:endParaRPr lang="en-US"/>
           </a:p>
@@ -2108,7 +2109,7 @@
           <a:p>
             <a:fld id="{B497CC74-6C4D-4E27-8594-834FBF3C7E8D}" type="datetimeFigureOut">
               <a:rPr lang="en-US" smtClean="0"/>
-              <a:t>11/15/2018</a:t>
+              <a:t>11/29/2018</a:t>
             </a:fld>
             <a:endParaRPr lang="en-US"/>
           </a:p>
@@ -2440,7 +2441,7 @@
           <a:p>
             <a:fld id="{B497CC74-6C4D-4E27-8594-834FBF3C7E8D}" type="datetimeFigureOut">
               <a:rPr lang="en-US" smtClean="0"/>
-              <a:t>11/15/2018</a:t>
+              <a:t>11/29/2018</a:t>
             </a:fld>
             <a:endParaRPr lang="en-US"/>
           </a:p>
@@ -2615,7 +2616,7 @@
           <a:p>
             <a:fld id="{B497CC74-6C4D-4E27-8594-834FBF3C7E8D}" type="datetimeFigureOut">
               <a:rPr lang="en-US" smtClean="0"/>
-              <a:t>11/15/2018</a:t>
+              <a:t>11/29/2018</a:t>
             </a:fld>
             <a:endParaRPr lang="en-US"/>
           </a:p>
@@ -2795,7 +2796,7 @@
           <a:p>
             <a:fld id="{B497CC74-6C4D-4E27-8594-834FBF3C7E8D}" type="datetimeFigureOut">
               <a:rPr lang="en-US" smtClean="0"/>
-              <a:t>11/15/2018</a:t>
+              <a:t>11/29/2018</a:t>
             </a:fld>
             <a:endParaRPr lang="en-US"/>
           </a:p>
@@ -2965,7 +2966,7 @@
           <a:p>
             <a:fld id="{B497CC74-6C4D-4E27-8594-834FBF3C7E8D}" type="datetimeFigureOut">
               <a:rPr lang="en-US" smtClean="0"/>
-              <a:t>11/15/2018</a:t>
+              <a:t>11/29/2018</a:t>
             </a:fld>
             <a:endParaRPr lang="en-US"/>
           </a:p>
@@ -3222,7 +3223,7 @@
           <a:p>
             <a:fld id="{B497CC74-6C4D-4E27-8594-834FBF3C7E8D}" type="datetimeFigureOut">
               <a:rPr lang="en-US" smtClean="0"/>
-              <a:t>11/15/2018</a:t>
+              <a:t>11/29/2018</a:t>
             </a:fld>
             <a:endParaRPr lang="en-US"/>
           </a:p>
@@ -3514,7 +3515,7 @@
           <a:p>
             <a:fld id="{B497CC74-6C4D-4E27-8594-834FBF3C7E8D}" type="datetimeFigureOut">
               <a:rPr lang="en-US" smtClean="0"/>
-              <a:t>11/15/2018</a:t>
+              <a:t>11/29/2018</a:t>
             </a:fld>
             <a:endParaRPr lang="en-US"/>
           </a:p>
@@ -3944,7 +3945,7 @@
           <a:p>
             <a:fld id="{B497CC74-6C4D-4E27-8594-834FBF3C7E8D}" type="datetimeFigureOut">
               <a:rPr lang="en-US" smtClean="0"/>
-              <a:t>11/15/2018</a:t>
+              <a:t>11/29/2018</a:t>
             </a:fld>
             <a:endParaRPr lang="en-US"/>
           </a:p>
@@ -4062,7 +4063,7 @@
           <a:p>
             <a:fld id="{B497CC74-6C4D-4E27-8594-834FBF3C7E8D}" type="datetimeFigureOut">
               <a:rPr lang="en-US" smtClean="0"/>
-              <a:t>11/15/2018</a:t>
+              <a:t>11/29/2018</a:t>
             </a:fld>
             <a:endParaRPr lang="en-US"/>
           </a:p>
@@ -4157,7 +4158,7 @@
           <a:p>
             <a:fld id="{B497CC74-6C4D-4E27-8594-834FBF3C7E8D}" type="datetimeFigureOut">
               <a:rPr lang="en-US" smtClean="0"/>
-              <a:t>11/15/2018</a:t>
+              <a:t>11/29/2018</a:t>
             </a:fld>
             <a:endParaRPr lang="en-US"/>
           </a:p>
@@ -4440,7 +4441,7 @@
           <a:p>
             <a:fld id="{B497CC74-6C4D-4E27-8594-834FBF3C7E8D}" type="datetimeFigureOut">
               <a:rPr lang="en-US" smtClean="0"/>
-              <a:t>11/15/2018</a:t>
+              <a:t>11/29/2018</a:t>
             </a:fld>
             <a:endParaRPr lang="en-US"/>
           </a:p>
@@ -4731,7 +4732,7 @@
           <a:p>
             <a:fld id="{B497CC74-6C4D-4E27-8594-834FBF3C7E8D}" type="datetimeFigureOut">
               <a:rPr lang="en-US" smtClean="0"/>
-              <a:t>11/15/2018</a:t>
+              <a:t>11/29/2018</a:t>
             </a:fld>
             <a:endParaRPr lang="en-US"/>
           </a:p>
@@ -4962,7 +4963,7 @@
           <a:p>
             <a:fld id="{B497CC74-6C4D-4E27-8594-834FBF3C7E8D}" type="datetimeFigureOut">
               <a:rPr lang="en-US" smtClean="0"/>
-              <a:t>11/15/2018</a:t>
+              <a:t>11/29/2018</a:t>
             </a:fld>
             <a:endParaRPr lang="en-US"/>
           </a:p>
@@ -5801,11 +5802,7 @@
             </a:r>
             <a:r>
               <a:rPr lang="en-US" dirty="0" smtClean="0"/>
-              <a:t>, </a:t>
-            </a:r>
-            <a:r>
-              <a:rPr lang="en-US" dirty="0" smtClean="0"/>
-              <a:t>2018</a:t>
+              <a:t>, 2018</a:t>
             </a:r>
           </a:p>
           <a:p>
@@ -5830,18 +5827,222 @@
   <p:clrMapOvr>
     <a:masterClrMapping/>
   </p:clrMapOvr>
-  <mc:AlternateContent xmlns:mc="http://schemas.openxmlformats.org/markup-compatibility/2006">
-    <mc:Choice xmlns:p14="http://schemas.microsoft.com/office/powerpoint/2010/main" Requires="p14">
+  <mc:AlternateContent xmlns:mc="http://schemas.openxmlformats.org/markup-compatibility/2006" xmlns:p14="http://schemas.microsoft.com/office/powerpoint/2010/main">
+    <mc:Choice Requires="p14">
       <p:transition spd="slow" p14:dur="800">
         <p:circle/>
       </p:transition>
     </mc:Choice>
-    <mc:Fallback>
+    <mc:Fallback xmlns="">
       <p:transition spd="slow">
         <p:circle/>
       </p:transition>
     </mc:Fallback>
   </mc:AlternateContent>
+  <p:timing>
+    <p:tnLst>
+      <p:par>
+        <p:cTn id="1" dur="indefinite" restart="never" nodeType="tmRoot"/>
+      </p:par>
+    </p:tnLst>
+  </p:timing>
+</p:sld>
+</file>
+
+<file path=ppt/slides/slide10.xml><?xml version="1.0" encoding="utf-8"?>
+<p:sld xmlns:a="http://schemas.openxmlformats.org/drawingml/2006/main" xmlns:r="http://schemas.openxmlformats.org/officeDocument/2006/relationships" xmlns:p="http://schemas.openxmlformats.org/presentationml/2006/main">
+  <p:cSld>
+    <p:spTree>
+      <p:nvGrpSpPr>
+        <p:cNvPr id="1" name=""/>
+        <p:cNvGrpSpPr/>
+        <p:nvPr/>
+      </p:nvGrpSpPr>
+      <p:grpSpPr>
+        <a:xfrm>
+          <a:off x="0" y="0"/>
+          <a:ext cx="0" cy="0"/>
+          <a:chOff x="0" y="0"/>
+          <a:chExt cx="0" cy="0"/>
+        </a:xfrm>
+      </p:grpSpPr>
+      <p:sp>
+        <p:nvSpPr>
+          <p:cNvPr id="2" name="Title 1"/>
+          <p:cNvSpPr>
+            <a:spLocks noGrp="1"/>
+          </p:cNvSpPr>
+          <p:nvPr>
+            <p:ph type="title"/>
+          </p:nvPr>
+        </p:nvSpPr>
+        <p:spPr>
+          <a:xfrm>
+            <a:off x="1443164" y="4802659"/>
+            <a:ext cx="8534400" cy="1507067"/>
+          </a:xfrm>
+        </p:spPr>
+        <p:txBody>
+          <a:bodyPr>
+            <a:normAutofit/>
+          </a:bodyPr>
+          <a:lstStyle/>
+          <a:p>
+            <a:pPr algn="ctr"/>
+            <a:r>
+              <a:rPr lang="en-US" sz="8800" b="1" dirty="0" smtClean="0">
+                <a:latin typeface="Consolas" panose="020B0609020204030204" pitchFamily="49" charset="0"/>
+              </a:rPr>
+              <a:t>&lt;/END&gt;</a:t>
+            </a:r>
+            <a:endParaRPr lang="en-US" sz="8800" b="1" dirty="0">
+              <a:latin typeface="Consolas" panose="020B0609020204030204" pitchFamily="49" charset="0"/>
+            </a:endParaRPr>
+          </a:p>
+        </p:txBody>
+      </p:sp>
+      <p:sp>
+        <p:nvSpPr>
+          <p:cNvPr id="3" name="Content Placeholder 2"/>
+          <p:cNvSpPr>
+            <a:spLocks noGrp="1"/>
+          </p:cNvSpPr>
+          <p:nvPr>
+            <p:ph idx="1"/>
+          </p:nvPr>
+        </p:nvSpPr>
+        <p:spPr>
+          <a:xfrm>
+            <a:off x="1443164" y="685800"/>
+            <a:ext cx="8534400" cy="4116859"/>
+          </a:xfrm>
+        </p:spPr>
+        <p:txBody>
+          <a:bodyPr>
+            <a:normAutofit/>
+          </a:bodyPr>
+          <a:lstStyle/>
+          <a:p>
+            <a:pPr marL="0" indent="0" algn="ctr">
+              <a:buNone/>
+            </a:pPr>
+            <a:r>
+              <a:rPr lang="en-US" dirty="0" smtClean="0"/>
+              <a:t>About Me:</a:t>
+            </a:r>
+          </a:p>
+          <a:p>
+            <a:pPr marL="0" indent="0" algn="ctr">
+              <a:buNone/>
+            </a:pPr>
+            <a:endParaRPr lang="en-US" dirty="0" smtClean="0"/>
+          </a:p>
+          <a:p>
+            <a:pPr marL="0" indent="0" algn="ctr">
+              <a:buNone/>
+            </a:pPr>
+            <a:endParaRPr lang="en-US" dirty="0" smtClean="0"/>
+          </a:p>
+          <a:p>
+            <a:pPr marL="0" indent="0" algn="ctr">
+              <a:buNone/>
+            </a:pPr>
+            <a:r>
+              <a:rPr lang="en-US" dirty="0" smtClean="0"/>
+              <a:t/>
+            </a:r>
+            <a:br>
+              <a:rPr lang="en-US" dirty="0" smtClean="0"/>
+            </a:br>
+            <a:endParaRPr lang="en-US" dirty="0" smtClean="0"/>
+          </a:p>
+          <a:p>
+            <a:pPr marL="0" indent="0" algn="ctr">
+              <a:buNone/>
+            </a:pPr>
+            <a:r>
+              <a:rPr lang="en-US" dirty="0" smtClean="0"/>
+              <a:t>Alan Wilson</a:t>
+            </a:r>
+          </a:p>
+          <a:p>
+            <a:pPr marL="0" indent="0" algn="ctr">
+              <a:buNone/>
+            </a:pPr>
+            <a:r>
+              <a:rPr lang="en-US" dirty="0" smtClean="0">
+                <a:hlinkClick r:id="rId2"/>
+              </a:rPr>
+              <a:t>alanwilson020@gmail.com</a:t>
+            </a:r>
+            <a:endParaRPr lang="en-US" dirty="0" smtClean="0"/>
+          </a:p>
+          <a:p>
+            <a:pPr marL="0" indent="0" algn="ctr">
+              <a:buNone/>
+            </a:pPr>
+            <a:r>
+              <a:rPr lang="en-US" dirty="0" smtClean="0"/>
+              <a:t>309-241-7990</a:t>
+            </a:r>
+          </a:p>
+          <a:p>
+            <a:pPr marL="0" indent="0" algn="ctr">
+              <a:buNone/>
+            </a:pPr>
+            <a:r>
+              <a:rPr lang="en-US" dirty="0" smtClean="0">
+                <a:hlinkClick r:id="rId3"/>
+              </a:rPr>
+              <a:t>http://nannerfox.github.io</a:t>
+            </a:r>
+            <a:endParaRPr lang="en-US" dirty="0"/>
+          </a:p>
+        </p:txBody>
+      </p:sp>
+      <p:pic>
+        <p:nvPicPr>
+          <p:cNvPr id="4" name="Picture 3"/>
+          <p:cNvPicPr>
+            <a:picLocks noChangeAspect="1"/>
+          </p:cNvPicPr>
+          <p:nvPr/>
+        </p:nvPicPr>
+        <p:blipFill>
+          <a:blip r:embed="rId4">
+            <a:extLst>
+              <a:ext uri="{28A0092B-C50C-407E-A947-70E740481C1C}">
+                <a14:useLocalDpi xmlns:a14="http://schemas.microsoft.com/office/drawing/2010/main" val="0"/>
+              </a:ext>
+            </a:extLst>
+          </a:blip>
+          <a:stretch>
+            <a:fillRect/>
+          </a:stretch>
+        </p:blipFill>
+        <p:spPr>
+          <a:xfrm>
+            <a:off x="4951412" y="1226325"/>
+            <a:ext cx="1517904" cy="1517904"/>
+          </a:xfrm>
+          <a:prstGeom prst="rect">
+            <a:avLst/>
+          </a:prstGeom>
+        </p:spPr>
+      </p:pic>
+    </p:spTree>
+    <p:extLst>
+      <p:ext uri="{BB962C8B-B14F-4D97-AF65-F5344CB8AC3E}">
+        <p14:creationId xmlns:p14="http://schemas.microsoft.com/office/powerpoint/2010/main" val="148583045"/>
+      </p:ext>
+    </p:extLst>
+  </p:cSld>
+  <p:clrMapOvr>
+    <a:masterClrMapping/>
+  </p:clrMapOvr>
+  <p:transition spd="med">
+    <p:pull/>
+  </p:transition>
   <p:timing>
     <p:tnLst>
       <p:par>
@@ -6608,6 +6809,94 @@
             <p:ph type="title"/>
           </p:nvPr>
         </p:nvSpPr>
+        <p:spPr>
+          <a:xfrm>
+            <a:off x="1141413" y="609600"/>
+            <a:ext cx="9905998" cy="1041918"/>
+          </a:xfrm>
+        </p:spPr>
+        <p:txBody>
+          <a:bodyPr/>
+          <a:lstStyle/>
+          <a:p>
+            <a:pPr algn="ctr"/>
+            <a:r>
+              <a:rPr lang="en-US" dirty="0" smtClean="0"/>
+              <a:t>Sample SQLite Database</a:t>
+            </a:r>
+            <a:endParaRPr lang="en-US" dirty="0"/>
+          </a:p>
+        </p:txBody>
+      </p:sp>
+      <p:pic>
+        <p:nvPicPr>
+          <p:cNvPr id="4" name="Content Placeholder 3"/>
+          <p:cNvPicPr>
+            <a:picLocks noGrp="1" noChangeAspect="1"/>
+          </p:cNvPicPr>
+          <p:nvPr>
+            <p:ph idx="1"/>
+          </p:nvPr>
+        </p:nvPicPr>
+        <p:blipFill>
+          <a:blip r:embed="rId2">
+            <a:extLst>
+              <a:ext uri="{28A0092B-C50C-407E-A947-70E740481C1C}">
+                <a14:useLocalDpi xmlns:a14="http://schemas.microsoft.com/office/drawing/2010/main" val="0"/>
+              </a:ext>
+            </a:extLst>
+          </a:blip>
+          <a:stretch>
+            <a:fillRect/>
+          </a:stretch>
+        </p:blipFill>
+        <p:spPr>
+          <a:xfrm>
+            <a:off x="2284412" y="1651518"/>
+            <a:ext cx="7620000" cy="3829050"/>
+          </a:xfrm>
+        </p:spPr>
+      </p:pic>
+    </p:spTree>
+    <p:extLst>
+      <p:ext uri="{BB962C8B-B14F-4D97-AF65-F5344CB8AC3E}">
+        <p14:creationId xmlns:p14="http://schemas.microsoft.com/office/powerpoint/2010/main" val="1248444511"/>
+      </p:ext>
+    </p:extLst>
+  </p:cSld>
+  <p:clrMapOvr>
+    <a:masterClrMapping/>
+  </p:clrMapOvr>
+</p:sld>
+</file>
+
+<file path=ppt/slides/slide9.xml><?xml version="1.0" encoding="utf-8"?>
+<p:sld xmlns:a="http://schemas.openxmlformats.org/drawingml/2006/main" xmlns:r="http://schemas.openxmlformats.org/officeDocument/2006/relationships" xmlns:p="http://schemas.openxmlformats.org/presentationml/2006/main">
+  <p:cSld>
+    <p:spTree>
+      <p:nvGrpSpPr>
+        <p:cNvPr id="1" name=""/>
+        <p:cNvGrpSpPr/>
+        <p:nvPr/>
+      </p:nvGrpSpPr>
+      <p:grpSpPr>
+        <a:xfrm>
+          <a:off x="0" y="0"/>
+          <a:ext cx="0" cy="0"/>
+          <a:chOff x="0" y="0"/>
+          <a:chExt cx="0" cy="0"/>
+        </a:xfrm>
+      </p:grpSpPr>
+      <p:sp>
+        <p:nvSpPr>
+          <p:cNvPr id="2" name="Title 1"/>
+          <p:cNvSpPr>
+            <a:spLocks noGrp="1"/>
+          </p:cNvSpPr>
+          <p:nvPr>
+            <p:ph type="title"/>
+          </p:nvPr>
+        </p:nvSpPr>
         <p:spPr/>
         <p:txBody>
           <a:bodyPr>
@@ -6689,210 +6978,6 @@
     <p:extLst>
       <p:ext uri="{BB962C8B-B14F-4D97-AF65-F5344CB8AC3E}">
         <p14:creationId xmlns:p14="http://schemas.microsoft.com/office/powerpoint/2010/main" val="3361372876"/>
-      </p:ext>
-    </p:extLst>
-  </p:cSld>
-  <p:clrMapOvr>
-    <a:masterClrMapping/>
-  </p:clrMapOvr>
-  <p:transition spd="med">
-    <p:pull/>
-  </p:transition>
-  <p:timing>
-    <p:tnLst>
-      <p:par>
-        <p:cTn id="1" dur="indefinite" restart="never" nodeType="tmRoot"/>
-      </p:par>
-    </p:tnLst>
-  </p:timing>
-</p:sld>
-</file>
-
-<file path=ppt/slides/slide9.xml><?xml version="1.0" encoding="utf-8"?>
-<p:sld xmlns:a="http://schemas.openxmlformats.org/drawingml/2006/main" xmlns:r="http://schemas.openxmlformats.org/officeDocument/2006/relationships" xmlns:p="http://schemas.openxmlformats.org/presentationml/2006/main">
-  <p:cSld>
-    <p:spTree>
-      <p:nvGrpSpPr>
-        <p:cNvPr id="1" name=""/>
-        <p:cNvGrpSpPr/>
-        <p:nvPr/>
-      </p:nvGrpSpPr>
-      <p:grpSpPr>
-        <a:xfrm>
-          <a:off x="0" y="0"/>
-          <a:ext cx="0" cy="0"/>
-          <a:chOff x="0" y="0"/>
-          <a:chExt cx="0" cy="0"/>
-        </a:xfrm>
-      </p:grpSpPr>
-      <p:sp>
-        <p:nvSpPr>
-          <p:cNvPr id="2" name="Title 1"/>
-          <p:cNvSpPr>
-            <a:spLocks noGrp="1"/>
-          </p:cNvSpPr>
-          <p:nvPr>
-            <p:ph type="title"/>
-          </p:nvPr>
-        </p:nvSpPr>
-        <p:spPr>
-          <a:xfrm>
-            <a:off x="1443164" y="4802659"/>
-            <a:ext cx="8534400" cy="1507067"/>
-          </a:xfrm>
-        </p:spPr>
-        <p:txBody>
-          <a:bodyPr>
-            <a:normAutofit/>
-          </a:bodyPr>
-          <a:lstStyle/>
-          <a:p>
-            <a:pPr algn="ctr"/>
-            <a:r>
-              <a:rPr lang="en-US" sz="8800" b="1" dirty="0" smtClean="0">
-                <a:latin typeface="Consolas" panose="020B0609020204030204" pitchFamily="49" charset="0"/>
-              </a:rPr>
-              <a:t>&lt;/END&gt;</a:t>
-            </a:r>
-            <a:endParaRPr lang="en-US" sz="8800" b="1" dirty="0">
-              <a:latin typeface="Consolas" panose="020B0609020204030204" pitchFamily="49" charset="0"/>
-            </a:endParaRPr>
-          </a:p>
-        </p:txBody>
-      </p:sp>
-      <p:sp>
-        <p:nvSpPr>
-          <p:cNvPr id="3" name="Content Placeholder 2"/>
-          <p:cNvSpPr>
-            <a:spLocks noGrp="1"/>
-          </p:cNvSpPr>
-          <p:nvPr>
-            <p:ph idx="1"/>
-          </p:nvPr>
-        </p:nvSpPr>
-        <p:spPr>
-          <a:xfrm>
-            <a:off x="1443164" y="685800"/>
-            <a:ext cx="8534400" cy="4116859"/>
-          </a:xfrm>
-        </p:spPr>
-        <p:txBody>
-          <a:bodyPr>
-            <a:normAutofit/>
-          </a:bodyPr>
-          <a:lstStyle/>
-          <a:p>
-            <a:pPr marL="0" indent="0" algn="ctr">
-              <a:buNone/>
-            </a:pPr>
-            <a:r>
-              <a:rPr lang="en-US" dirty="0" smtClean="0"/>
-              <a:t>About Me:</a:t>
-            </a:r>
-          </a:p>
-          <a:p>
-            <a:pPr marL="0" indent="0" algn="ctr">
-              <a:buNone/>
-            </a:pPr>
-            <a:endParaRPr lang="en-US" dirty="0" smtClean="0"/>
-          </a:p>
-          <a:p>
-            <a:pPr marL="0" indent="0" algn="ctr">
-              <a:buNone/>
-            </a:pPr>
-            <a:endParaRPr lang="en-US" dirty="0" smtClean="0"/>
-          </a:p>
-          <a:p>
-            <a:pPr marL="0" indent="0" algn="ctr">
-              <a:buNone/>
-            </a:pPr>
-            <a:r>
-              <a:rPr lang="en-US" dirty="0" smtClean="0"/>
-              <a:t/>
-            </a:r>
-            <a:br>
-              <a:rPr lang="en-US" dirty="0" smtClean="0"/>
-            </a:br>
-            <a:endParaRPr lang="en-US" dirty="0" smtClean="0"/>
-          </a:p>
-          <a:p>
-            <a:pPr marL="0" indent="0" algn="ctr">
-              <a:buNone/>
-            </a:pPr>
-            <a:r>
-              <a:rPr lang="en-US" dirty="0" smtClean="0"/>
-              <a:t>Alan Wilson</a:t>
-            </a:r>
-          </a:p>
-          <a:p>
-            <a:pPr marL="0" indent="0" algn="ctr">
-              <a:buNone/>
-            </a:pPr>
-            <a:r>
-              <a:rPr lang="en-US" dirty="0" smtClean="0">
-                <a:hlinkClick r:id="rId2"/>
-              </a:rPr>
-              <a:t>alanwilson020@gmail.com</a:t>
-            </a:r>
-            <a:endParaRPr lang="en-US" dirty="0" smtClean="0"/>
-          </a:p>
-          <a:p>
-            <a:pPr marL="0" indent="0" algn="ctr">
-              <a:buNone/>
-            </a:pPr>
-            <a:r>
-              <a:rPr lang="en-US" dirty="0" smtClean="0"/>
-              <a:t>309-241-7990</a:t>
-            </a:r>
-          </a:p>
-          <a:p>
-            <a:pPr marL="0" indent="0" algn="ctr">
-              <a:buNone/>
-            </a:pPr>
-            <a:r>
-              <a:rPr lang="en-US" dirty="0" smtClean="0">
-                <a:hlinkClick r:id="rId3"/>
-              </a:rPr>
-              <a:t>http://nannerfox.github.io</a:t>
-            </a:r>
-            <a:endParaRPr lang="en-US" dirty="0"/>
-          </a:p>
-        </p:txBody>
-      </p:sp>
-      <p:pic>
-        <p:nvPicPr>
-          <p:cNvPr id="4" name="Picture 3"/>
-          <p:cNvPicPr>
-            <a:picLocks noChangeAspect="1"/>
-          </p:cNvPicPr>
-          <p:nvPr/>
-        </p:nvPicPr>
-        <p:blipFill>
-          <a:blip r:embed="rId4">
-            <a:extLst>
-              <a:ext uri="{28A0092B-C50C-407E-A947-70E740481C1C}">
-                <a14:useLocalDpi xmlns:a14="http://schemas.microsoft.com/office/drawing/2010/main" val="0"/>
-              </a:ext>
-            </a:extLst>
-          </a:blip>
-          <a:stretch>
-            <a:fillRect/>
-          </a:stretch>
-        </p:blipFill>
-        <p:spPr>
-          <a:xfrm>
-            <a:off x="4951412" y="1226325"/>
-            <a:ext cx="1517904" cy="1517904"/>
-          </a:xfrm>
-          <a:prstGeom prst="rect">
-            <a:avLst/>
-          </a:prstGeom>
-        </p:spPr>
-      </p:pic>
-    </p:spTree>
-    <p:extLst>
-      <p:ext uri="{BB962C8B-B14F-4D97-AF65-F5344CB8AC3E}">
-        <p14:creationId xmlns:p14="http://schemas.microsoft.com/office/powerpoint/2010/main" val="148583045"/>
       </p:ext>
     </p:extLst>
   </p:cSld>

--- a/Presentation.pptx
+++ b/Presentation.pptx
@@ -9,12 +9,13 @@
     <p:sldId id="257" r:id="rId3"/>
     <p:sldId id="260" r:id="rId4"/>
     <p:sldId id="261" r:id="rId5"/>
-    <p:sldId id="259" r:id="rId6"/>
-    <p:sldId id="262" r:id="rId7"/>
-    <p:sldId id="263" r:id="rId8"/>
-    <p:sldId id="265" r:id="rId9"/>
+    <p:sldId id="265" r:id="rId6"/>
+    <p:sldId id="259" r:id="rId7"/>
+    <p:sldId id="262" r:id="rId8"/>
+    <p:sldId id="263" r:id="rId9"/>
     <p:sldId id="264" r:id="rId10"/>
-    <p:sldId id="258" r:id="rId11"/>
+    <p:sldId id="266" r:id="rId11"/>
+    <p:sldId id="258" r:id="rId12"/>
   </p:sldIdLst>
   <p:sldSz cx="12192000" cy="6858000"/>
   <p:notesSz cx="6858000" cy="9144000"/>
@@ -334,7 +335,7 @@
           <a:p>
             <a:fld id="{B497CC74-6C4D-4E27-8594-834FBF3C7E8D}" type="datetimeFigureOut">
               <a:rPr lang="en-US" smtClean="0"/>
-              <a:t>11/29/2018</a:t>
+              <a:t>12/9/2018</a:t>
             </a:fld>
             <a:endParaRPr lang="en-US"/>
           </a:p>
@@ -625,7 +626,7 @@
           <a:p>
             <a:fld id="{B497CC74-6C4D-4E27-8594-834FBF3C7E8D}" type="datetimeFigureOut">
               <a:rPr lang="en-US" smtClean="0"/>
-              <a:t>11/29/2018</a:t>
+              <a:t>12/9/2018</a:t>
             </a:fld>
             <a:endParaRPr lang="en-US"/>
           </a:p>
@@ -884,7 +885,7 @@
           <a:p>
             <a:fld id="{B497CC74-6C4D-4E27-8594-834FBF3C7E8D}" type="datetimeFigureOut">
               <a:rPr lang="en-US" smtClean="0"/>
-              <a:t>11/29/2018</a:t>
+              <a:t>12/9/2018</a:t>
             </a:fld>
             <a:endParaRPr lang="en-US"/>
           </a:p>
@@ -1353,7 +1354,7 @@
           <a:p>
             <a:fld id="{B497CC74-6C4D-4E27-8594-834FBF3C7E8D}" type="datetimeFigureOut">
               <a:rPr lang="en-US" smtClean="0"/>
-              <a:t>11/29/2018</a:t>
+              <a:t>12/9/2018</a:t>
             </a:fld>
             <a:endParaRPr lang="en-US"/>
           </a:p>
@@ -1533,7 +1534,7 @@
           <a:p>
             <a:fld id="{B497CC74-6C4D-4E27-8594-834FBF3C7E8D}" type="datetimeFigureOut">
               <a:rPr lang="en-US" smtClean="0"/>
-              <a:t>11/29/2018</a:t>
+              <a:t>12/9/2018</a:t>
             </a:fld>
             <a:endParaRPr lang="en-US"/>
           </a:p>
@@ -2109,7 +2110,7 @@
           <a:p>
             <a:fld id="{B497CC74-6C4D-4E27-8594-834FBF3C7E8D}" type="datetimeFigureOut">
               <a:rPr lang="en-US" smtClean="0"/>
-              <a:t>11/29/2018</a:t>
+              <a:t>12/9/2018</a:t>
             </a:fld>
             <a:endParaRPr lang="en-US"/>
           </a:p>
@@ -2441,7 +2442,7 @@
           <a:p>
             <a:fld id="{B497CC74-6C4D-4E27-8594-834FBF3C7E8D}" type="datetimeFigureOut">
               <a:rPr lang="en-US" smtClean="0"/>
-              <a:t>11/29/2018</a:t>
+              <a:t>12/9/2018</a:t>
             </a:fld>
             <a:endParaRPr lang="en-US"/>
           </a:p>
@@ -2616,7 +2617,7 @@
           <a:p>
             <a:fld id="{B497CC74-6C4D-4E27-8594-834FBF3C7E8D}" type="datetimeFigureOut">
               <a:rPr lang="en-US" smtClean="0"/>
-              <a:t>11/29/2018</a:t>
+              <a:t>12/9/2018</a:t>
             </a:fld>
             <a:endParaRPr lang="en-US"/>
           </a:p>
@@ -2796,7 +2797,7 @@
           <a:p>
             <a:fld id="{B497CC74-6C4D-4E27-8594-834FBF3C7E8D}" type="datetimeFigureOut">
               <a:rPr lang="en-US" smtClean="0"/>
-              <a:t>11/29/2018</a:t>
+              <a:t>12/9/2018</a:t>
             </a:fld>
             <a:endParaRPr lang="en-US"/>
           </a:p>
@@ -2966,7 +2967,7 @@
           <a:p>
             <a:fld id="{B497CC74-6C4D-4E27-8594-834FBF3C7E8D}" type="datetimeFigureOut">
               <a:rPr lang="en-US" smtClean="0"/>
-              <a:t>11/29/2018</a:t>
+              <a:t>12/9/2018</a:t>
             </a:fld>
             <a:endParaRPr lang="en-US"/>
           </a:p>
@@ -3223,7 +3224,7 @@
           <a:p>
             <a:fld id="{B497CC74-6C4D-4E27-8594-834FBF3C7E8D}" type="datetimeFigureOut">
               <a:rPr lang="en-US" smtClean="0"/>
-              <a:t>11/29/2018</a:t>
+              <a:t>12/9/2018</a:t>
             </a:fld>
             <a:endParaRPr lang="en-US"/>
           </a:p>
@@ -3515,7 +3516,7 @@
           <a:p>
             <a:fld id="{B497CC74-6C4D-4E27-8594-834FBF3C7E8D}" type="datetimeFigureOut">
               <a:rPr lang="en-US" smtClean="0"/>
-              <a:t>11/29/2018</a:t>
+              <a:t>12/9/2018</a:t>
             </a:fld>
             <a:endParaRPr lang="en-US"/>
           </a:p>
@@ -3945,7 +3946,7 @@
           <a:p>
             <a:fld id="{B497CC74-6C4D-4E27-8594-834FBF3C7E8D}" type="datetimeFigureOut">
               <a:rPr lang="en-US" smtClean="0"/>
-              <a:t>11/29/2018</a:t>
+              <a:t>12/9/2018</a:t>
             </a:fld>
             <a:endParaRPr lang="en-US"/>
           </a:p>
@@ -4063,7 +4064,7 @@
           <a:p>
             <a:fld id="{B497CC74-6C4D-4E27-8594-834FBF3C7E8D}" type="datetimeFigureOut">
               <a:rPr lang="en-US" smtClean="0"/>
-              <a:t>11/29/2018</a:t>
+              <a:t>12/9/2018</a:t>
             </a:fld>
             <a:endParaRPr lang="en-US"/>
           </a:p>
@@ -4158,7 +4159,7 @@
           <a:p>
             <a:fld id="{B497CC74-6C4D-4E27-8594-834FBF3C7E8D}" type="datetimeFigureOut">
               <a:rPr lang="en-US" smtClean="0"/>
-              <a:t>11/29/2018</a:t>
+              <a:t>12/9/2018</a:t>
             </a:fld>
             <a:endParaRPr lang="en-US"/>
           </a:p>
@@ -4441,7 +4442,7 @@
           <a:p>
             <a:fld id="{B497CC74-6C4D-4E27-8594-834FBF3C7E8D}" type="datetimeFigureOut">
               <a:rPr lang="en-US" smtClean="0"/>
-              <a:t>11/29/2018</a:t>
+              <a:t>12/9/2018</a:t>
             </a:fld>
             <a:endParaRPr lang="en-US"/>
           </a:p>
@@ -4732,7 +4733,7 @@
           <a:p>
             <a:fld id="{B497CC74-6C4D-4E27-8594-834FBF3C7E8D}" type="datetimeFigureOut">
               <a:rPr lang="en-US" smtClean="0"/>
-              <a:t>11/29/2018</a:t>
+              <a:t>12/9/2018</a:t>
             </a:fld>
             <a:endParaRPr lang="en-US"/>
           </a:p>
@@ -4963,7 +4964,7 @@
           <a:p>
             <a:fld id="{B497CC74-6C4D-4E27-8594-834FBF3C7E8D}" type="datetimeFigureOut">
               <a:rPr lang="en-US" smtClean="0"/>
-              <a:t>11/29/2018</a:t>
+              <a:t>12/9/2018</a:t>
             </a:fld>
             <a:endParaRPr lang="en-US"/>
           </a:p>
@@ -5876,6 +5877,89 @@
             <p:ph type="title"/>
           </p:nvPr>
         </p:nvSpPr>
+        <p:spPr/>
+        <p:txBody>
+          <a:bodyPr/>
+          <a:lstStyle/>
+          <a:p>
+            <a:pPr algn="ctr"/>
+            <a:r>
+              <a:rPr lang="en-US" dirty="0" smtClean="0"/>
+              <a:t>With Great Power, Comes Great Responsibility</a:t>
+            </a:r>
+            <a:endParaRPr lang="en-US" dirty="0"/>
+          </a:p>
+        </p:txBody>
+      </p:sp>
+      <p:pic>
+        <p:nvPicPr>
+          <p:cNvPr id="4" name="Content Placeholder 3"/>
+          <p:cNvPicPr>
+            <a:picLocks noGrp="1" noChangeAspect="1"/>
+          </p:cNvPicPr>
+          <p:nvPr>
+            <p:ph idx="1"/>
+          </p:nvPr>
+        </p:nvPicPr>
+        <p:blipFill>
+          <a:blip r:embed="rId2">
+            <a:extLst>
+              <a:ext uri="{28A0092B-C50C-407E-A947-70E740481C1C}">
+                <a14:useLocalDpi xmlns:a14="http://schemas.microsoft.com/office/drawing/2010/main" val="0"/>
+              </a:ext>
+            </a:extLst>
+          </a:blip>
+          <a:stretch>
+            <a:fillRect/>
+          </a:stretch>
+        </p:blipFill>
+        <p:spPr>
+          <a:xfrm>
+            <a:off x="2922588" y="3252787"/>
+            <a:ext cx="6343650" cy="1952625"/>
+          </a:xfrm>
+        </p:spPr>
+      </p:pic>
+    </p:spTree>
+    <p:extLst>
+      <p:ext uri="{BB962C8B-B14F-4D97-AF65-F5344CB8AC3E}">
+        <p14:creationId xmlns:p14="http://schemas.microsoft.com/office/powerpoint/2010/main" val="1053232506"/>
+      </p:ext>
+    </p:extLst>
+  </p:cSld>
+  <p:clrMapOvr>
+    <a:masterClrMapping/>
+  </p:clrMapOvr>
+</p:sld>
+</file>
+
+<file path=ppt/slides/slide11.xml><?xml version="1.0" encoding="utf-8"?>
+<p:sld xmlns:a="http://schemas.openxmlformats.org/drawingml/2006/main" xmlns:r="http://schemas.openxmlformats.org/officeDocument/2006/relationships" xmlns:p="http://schemas.openxmlformats.org/presentationml/2006/main">
+  <p:cSld>
+    <p:spTree>
+      <p:nvGrpSpPr>
+        <p:cNvPr id="1" name=""/>
+        <p:cNvGrpSpPr/>
+        <p:nvPr/>
+      </p:nvGrpSpPr>
+      <p:grpSpPr>
+        <a:xfrm>
+          <a:off x="0" y="0"/>
+          <a:ext cx="0" cy="0"/>
+          <a:chOff x="0" y="0"/>
+          <a:chExt cx="0" cy="0"/>
+        </a:xfrm>
+      </p:grpSpPr>
+      <p:sp>
+        <p:nvSpPr>
+          <p:cNvPr id="2" name="Title 1"/>
+          <p:cNvSpPr>
+            <a:spLocks noGrp="1"/>
+          </p:cNvSpPr>
+          <p:nvPr>
+            <p:ph type="title"/>
+          </p:nvPr>
+        </p:nvSpPr>
         <p:spPr>
           <a:xfrm>
             <a:off x="1443164" y="4802659"/>
@@ -6104,7 +6188,12 @@
             <p:ph idx="1"/>
           </p:nvPr>
         </p:nvSpPr>
-        <p:spPr/>
+        <p:spPr>
+          <a:xfrm>
+            <a:off x="1141413" y="2279821"/>
+            <a:ext cx="9905998" cy="3857369"/>
+          </a:xfrm>
+        </p:spPr>
         <p:txBody>
           <a:bodyPr/>
           <a:lstStyle/>
@@ -6161,6 +6250,18 @@
             <a:r>
               <a:rPr lang="en-US" dirty="0" smtClean="0"/>
               <a:t>??</a:t>
+            </a:r>
+          </a:p>
+          <a:p>
+            <a:r>
+              <a:rPr lang="en-US" dirty="0"/>
+              <a:t>Follow Along at: </a:t>
+            </a:r>
+            <a:r>
+              <a:rPr lang="en-US" dirty="0">
+                <a:hlinkClick r:id="rId2"/>
+              </a:rPr>
+              <a:t>https://github.com/NannerFox/Javascript-Talk</a:t>
             </a:r>
             <a:endParaRPr lang="en-US" dirty="0"/>
           </a:p>
@@ -6427,6 +6528,94 @@
             <p:ph type="title"/>
           </p:nvPr>
         </p:nvSpPr>
+        <p:spPr>
+          <a:xfrm>
+            <a:off x="1141413" y="609600"/>
+            <a:ext cx="9905998" cy="1041918"/>
+          </a:xfrm>
+        </p:spPr>
+        <p:txBody>
+          <a:bodyPr/>
+          <a:lstStyle/>
+          <a:p>
+            <a:pPr algn="ctr"/>
+            <a:r>
+              <a:rPr lang="en-US" dirty="0" smtClean="0"/>
+              <a:t>Sample SQLite Database</a:t>
+            </a:r>
+            <a:endParaRPr lang="en-US" dirty="0"/>
+          </a:p>
+        </p:txBody>
+      </p:sp>
+      <p:pic>
+        <p:nvPicPr>
+          <p:cNvPr id="4" name="Content Placeholder 3"/>
+          <p:cNvPicPr>
+            <a:picLocks noGrp="1" noChangeAspect="1"/>
+          </p:cNvPicPr>
+          <p:nvPr>
+            <p:ph idx="1"/>
+          </p:nvPr>
+        </p:nvPicPr>
+        <p:blipFill>
+          <a:blip r:embed="rId2">
+            <a:extLst>
+              <a:ext uri="{28A0092B-C50C-407E-A947-70E740481C1C}">
+                <a14:useLocalDpi xmlns:a14="http://schemas.microsoft.com/office/drawing/2010/main" val="0"/>
+              </a:ext>
+            </a:extLst>
+          </a:blip>
+          <a:stretch>
+            <a:fillRect/>
+          </a:stretch>
+        </p:blipFill>
+        <p:spPr>
+          <a:xfrm>
+            <a:off x="2284412" y="1651518"/>
+            <a:ext cx="7620000" cy="3829050"/>
+          </a:xfrm>
+        </p:spPr>
+      </p:pic>
+    </p:spTree>
+    <p:extLst>
+      <p:ext uri="{BB962C8B-B14F-4D97-AF65-F5344CB8AC3E}">
+        <p14:creationId xmlns:p14="http://schemas.microsoft.com/office/powerpoint/2010/main" val="1248444511"/>
+      </p:ext>
+    </p:extLst>
+  </p:cSld>
+  <p:clrMapOvr>
+    <a:masterClrMapping/>
+  </p:clrMapOvr>
+</p:sld>
+</file>
+
+<file path=ppt/slides/slide6.xml><?xml version="1.0" encoding="utf-8"?>
+<p:sld xmlns:a="http://schemas.openxmlformats.org/drawingml/2006/main" xmlns:r="http://schemas.openxmlformats.org/officeDocument/2006/relationships" xmlns:p="http://schemas.openxmlformats.org/presentationml/2006/main">
+  <p:cSld>
+    <p:spTree>
+      <p:nvGrpSpPr>
+        <p:cNvPr id="1" name=""/>
+        <p:cNvGrpSpPr/>
+        <p:nvPr/>
+      </p:nvGrpSpPr>
+      <p:grpSpPr>
+        <a:xfrm>
+          <a:off x="0" y="0"/>
+          <a:ext cx="0" cy="0"/>
+          <a:chOff x="0" y="0"/>
+          <a:chExt cx="0" cy="0"/>
+        </a:xfrm>
+      </p:grpSpPr>
+      <p:sp>
+        <p:nvSpPr>
+          <p:cNvPr id="2" name="Title 1"/>
+          <p:cNvSpPr>
+            <a:spLocks noGrp="1"/>
+          </p:cNvSpPr>
+          <p:nvPr>
+            <p:ph type="title"/>
+          </p:nvPr>
+        </p:nvSpPr>
         <p:spPr/>
         <p:txBody>
           <a:bodyPr>
@@ -6508,134 +6697,6 @@
     <p:extLst>
       <p:ext uri="{BB962C8B-B14F-4D97-AF65-F5344CB8AC3E}">
         <p14:creationId xmlns:p14="http://schemas.microsoft.com/office/powerpoint/2010/main" val="3979627185"/>
-      </p:ext>
-    </p:extLst>
-  </p:cSld>
-  <p:clrMapOvr>
-    <a:masterClrMapping/>
-  </p:clrMapOvr>
-  <p:transition spd="med">
-    <p:pull/>
-  </p:transition>
-  <p:timing>
-    <p:tnLst>
-      <p:par>
-        <p:cTn id="1" dur="indefinite" restart="never" nodeType="tmRoot"/>
-      </p:par>
-    </p:tnLst>
-  </p:timing>
-</p:sld>
-</file>
-
-<file path=ppt/slides/slide6.xml><?xml version="1.0" encoding="utf-8"?>
-<p:sld xmlns:a="http://schemas.openxmlformats.org/drawingml/2006/main" xmlns:r="http://schemas.openxmlformats.org/officeDocument/2006/relationships" xmlns:p="http://schemas.openxmlformats.org/presentationml/2006/main">
-  <p:cSld>
-    <p:spTree>
-      <p:nvGrpSpPr>
-        <p:cNvPr id="1" name=""/>
-        <p:cNvGrpSpPr/>
-        <p:nvPr/>
-      </p:nvGrpSpPr>
-      <p:grpSpPr>
-        <a:xfrm>
-          <a:off x="0" y="0"/>
-          <a:ext cx="0" cy="0"/>
-          <a:chOff x="0" y="0"/>
-          <a:chExt cx="0" cy="0"/>
-        </a:xfrm>
-      </p:grpSpPr>
-      <p:sp>
-        <p:nvSpPr>
-          <p:cNvPr id="2" name="Title 1"/>
-          <p:cNvSpPr>
-            <a:spLocks noGrp="1"/>
-          </p:cNvSpPr>
-          <p:nvPr>
-            <p:ph type="title"/>
-          </p:nvPr>
-        </p:nvSpPr>
-        <p:spPr/>
-        <p:txBody>
-          <a:bodyPr>
-            <a:normAutofit/>
-          </a:bodyPr>
-          <a:lstStyle/>
-          <a:p>
-            <a:pPr algn="ctr"/>
-            <a:r>
-              <a:rPr lang="en-US" sz="5400" b="1" dirty="0" smtClean="0"/>
-              <a:t>Mongoose</a:t>
-            </a:r>
-            <a:endParaRPr lang="en-US" sz="5400" b="1" dirty="0"/>
-          </a:p>
-        </p:txBody>
-      </p:sp>
-      <p:pic>
-        <p:nvPicPr>
-          <p:cNvPr id="4" name="Content Placeholder 3"/>
-          <p:cNvPicPr>
-            <a:picLocks noGrp="1" noChangeAspect="1"/>
-          </p:cNvPicPr>
-          <p:nvPr>
-            <p:ph idx="1"/>
-          </p:nvPr>
-        </p:nvPicPr>
-        <p:blipFill>
-          <a:blip r:embed="rId2">
-            <a:extLst>
-              <a:ext uri="{28A0092B-C50C-407E-A947-70E740481C1C}">
-                <a14:useLocalDpi xmlns:a14="http://schemas.microsoft.com/office/drawing/2010/main" val="0"/>
-              </a:ext>
-            </a:extLst>
-          </a:blip>
-          <a:stretch>
-            <a:fillRect/>
-          </a:stretch>
-        </p:blipFill>
-        <p:spPr>
-          <a:xfrm>
-            <a:off x="4011612" y="2514600"/>
-            <a:ext cx="4165600" cy="3124200"/>
-          </a:xfrm>
-        </p:spPr>
-      </p:pic>
-      <p:sp>
-        <p:nvSpPr>
-          <p:cNvPr id="5" name="TextBox 4"/>
-          <p:cNvSpPr txBox="1"/>
-          <p:nvPr/>
-        </p:nvSpPr>
-        <p:spPr>
-          <a:xfrm>
-            <a:off x="2587814" y="6082018"/>
-            <a:ext cx="7013196" cy="369332"/>
-          </a:xfrm>
-          <a:prstGeom prst="rect">
-            <a:avLst/>
-          </a:prstGeom>
-          <a:noFill/>
-        </p:spPr>
-        <p:txBody>
-          <a:bodyPr wrap="square" rtlCol="0">
-            <a:spAutoFit/>
-          </a:bodyPr>
-          <a:lstStyle/>
-          <a:p>
-            <a:pPr algn="ctr"/>
-            <a:r>
-              <a:rPr lang="en-US" dirty="0">
-                <a:hlinkClick r:id="rId3"/>
-              </a:rPr>
-              <a:t>https://mongoosejs.com/</a:t>
-            </a:r>
-            <a:endParaRPr lang="en-US" dirty="0"/>
-          </a:p>
-        </p:txBody>
-      </p:sp>
-    </p:spTree>
-    <p:extLst>
-      <p:ext uri="{BB962C8B-B14F-4D97-AF65-F5344CB8AC3E}">
-        <p14:creationId xmlns:p14="http://schemas.microsoft.com/office/powerpoint/2010/main" val="4177263277"/>
       </p:ext>
     </p:extLst>
   </p:cSld>
@@ -6692,7 +6753,7 @@
             <a:pPr algn="ctr"/>
             <a:r>
               <a:rPr lang="en-US" sz="5400" b="1" dirty="0" smtClean="0"/>
-              <a:t>SQLite3</a:t>
+              <a:t>Mongoose</a:t>
             </a:r>
             <a:endParaRPr lang="en-US" sz="5400" b="1" dirty="0"/>
           </a:p>
@@ -6700,7 +6761,7 @@
       </p:sp>
       <p:pic>
         <p:nvPicPr>
-          <p:cNvPr id="5" name="Content Placeholder 4"/>
+          <p:cNvPr id="4" name="Content Placeholder 3"/>
           <p:cNvPicPr>
             <a:picLocks noGrp="1" noChangeAspect="1"/>
           </p:cNvPicPr>
@@ -6722,21 +6783,21 @@
         </p:blipFill>
         <p:spPr>
           <a:xfrm>
-            <a:off x="3282346" y="2514600"/>
-            <a:ext cx="5624132" cy="2666776"/>
+            <a:off x="4011612" y="2514600"/>
+            <a:ext cx="4165600" cy="3124200"/>
           </a:xfrm>
         </p:spPr>
       </p:pic>
       <p:sp>
         <p:nvSpPr>
-          <p:cNvPr id="4" name="TextBox 3"/>
+          <p:cNvPr id="5" name="TextBox 4"/>
           <p:cNvSpPr txBox="1"/>
           <p:nvPr/>
         </p:nvSpPr>
         <p:spPr>
           <a:xfrm>
-            <a:off x="3683335" y="5943599"/>
-            <a:ext cx="4822154" cy="369332"/>
+            <a:off x="2587814" y="6082018"/>
+            <a:ext cx="7013196" cy="369332"/>
           </a:xfrm>
           <a:prstGeom prst="rect">
             <a:avLst/>
@@ -6744,16 +6805,17 @@
           <a:noFill/>
         </p:spPr>
         <p:txBody>
-          <a:bodyPr wrap="none" rtlCol="0">
+          <a:bodyPr wrap="square" rtlCol="0">
             <a:spAutoFit/>
           </a:bodyPr>
           <a:lstStyle/>
           <a:p>
+            <a:pPr algn="ctr"/>
             <a:r>
               <a:rPr lang="en-US" dirty="0">
                 <a:hlinkClick r:id="rId3"/>
               </a:rPr>
-              <a:t>https://github.com/mapbox/node-sqlite3</a:t>
+              <a:t>https://mongoosejs.com/</a:t>
             </a:r>
             <a:endParaRPr lang="en-US" dirty="0"/>
           </a:p>
@@ -6762,7 +6824,7 @@
     </p:spTree>
     <p:extLst>
       <p:ext uri="{BB962C8B-B14F-4D97-AF65-F5344CB8AC3E}">
-        <p14:creationId xmlns:p14="http://schemas.microsoft.com/office/powerpoint/2010/main" val="2790529263"/>
+        <p14:creationId xmlns:p14="http://schemas.microsoft.com/office/powerpoint/2010/main" val="4177263277"/>
       </p:ext>
     </p:extLst>
   </p:cSld>
@@ -6809,28 +6871,25 @@
             <p:ph type="title"/>
           </p:nvPr>
         </p:nvSpPr>
-        <p:spPr>
-          <a:xfrm>
-            <a:off x="1141413" y="609600"/>
-            <a:ext cx="9905998" cy="1041918"/>
-          </a:xfrm>
-        </p:spPr>
-        <p:txBody>
-          <a:bodyPr/>
+        <p:spPr/>
+        <p:txBody>
+          <a:bodyPr>
+            <a:normAutofit/>
+          </a:bodyPr>
           <a:lstStyle/>
           <a:p>
             <a:pPr algn="ctr"/>
             <a:r>
-              <a:rPr lang="en-US" dirty="0" smtClean="0"/>
-              <a:t>Sample SQLite Database</a:t>
-            </a:r>
-            <a:endParaRPr lang="en-US" dirty="0"/>
+              <a:rPr lang="en-US" sz="5400" b="1" dirty="0" smtClean="0"/>
+              <a:t>SQLite3</a:t>
+            </a:r>
+            <a:endParaRPr lang="en-US" sz="5400" b="1" dirty="0"/>
           </a:p>
         </p:txBody>
       </p:sp>
       <p:pic>
         <p:nvPicPr>
-          <p:cNvPr id="4" name="Content Placeholder 3"/>
+          <p:cNvPr id="5" name="Content Placeholder 4"/>
           <p:cNvPicPr>
             <a:picLocks noGrp="1" noChangeAspect="1"/>
           </p:cNvPicPr>
@@ -6852,21 +6911,63 @@
         </p:blipFill>
         <p:spPr>
           <a:xfrm>
-            <a:off x="2284412" y="1651518"/>
-            <a:ext cx="7620000" cy="3829050"/>
+            <a:off x="3282346" y="2514600"/>
+            <a:ext cx="5624132" cy="2666776"/>
           </a:xfrm>
         </p:spPr>
       </p:pic>
+      <p:sp>
+        <p:nvSpPr>
+          <p:cNvPr id="4" name="TextBox 3"/>
+          <p:cNvSpPr txBox="1"/>
+          <p:nvPr/>
+        </p:nvSpPr>
+        <p:spPr>
+          <a:xfrm>
+            <a:off x="3683335" y="5943599"/>
+            <a:ext cx="4822154" cy="369332"/>
+          </a:xfrm>
+          <a:prstGeom prst="rect">
+            <a:avLst/>
+          </a:prstGeom>
+          <a:noFill/>
+        </p:spPr>
+        <p:txBody>
+          <a:bodyPr wrap="none" rtlCol="0">
+            <a:spAutoFit/>
+          </a:bodyPr>
+          <a:lstStyle/>
+          <a:p>
+            <a:r>
+              <a:rPr lang="en-US" dirty="0">
+                <a:hlinkClick r:id="rId3"/>
+              </a:rPr>
+              <a:t>https://github.com/mapbox/node-sqlite3</a:t>
+            </a:r>
+            <a:endParaRPr lang="en-US" dirty="0"/>
+          </a:p>
+        </p:txBody>
+      </p:sp>
     </p:spTree>
     <p:extLst>
       <p:ext uri="{BB962C8B-B14F-4D97-AF65-F5344CB8AC3E}">
-        <p14:creationId xmlns:p14="http://schemas.microsoft.com/office/powerpoint/2010/main" val="1248444511"/>
+        <p14:creationId xmlns:p14="http://schemas.microsoft.com/office/powerpoint/2010/main" val="2790529263"/>
       </p:ext>
     </p:extLst>
   </p:cSld>
   <p:clrMapOvr>
     <a:masterClrMapping/>
   </p:clrMapOvr>
+  <p:transition spd="med">
+    <p:pull/>
+  </p:transition>
+  <p:timing>
+    <p:tnLst>
+      <p:par>
+        <p:cTn id="1" dur="indefinite" restart="never" nodeType="tmRoot"/>
+      </p:par>
+    </p:tnLst>
+  </p:timing>
 </p:sld>
 </file>
 

--- a/Presentation.pptx
+++ b/Presentation.pptx
@@ -5930,6 +5930,16 @@
   <p:clrMapOvr>
     <a:masterClrMapping/>
   </p:clrMapOvr>
+  <p:transition spd="med">
+    <p:pull/>
+  </p:transition>
+  <p:timing>
+    <p:tnLst>
+      <p:par>
+        <p:cTn id="1" dur="indefinite" restart="never" nodeType="tmRoot"/>
+      </p:par>
+    </p:tnLst>
+  </p:timing>
 </p:sld>
 </file>
 
@@ -6586,6 +6596,16 @@
   <p:clrMapOvr>
     <a:masterClrMapping/>
   </p:clrMapOvr>
+  <p:transition spd="med">
+    <p:pull/>
+  </p:transition>
+  <p:timing>
+    <p:tnLst>
+      <p:par>
+        <p:cTn id="1" dur="indefinite" restart="never" nodeType="tmRoot"/>
+      </p:par>
+    </p:tnLst>
+  </p:timing>
 </p:sld>
 </file>
 
